--- a/Лекции/4/Основы машинного обучения. Полносвязные нейронные сети.pptx
+++ b/Лекции/4/Основы машинного обучения. Полносвязные нейронные сети.pptx
@@ -12,33 +12,33 @@
     <p:sldId id="374" r:id="rId3"/>
     <p:sldId id="375" r:id="rId4"/>
     <p:sldId id="377" r:id="rId5"/>
-    <p:sldId id="376" r:id="rId6"/>
-    <p:sldId id="378" r:id="rId7"/>
-    <p:sldId id="379" r:id="rId8"/>
-    <p:sldId id="380" r:id="rId9"/>
-    <p:sldId id="381" r:id="rId10"/>
-    <p:sldId id="382" r:id="rId11"/>
-    <p:sldId id="383" r:id="rId12"/>
-    <p:sldId id="385" r:id="rId13"/>
-    <p:sldId id="386" r:id="rId14"/>
-    <p:sldId id="387" r:id="rId15"/>
-    <p:sldId id="389" r:id="rId16"/>
-    <p:sldId id="394" r:id="rId17"/>
-    <p:sldId id="390" r:id="rId18"/>
-    <p:sldId id="392" r:id="rId19"/>
-    <p:sldId id="391" r:id="rId20"/>
-    <p:sldId id="393" r:id="rId21"/>
-    <p:sldId id="395" r:id="rId22"/>
-    <p:sldId id="396" r:id="rId23"/>
-    <p:sldId id="397" r:id="rId24"/>
-    <p:sldId id="398" r:id="rId25"/>
-    <p:sldId id="399" r:id="rId26"/>
-    <p:sldId id="400" r:id="rId27"/>
-    <p:sldId id="401" r:id="rId28"/>
-    <p:sldId id="402" r:id="rId29"/>
-    <p:sldId id="384" r:id="rId30"/>
-    <p:sldId id="403" r:id="rId31"/>
-    <p:sldId id="404" r:id="rId32"/>
+    <p:sldId id="378" r:id="rId6"/>
+    <p:sldId id="380" r:id="rId7"/>
+    <p:sldId id="381" r:id="rId8"/>
+    <p:sldId id="382" r:id="rId9"/>
+    <p:sldId id="383" r:id="rId10"/>
+    <p:sldId id="379" r:id="rId11"/>
+    <p:sldId id="385" r:id="rId12"/>
+    <p:sldId id="386" r:id="rId13"/>
+    <p:sldId id="387" r:id="rId14"/>
+    <p:sldId id="389" r:id="rId15"/>
+    <p:sldId id="394" r:id="rId16"/>
+    <p:sldId id="390" r:id="rId17"/>
+    <p:sldId id="392" r:id="rId18"/>
+    <p:sldId id="391" r:id="rId19"/>
+    <p:sldId id="393" r:id="rId20"/>
+    <p:sldId id="395" r:id="rId21"/>
+    <p:sldId id="396" r:id="rId22"/>
+    <p:sldId id="397" r:id="rId23"/>
+    <p:sldId id="398" r:id="rId24"/>
+    <p:sldId id="399" r:id="rId25"/>
+    <p:sldId id="400" r:id="rId26"/>
+    <p:sldId id="401" r:id="rId27"/>
+    <p:sldId id="402" r:id="rId28"/>
+    <p:sldId id="384" r:id="rId29"/>
+    <p:sldId id="403" r:id="rId30"/>
+    <p:sldId id="404" r:id="rId31"/>
+    <p:sldId id="406" r:id="rId32"/>
     <p:sldId id="405" r:id="rId33"/>
     <p:sldId id="318" r:id="rId34"/>
   </p:sldIdLst>
@@ -270,7 +270,7 @@
           <a:p>
             <a:fld id="{9DB86BB5-34A1-4E33-9CD9-106FBD93A62A}" type="datetimeFigureOut">
               <a:rPr lang="ru-RU" smtClean="0"/>
-              <a:t>31.10.2023</a:t>
+              <a:t>26.03.2024</a:t>
             </a:fld>
             <a:endParaRPr lang="ru-RU"/>
           </a:p>
@@ -695,7 +695,7 @@
     </p:spTree>
     <p:extLst>
       <p:ext uri="{BB962C8B-B14F-4D97-AF65-F5344CB8AC3E}">
-        <p14:creationId xmlns:p14="http://schemas.microsoft.com/office/powerpoint/2010/main" val="3202703056"/>
+        <p14:creationId xmlns:p14="http://schemas.microsoft.com/office/powerpoint/2010/main" val="1152158892"/>
       </p:ext>
     </p:extLst>
   </p:cSld>
@@ -779,7 +779,7 @@
     </p:spTree>
     <p:extLst>
       <p:ext uri="{BB962C8B-B14F-4D97-AF65-F5344CB8AC3E}">
-        <p14:creationId xmlns:p14="http://schemas.microsoft.com/office/powerpoint/2010/main" val="1152158892"/>
+        <p14:creationId xmlns:p14="http://schemas.microsoft.com/office/powerpoint/2010/main" val="1890772483"/>
       </p:ext>
     </p:extLst>
   </p:cSld>
@@ -863,7 +863,7 @@
     </p:spTree>
     <p:extLst>
       <p:ext uri="{BB962C8B-B14F-4D97-AF65-F5344CB8AC3E}">
-        <p14:creationId xmlns:p14="http://schemas.microsoft.com/office/powerpoint/2010/main" val="1890772483"/>
+        <p14:creationId xmlns:p14="http://schemas.microsoft.com/office/powerpoint/2010/main" val="51240402"/>
       </p:ext>
     </p:extLst>
   </p:cSld>
@@ -947,7 +947,7 @@
     </p:spTree>
     <p:extLst>
       <p:ext uri="{BB962C8B-B14F-4D97-AF65-F5344CB8AC3E}">
-        <p14:creationId xmlns:p14="http://schemas.microsoft.com/office/powerpoint/2010/main" val="51240402"/>
+        <p14:creationId xmlns:p14="http://schemas.microsoft.com/office/powerpoint/2010/main" val="4136809911"/>
       </p:ext>
     </p:extLst>
   </p:cSld>
@@ -1031,7 +1031,7 @@
     </p:spTree>
     <p:extLst>
       <p:ext uri="{BB962C8B-B14F-4D97-AF65-F5344CB8AC3E}">
-        <p14:creationId xmlns:p14="http://schemas.microsoft.com/office/powerpoint/2010/main" val="4136809911"/>
+        <p14:creationId xmlns:p14="http://schemas.microsoft.com/office/powerpoint/2010/main" val="3866083528"/>
       </p:ext>
     </p:extLst>
   </p:cSld>
@@ -1115,7 +1115,7 @@
     </p:spTree>
     <p:extLst>
       <p:ext uri="{BB962C8B-B14F-4D97-AF65-F5344CB8AC3E}">
-        <p14:creationId xmlns:p14="http://schemas.microsoft.com/office/powerpoint/2010/main" val="3866083528"/>
+        <p14:creationId xmlns:p14="http://schemas.microsoft.com/office/powerpoint/2010/main" val="3825227227"/>
       </p:ext>
     </p:extLst>
   </p:cSld>
@@ -1199,7 +1199,7 @@
     </p:spTree>
     <p:extLst>
       <p:ext uri="{BB962C8B-B14F-4D97-AF65-F5344CB8AC3E}">
-        <p14:creationId xmlns:p14="http://schemas.microsoft.com/office/powerpoint/2010/main" val="3825227227"/>
+        <p14:creationId xmlns:p14="http://schemas.microsoft.com/office/powerpoint/2010/main" val="3192901623"/>
       </p:ext>
     </p:extLst>
   </p:cSld>
@@ -1283,7 +1283,7 @@
     </p:spTree>
     <p:extLst>
       <p:ext uri="{BB962C8B-B14F-4D97-AF65-F5344CB8AC3E}">
-        <p14:creationId xmlns:p14="http://schemas.microsoft.com/office/powerpoint/2010/main" val="3192901623"/>
+        <p14:creationId xmlns:p14="http://schemas.microsoft.com/office/powerpoint/2010/main" val="745582917"/>
       </p:ext>
     </p:extLst>
   </p:cSld>
@@ -1367,7 +1367,7 @@
     </p:spTree>
     <p:extLst>
       <p:ext uri="{BB962C8B-B14F-4D97-AF65-F5344CB8AC3E}">
-        <p14:creationId xmlns:p14="http://schemas.microsoft.com/office/powerpoint/2010/main" val="745582917"/>
+        <p14:creationId xmlns:p14="http://schemas.microsoft.com/office/powerpoint/2010/main" val="1770301484"/>
       </p:ext>
     </p:extLst>
   </p:cSld>
@@ -1451,7 +1451,7 @@
     </p:spTree>
     <p:extLst>
       <p:ext uri="{BB962C8B-B14F-4D97-AF65-F5344CB8AC3E}">
-        <p14:creationId xmlns:p14="http://schemas.microsoft.com/office/powerpoint/2010/main" val="1770301484"/>
+        <p14:creationId xmlns:p14="http://schemas.microsoft.com/office/powerpoint/2010/main" val="3666101214"/>
       </p:ext>
     </p:extLst>
   </p:cSld>
@@ -1619,7 +1619,7 @@
     </p:spTree>
     <p:extLst>
       <p:ext uri="{BB962C8B-B14F-4D97-AF65-F5344CB8AC3E}">
-        <p14:creationId xmlns:p14="http://schemas.microsoft.com/office/powerpoint/2010/main" val="3666101214"/>
+        <p14:creationId xmlns:p14="http://schemas.microsoft.com/office/powerpoint/2010/main" val="1294692812"/>
       </p:ext>
     </p:extLst>
   </p:cSld>
@@ -1703,7 +1703,7 @@
     </p:spTree>
     <p:extLst>
       <p:ext uri="{BB962C8B-B14F-4D97-AF65-F5344CB8AC3E}">
-        <p14:creationId xmlns:p14="http://schemas.microsoft.com/office/powerpoint/2010/main" val="1294692812"/>
+        <p14:creationId xmlns:p14="http://schemas.microsoft.com/office/powerpoint/2010/main" val="1487986395"/>
       </p:ext>
     </p:extLst>
   </p:cSld>
@@ -1787,7 +1787,7 @@
     </p:spTree>
     <p:extLst>
       <p:ext uri="{BB962C8B-B14F-4D97-AF65-F5344CB8AC3E}">
-        <p14:creationId xmlns:p14="http://schemas.microsoft.com/office/powerpoint/2010/main" val="1487986395"/>
+        <p14:creationId xmlns:p14="http://schemas.microsoft.com/office/powerpoint/2010/main" val="4120165070"/>
       </p:ext>
     </p:extLst>
   </p:cSld>
@@ -1871,7 +1871,7 @@
     </p:spTree>
     <p:extLst>
       <p:ext uri="{BB962C8B-B14F-4D97-AF65-F5344CB8AC3E}">
-        <p14:creationId xmlns:p14="http://schemas.microsoft.com/office/powerpoint/2010/main" val="4120165070"/>
+        <p14:creationId xmlns:p14="http://schemas.microsoft.com/office/powerpoint/2010/main" val="1998882880"/>
       </p:ext>
     </p:extLst>
   </p:cSld>
@@ -1955,7 +1955,7 @@
     </p:spTree>
     <p:extLst>
       <p:ext uri="{BB962C8B-B14F-4D97-AF65-F5344CB8AC3E}">
-        <p14:creationId xmlns:p14="http://schemas.microsoft.com/office/powerpoint/2010/main" val="1998882880"/>
+        <p14:creationId xmlns:p14="http://schemas.microsoft.com/office/powerpoint/2010/main" val="1674408672"/>
       </p:ext>
     </p:extLst>
   </p:cSld>
@@ -2039,7 +2039,7 @@
     </p:spTree>
     <p:extLst>
       <p:ext uri="{BB962C8B-B14F-4D97-AF65-F5344CB8AC3E}">
-        <p14:creationId xmlns:p14="http://schemas.microsoft.com/office/powerpoint/2010/main" val="1674408672"/>
+        <p14:creationId xmlns:p14="http://schemas.microsoft.com/office/powerpoint/2010/main" val="4036702781"/>
       </p:ext>
     </p:extLst>
   </p:cSld>
@@ -2123,7 +2123,7 @@
     </p:spTree>
     <p:extLst>
       <p:ext uri="{BB962C8B-B14F-4D97-AF65-F5344CB8AC3E}">
-        <p14:creationId xmlns:p14="http://schemas.microsoft.com/office/powerpoint/2010/main" val="4036702781"/>
+        <p14:creationId xmlns:p14="http://schemas.microsoft.com/office/powerpoint/2010/main" val="12618417"/>
       </p:ext>
     </p:extLst>
   </p:cSld>
@@ -2207,7 +2207,7 @@
     </p:spTree>
     <p:extLst>
       <p:ext uri="{BB962C8B-B14F-4D97-AF65-F5344CB8AC3E}">
-        <p14:creationId xmlns:p14="http://schemas.microsoft.com/office/powerpoint/2010/main" val="12618417"/>
+        <p14:creationId xmlns:p14="http://schemas.microsoft.com/office/powerpoint/2010/main" val="1018932994"/>
       </p:ext>
     </p:extLst>
   </p:cSld>
@@ -2291,7 +2291,7 @@
     </p:spTree>
     <p:extLst>
       <p:ext uri="{BB962C8B-B14F-4D97-AF65-F5344CB8AC3E}">
-        <p14:creationId xmlns:p14="http://schemas.microsoft.com/office/powerpoint/2010/main" val="1018932994"/>
+        <p14:creationId xmlns:p14="http://schemas.microsoft.com/office/powerpoint/2010/main" val="3979515684"/>
       </p:ext>
     </p:extLst>
   </p:cSld>
@@ -2375,7 +2375,7 @@
     </p:spTree>
     <p:extLst>
       <p:ext uri="{BB962C8B-B14F-4D97-AF65-F5344CB8AC3E}">
-        <p14:creationId xmlns:p14="http://schemas.microsoft.com/office/powerpoint/2010/main" val="3979515684"/>
+        <p14:creationId xmlns:p14="http://schemas.microsoft.com/office/powerpoint/2010/main" val="278625481"/>
       </p:ext>
     </p:extLst>
   </p:cSld>
@@ -2543,7 +2543,7 @@
     </p:spTree>
     <p:extLst>
       <p:ext uri="{BB962C8B-B14F-4D97-AF65-F5344CB8AC3E}">
-        <p14:creationId xmlns:p14="http://schemas.microsoft.com/office/powerpoint/2010/main" val="278625481"/>
+        <p14:creationId xmlns:p14="http://schemas.microsoft.com/office/powerpoint/2010/main" val="195216130"/>
       </p:ext>
     </p:extLst>
   </p:cSld>
@@ -2711,7 +2711,7 @@
     </p:spTree>
     <p:extLst>
       <p:ext uri="{BB962C8B-B14F-4D97-AF65-F5344CB8AC3E}">
-        <p14:creationId xmlns:p14="http://schemas.microsoft.com/office/powerpoint/2010/main" val="2792953348"/>
+        <p14:creationId xmlns:p14="http://schemas.microsoft.com/office/powerpoint/2010/main" val="2887497538"/>
       </p:ext>
     </p:extLst>
   </p:cSld>
@@ -2795,7 +2795,7 @@
     </p:spTree>
     <p:extLst>
       <p:ext uri="{BB962C8B-B14F-4D97-AF65-F5344CB8AC3E}">
-        <p14:creationId xmlns:p14="http://schemas.microsoft.com/office/powerpoint/2010/main" val="2887497538"/>
+        <p14:creationId xmlns:p14="http://schemas.microsoft.com/office/powerpoint/2010/main" val="706912039"/>
       </p:ext>
     </p:extLst>
   </p:cSld>
@@ -2879,7 +2879,7 @@
     </p:spTree>
     <p:extLst>
       <p:ext uri="{BB962C8B-B14F-4D97-AF65-F5344CB8AC3E}">
-        <p14:creationId xmlns:p14="http://schemas.microsoft.com/office/powerpoint/2010/main" val="4166103151"/>
+        <p14:creationId xmlns:p14="http://schemas.microsoft.com/office/powerpoint/2010/main" val="982851303"/>
       </p:ext>
     </p:extLst>
   </p:cSld>
@@ -2963,7 +2963,7 @@
     </p:spTree>
     <p:extLst>
       <p:ext uri="{BB962C8B-B14F-4D97-AF65-F5344CB8AC3E}">
-        <p14:creationId xmlns:p14="http://schemas.microsoft.com/office/powerpoint/2010/main" val="706912039"/>
+        <p14:creationId xmlns:p14="http://schemas.microsoft.com/office/powerpoint/2010/main" val="155295037"/>
       </p:ext>
     </p:extLst>
   </p:cSld>
@@ -3047,7 +3047,7 @@
     </p:spTree>
     <p:extLst>
       <p:ext uri="{BB962C8B-B14F-4D97-AF65-F5344CB8AC3E}">
-        <p14:creationId xmlns:p14="http://schemas.microsoft.com/office/powerpoint/2010/main" val="982851303"/>
+        <p14:creationId xmlns:p14="http://schemas.microsoft.com/office/powerpoint/2010/main" val="3202703056"/>
       </p:ext>
     </p:extLst>
   </p:cSld>
@@ -3131,7 +3131,7 @@
     </p:spTree>
     <p:extLst>
       <p:ext uri="{BB962C8B-B14F-4D97-AF65-F5344CB8AC3E}">
-        <p14:creationId xmlns:p14="http://schemas.microsoft.com/office/powerpoint/2010/main" val="155295037"/>
+        <p14:creationId xmlns:p14="http://schemas.microsoft.com/office/powerpoint/2010/main" val="4166103151"/>
       </p:ext>
     </p:extLst>
   </p:cSld>
@@ -3286,7 +3286,7 @@
               <a:pPr>
                 <a:defRPr/>
               </a:pPr>
-              <a:t>31.10.2023</a:t>
+              <a:t>26.03.2024</a:t>
             </a:fld>
             <a:endParaRPr lang="ru-RU"/>
           </a:p>
@@ -3494,7 +3494,7 @@
               <a:pPr>
                 <a:defRPr/>
               </a:pPr>
-              <a:t>31.10.2023</a:t>
+              <a:t>26.03.2024</a:t>
             </a:fld>
             <a:endParaRPr lang="ru-RU"/>
           </a:p>
@@ -3712,7 +3712,7 @@
               <a:pPr>
                 <a:defRPr/>
               </a:pPr>
-              <a:t>31.10.2023</a:t>
+              <a:t>26.03.2024</a:t>
             </a:fld>
             <a:endParaRPr lang="ru-RU"/>
           </a:p>
@@ -3920,7 +3920,7 @@
               <a:pPr>
                 <a:defRPr/>
               </a:pPr>
-              <a:t>31.10.2023</a:t>
+              <a:t>26.03.2024</a:t>
             </a:fld>
             <a:endParaRPr lang="ru-RU"/>
           </a:p>
@@ -4205,7 +4205,7 @@
               <a:pPr>
                 <a:defRPr/>
               </a:pPr>
-              <a:t>31.10.2023</a:t>
+              <a:t>26.03.2024</a:t>
             </a:fld>
             <a:endParaRPr lang="ru-RU"/>
           </a:p>
@@ -4474,7 +4474,7 @@
               <a:pPr>
                 <a:defRPr/>
               </a:pPr>
-              <a:t>31.10.2023</a:t>
+              <a:t>26.03.2024</a:t>
             </a:fld>
             <a:endParaRPr lang="ru-RU"/>
           </a:p>
@@ -4878,7 +4878,7 @@
               <a:pPr>
                 <a:defRPr/>
               </a:pPr>
-              <a:t>31.10.2023</a:t>
+              <a:t>26.03.2024</a:t>
             </a:fld>
             <a:endParaRPr lang="ru-RU"/>
           </a:p>
@@ -5035,7 +5035,7 @@
               <a:pPr>
                 <a:defRPr/>
               </a:pPr>
-              <a:t>31.10.2023</a:t>
+              <a:t>26.03.2024</a:t>
             </a:fld>
             <a:endParaRPr lang="ru-RU"/>
           </a:p>
@@ -5170,7 +5170,7 @@
               <a:pPr>
                 <a:defRPr/>
               </a:pPr>
-              <a:t>31.10.2023</a:t>
+              <a:t>26.03.2024</a:t>
             </a:fld>
             <a:endParaRPr lang="ru-RU"/>
           </a:p>
@@ -5485,7 +5485,7 @@
               <a:pPr>
                 <a:defRPr/>
               </a:pPr>
-              <a:t>31.10.2023</a:t>
+              <a:t>26.03.2024</a:t>
             </a:fld>
             <a:endParaRPr lang="ru-RU"/>
           </a:p>
@@ -5780,7 +5780,7 @@
               <a:pPr>
                 <a:defRPr/>
               </a:pPr>
-              <a:t>31.10.2023</a:t>
+              <a:t>26.03.2024</a:t>
             </a:fld>
             <a:endParaRPr lang="ru-RU"/>
           </a:p>
@@ -6101,7 +6101,7 @@
               <a:pPr>
                 <a:defRPr/>
               </a:pPr>
-              <a:t>31.10.2023</a:t>
+              <a:t>26.03.2024</a:t>
             </a:fld>
             <a:endParaRPr lang="ru-RU"/>
           </a:p>
@@ -7144,7 +7144,7 @@
                   <a:srgbClr val="FF0000"/>
                 </a:solidFill>
               </a:rPr>
-              <a:t>Обучение с учителем</a:t>
+              <a:t>Задачи машинного обучения</a:t>
             </a:r>
           </a:p>
         </p:txBody>
@@ -7212,37 +7212,24 @@
           </a:xfrm>
         </p:spPr>
       </p:pic>
-      <p:pic>
-        <p:nvPicPr>
-          <p:cNvPr id="3074" name="Picture 2">
+      <p:sp>
+        <p:nvSpPr>
+          <p:cNvPr id="5" name="Содержимое 2">
             <a:extLst>
               <a:ext uri="{FF2B5EF4-FFF2-40B4-BE49-F238E27FC236}">
-                <a16:creationId xmlns:a16="http://schemas.microsoft.com/office/drawing/2014/main" id="{F41F882C-C482-A11A-B9AE-F5C04120F300}"/>
+                <a16:creationId xmlns:a16="http://schemas.microsoft.com/office/drawing/2014/main" id="{87B27992-992A-EC3A-7C41-3CE812E130CB}"/>
               </a:ext>
             </a:extLst>
           </p:cNvPr>
-          <p:cNvPicPr>
-            <a:picLocks noChangeAspect="1" noChangeArrowheads="1"/>
-          </p:cNvPicPr>
+          <p:cNvSpPr txBox="1">
+            <a:spLocks/>
+          </p:cNvSpPr>
           <p:nvPr/>
-        </p:nvPicPr>
-        <p:blipFill>
-          <a:blip r:embed="rId4">
-            <a:extLst>
-              <a:ext uri="{28A0092B-C50C-407E-A947-70E740481C1C}">
-                <a14:useLocalDpi xmlns:a14="http://schemas.microsoft.com/office/drawing/2010/main" val="0"/>
-              </a:ext>
-            </a:extLst>
-          </a:blip>
-          <a:srcRect/>
-          <a:stretch>
-            <a:fillRect/>
-          </a:stretch>
-        </p:blipFill>
+        </p:nvSpPr>
         <p:spPr bwMode="auto">
           <a:xfrm>
-            <a:off x="1636712" y="1291724"/>
-            <a:ext cx="8918576" cy="4714666"/>
+            <a:off x="815666" y="1207747"/>
+            <a:ext cx="10975281" cy="4351337"/>
           </a:xfrm>
           <a:prstGeom prst="rect">
             <a:avLst/>
@@ -7251,12 +7238,310 @@
           <a:ln>
             <a:noFill/>
           </a:ln>
+          <a:extLst>
+            <a:ext uri="{909E8E84-426E-40DD-AFC4-6F175D3DCCD1}">
+              <a14:hiddenFill xmlns:a14="http://schemas.microsoft.com/office/drawing/2010/main">
+                <a:solidFill>
+                  <a:srgbClr val="FFFFFF"/>
+                </a:solidFill>
+              </a14:hiddenFill>
+            </a:ext>
+            <a:ext uri="{91240B29-F687-4F45-9708-019B960494DF}">
+              <a14:hiddenLine xmlns:a14="http://schemas.microsoft.com/office/drawing/2010/main" w="9525">
+                <a:solidFill>
+                  <a:srgbClr val="000000"/>
+                </a:solidFill>
+                <a:miter lim="800000"/>
+                <a:headEnd/>
+                <a:tailEnd/>
+              </a14:hiddenLine>
+            </a:ext>
+          </a:extLst>
         </p:spPr>
-      </p:pic>
+        <p:txBody>
+          <a:bodyPr vert="horz" wrap="square" lIns="91440" tIns="45720" rIns="91440" bIns="45720" numCol="1" anchor="t" anchorCtr="0" compatLnSpc="1">
+            <a:prstTxWarp prst="textNoShape">
+              <a:avLst/>
+            </a:prstTxWarp>
+          </a:bodyPr>
+          <a:lstStyle>
+            <a:lvl1pPr marL="228600" indent="-228600" algn="l" rtl="0" eaLnBrk="0" fontAlgn="base" hangingPunct="0">
+              <a:lnSpc>
+                <a:spcPct val="90000"/>
+              </a:lnSpc>
+              <a:spcBef>
+                <a:spcPts val="1000"/>
+              </a:spcBef>
+              <a:spcAft>
+                <a:spcPct val="0"/>
+              </a:spcAft>
+              <a:buFont typeface="Arial" panose="020B0604020202020204" pitchFamily="34" charset="0"/>
+              <a:buChar char="•"/>
+              <a:defRPr sz="2800" kern="1200">
+                <a:solidFill>
+                  <a:schemeClr val="tx1"/>
+                </a:solidFill>
+                <a:latin typeface="+mn-lt"/>
+                <a:ea typeface="+mn-ea"/>
+                <a:cs typeface="+mn-cs"/>
+              </a:defRPr>
+            </a:lvl1pPr>
+            <a:lvl2pPr marL="685800" indent="-228600" algn="l" rtl="0" eaLnBrk="0" fontAlgn="base" hangingPunct="0">
+              <a:lnSpc>
+                <a:spcPct val="90000"/>
+              </a:lnSpc>
+              <a:spcBef>
+                <a:spcPts val="500"/>
+              </a:spcBef>
+              <a:spcAft>
+                <a:spcPct val="0"/>
+              </a:spcAft>
+              <a:buFont typeface="Arial" panose="020B0604020202020204" pitchFamily="34" charset="0"/>
+              <a:buChar char="•"/>
+              <a:defRPr sz="2400" kern="1200">
+                <a:solidFill>
+                  <a:schemeClr val="tx1"/>
+                </a:solidFill>
+                <a:latin typeface="+mn-lt"/>
+                <a:ea typeface="+mn-ea"/>
+                <a:cs typeface="+mn-cs"/>
+              </a:defRPr>
+            </a:lvl2pPr>
+            <a:lvl3pPr marL="1143000" indent="-228600" algn="l" rtl="0" eaLnBrk="0" fontAlgn="base" hangingPunct="0">
+              <a:lnSpc>
+                <a:spcPct val="90000"/>
+              </a:lnSpc>
+              <a:spcBef>
+                <a:spcPts val="500"/>
+              </a:spcBef>
+              <a:spcAft>
+                <a:spcPct val="0"/>
+              </a:spcAft>
+              <a:buFont typeface="Arial" panose="020B0604020202020204" pitchFamily="34" charset="0"/>
+              <a:buChar char="•"/>
+              <a:defRPr sz="2000" kern="1200">
+                <a:solidFill>
+                  <a:schemeClr val="tx1"/>
+                </a:solidFill>
+                <a:latin typeface="+mn-lt"/>
+                <a:ea typeface="+mn-ea"/>
+                <a:cs typeface="+mn-cs"/>
+              </a:defRPr>
+            </a:lvl3pPr>
+            <a:lvl4pPr marL="1600200" indent="-228600" algn="l" rtl="0" eaLnBrk="0" fontAlgn="base" hangingPunct="0">
+              <a:lnSpc>
+                <a:spcPct val="90000"/>
+              </a:lnSpc>
+              <a:spcBef>
+                <a:spcPts val="500"/>
+              </a:spcBef>
+              <a:spcAft>
+                <a:spcPct val="0"/>
+              </a:spcAft>
+              <a:buFont typeface="Arial" panose="020B0604020202020204" pitchFamily="34" charset="0"/>
+              <a:buChar char="•"/>
+              <a:defRPr kern="1200">
+                <a:solidFill>
+                  <a:schemeClr val="tx1"/>
+                </a:solidFill>
+                <a:latin typeface="+mn-lt"/>
+                <a:ea typeface="+mn-ea"/>
+                <a:cs typeface="+mn-cs"/>
+              </a:defRPr>
+            </a:lvl4pPr>
+            <a:lvl5pPr marL="2057400" indent="-228600" algn="l" rtl="0" eaLnBrk="0" fontAlgn="base" hangingPunct="0">
+              <a:lnSpc>
+                <a:spcPct val="90000"/>
+              </a:lnSpc>
+              <a:spcBef>
+                <a:spcPts val="500"/>
+              </a:spcBef>
+              <a:spcAft>
+                <a:spcPct val="0"/>
+              </a:spcAft>
+              <a:buFont typeface="Arial" panose="020B0604020202020204" pitchFamily="34" charset="0"/>
+              <a:buChar char="•"/>
+              <a:defRPr kern="1200">
+                <a:solidFill>
+                  <a:schemeClr val="tx1"/>
+                </a:solidFill>
+                <a:latin typeface="+mn-lt"/>
+                <a:ea typeface="+mn-ea"/>
+                <a:cs typeface="+mn-cs"/>
+              </a:defRPr>
+            </a:lvl5pPr>
+            <a:lvl6pPr marL="2514600" indent="-228600" algn="l" defTabSz="914400" rtl="0" eaLnBrk="1" latinLnBrk="0" hangingPunct="1">
+              <a:lnSpc>
+                <a:spcPct val="90000"/>
+              </a:lnSpc>
+              <a:spcBef>
+                <a:spcPts val="500"/>
+              </a:spcBef>
+              <a:buFont typeface="Arial" panose="020B0604020202020204" pitchFamily="34" charset="0"/>
+              <a:buChar char="•"/>
+              <a:defRPr sz="1800" kern="1200">
+                <a:solidFill>
+                  <a:schemeClr val="tx1"/>
+                </a:solidFill>
+                <a:latin typeface="+mn-lt"/>
+                <a:ea typeface="+mn-ea"/>
+                <a:cs typeface="+mn-cs"/>
+              </a:defRPr>
+            </a:lvl6pPr>
+            <a:lvl7pPr marL="2971800" indent="-228600" algn="l" defTabSz="914400" rtl="0" eaLnBrk="1" latinLnBrk="0" hangingPunct="1">
+              <a:lnSpc>
+                <a:spcPct val="90000"/>
+              </a:lnSpc>
+              <a:spcBef>
+                <a:spcPts val="500"/>
+              </a:spcBef>
+              <a:buFont typeface="Arial" panose="020B0604020202020204" pitchFamily="34" charset="0"/>
+              <a:buChar char="•"/>
+              <a:defRPr sz="1800" kern="1200">
+                <a:solidFill>
+                  <a:schemeClr val="tx1"/>
+                </a:solidFill>
+                <a:latin typeface="+mn-lt"/>
+                <a:ea typeface="+mn-ea"/>
+                <a:cs typeface="+mn-cs"/>
+              </a:defRPr>
+            </a:lvl7pPr>
+            <a:lvl8pPr marL="3429000" indent="-228600" algn="l" defTabSz="914400" rtl="0" eaLnBrk="1" latinLnBrk="0" hangingPunct="1">
+              <a:lnSpc>
+                <a:spcPct val="90000"/>
+              </a:lnSpc>
+              <a:spcBef>
+                <a:spcPts val="500"/>
+              </a:spcBef>
+              <a:buFont typeface="Arial" panose="020B0604020202020204" pitchFamily="34" charset="0"/>
+              <a:buChar char="•"/>
+              <a:defRPr sz="1800" kern="1200">
+                <a:solidFill>
+                  <a:schemeClr val="tx1"/>
+                </a:solidFill>
+                <a:latin typeface="+mn-lt"/>
+                <a:ea typeface="+mn-ea"/>
+                <a:cs typeface="+mn-cs"/>
+              </a:defRPr>
+            </a:lvl8pPr>
+            <a:lvl9pPr marL="3886200" indent="-228600" algn="l" defTabSz="914400" rtl="0" eaLnBrk="1" latinLnBrk="0" hangingPunct="1">
+              <a:lnSpc>
+                <a:spcPct val="90000"/>
+              </a:lnSpc>
+              <a:spcBef>
+                <a:spcPts val="500"/>
+              </a:spcBef>
+              <a:buFont typeface="Arial" panose="020B0604020202020204" pitchFamily="34" charset="0"/>
+              <a:buChar char="•"/>
+              <a:defRPr sz="1800" kern="1200">
+                <a:solidFill>
+                  <a:schemeClr val="tx1"/>
+                </a:solidFill>
+                <a:latin typeface="+mn-lt"/>
+                <a:ea typeface="+mn-ea"/>
+                <a:cs typeface="+mn-cs"/>
+              </a:defRPr>
+            </a:lvl9pPr>
+          </a:lstStyle>
+          <a:p>
+            <a:pPr eaLnBrk="1" fontAlgn="auto" hangingPunct="1">
+              <a:spcAft>
+                <a:spcPts val="0"/>
+              </a:spcAft>
+              <a:defRPr/>
+            </a:pPr>
+            <a:r>
+              <a:rPr lang="ru-RU" dirty="0"/>
+              <a:t>Прогнозирование (погода, курс акций)</a:t>
+            </a:r>
+          </a:p>
+          <a:p>
+            <a:pPr eaLnBrk="1" fontAlgn="auto" hangingPunct="1">
+              <a:spcAft>
+                <a:spcPts val="0"/>
+              </a:spcAft>
+              <a:defRPr/>
+            </a:pPr>
+            <a:r>
+              <a:rPr lang="ru-RU" dirty="0"/>
+              <a:t>Классификация (клиенты, пациенты)</a:t>
+            </a:r>
+          </a:p>
+          <a:p>
+            <a:pPr eaLnBrk="1" fontAlgn="auto" hangingPunct="1">
+              <a:spcAft>
+                <a:spcPts val="0"/>
+              </a:spcAft>
+              <a:defRPr/>
+            </a:pPr>
+            <a:r>
+              <a:rPr lang="ru-RU" dirty="0"/>
+              <a:t>Кластеризация (покупатели, избиратели)</a:t>
+            </a:r>
+          </a:p>
+          <a:p>
+            <a:pPr eaLnBrk="1" fontAlgn="auto" hangingPunct="1">
+              <a:spcAft>
+                <a:spcPts val="0"/>
+              </a:spcAft>
+              <a:defRPr/>
+            </a:pPr>
+            <a:r>
+              <a:rPr lang="ru-RU" dirty="0"/>
+              <a:t>Моделирование, цифровые двойники (прогнозирование спроса)</a:t>
+            </a:r>
+          </a:p>
+          <a:p>
+            <a:pPr eaLnBrk="1" fontAlgn="auto" hangingPunct="1">
+              <a:spcAft>
+                <a:spcPts val="0"/>
+              </a:spcAft>
+              <a:defRPr/>
+            </a:pPr>
+            <a:r>
+              <a:rPr lang="ru-RU" dirty="0"/>
+              <a:t>Поиск и анализ паттернов (режимы работы оборудования)</a:t>
+            </a:r>
+          </a:p>
+          <a:p>
+            <a:pPr eaLnBrk="1" fontAlgn="auto" hangingPunct="1">
+              <a:spcAft>
+                <a:spcPts val="0"/>
+              </a:spcAft>
+              <a:defRPr/>
+            </a:pPr>
+            <a:r>
+              <a:rPr lang="ru-RU" dirty="0"/>
+              <a:t>Поиск аномалий (злонамеренная активность, отклонения в работе оборудования) </a:t>
+            </a:r>
+          </a:p>
+          <a:p>
+            <a:pPr eaLnBrk="1" fontAlgn="auto" hangingPunct="1">
+              <a:spcAft>
+                <a:spcPts val="0"/>
+              </a:spcAft>
+              <a:defRPr/>
+            </a:pPr>
+            <a:r>
+              <a:rPr lang="ru-RU" dirty="0"/>
+              <a:t>Оптимизация систем, алгоритмов, процессов</a:t>
+            </a:r>
+          </a:p>
+          <a:p>
+            <a:pPr eaLnBrk="1" fontAlgn="auto" hangingPunct="1">
+              <a:spcAft>
+                <a:spcPts val="0"/>
+              </a:spcAft>
+              <a:defRPr/>
+            </a:pPr>
+            <a:endParaRPr lang="ru-RU" dirty="0"/>
+          </a:p>
+        </p:txBody>
+      </p:sp>
     </p:spTree>
     <p:extLst>
       <p:ext uri="{BB962C8B-B14F-4D97-AF65-F5344CB8AC3E}">
-        <p14:creationId xmlns:p14="http://schemas.microsoft.com/office/powerpoint/2010/main" val="2025337357"/>
+        <p14:creationId xmlns:p14="http://schemas.microsoft.com/office/powerpoint/2010/main" val="1600909241"/>
       </p:ext>
     </p:extLst>
   </p:cSld>
@@ -7461,7 +7746,7 @@
                   <a:srgbClr val="FF0000"/>
                 </a:solidFill>
               </a:rPr>
-              <a:t>Обучение без учителя</a:t>
+              <a:t>Задача регрессии</a:t>
             </a:r>
           </a:p>
         </p:txBody>
@@ -7534,7 +7819,7 @@
           <p:cNvPr id="2" name="Picture 2">
             <a:extLst>
               <a:ext uri="{FF2B5EF4-FFF2-40B4-BE49-F238E27FC236}">
-                <a16:creationId xmlns:a16="http://schemas.microsoft.com/office/drawing/2014/main" id="{56CA119F-1449-D7F6-DAC9-0BA2DD8EC703}"/>
+                <a16:creationId xmlns:a16="http://schemas.microsoft.com/office/drawing/2014/main" id="{D32DE178-EEAC-77AA-FF88-3D60D55517EB}"/>
               </a:ext>
             </a:extLst>
           </p:cNvPr>
@@ -7558,25 +7843,101 @@
         </p:blipFill>
         <p:spPr bwMode="auto">
           <a:xfrm>
-            <a:off x="1393031" y="1282095"/>
-            <a:ext cx="9405937" cy="4733925"/>
+            <a:off x="603100" y="1169382"/>
+            <a:ext cx="6126763" cy="2679700"/>
           </a:xfrm>
           <a:prstGeom prst="rect">
             <a:avLst/>
           </a:prstGeom>
           <a:noFill/>
-          <a:ln w="9525">
+          <a:ln>
             <a:noFill/>
-            <a:miter lim="800000"/>
-            <a:headEnd/>
-            <a:tailEnd/>
           </a:ln>
+          <a:extLst>
+            <a:ext uri="{909E8E84-426E-40DD-AFC4-6F175D3DCCD1}">
+              <a14:hiddenFill xmlns:a14="http://schemas.microsoft.com/office/drawing/2010/main">
+                <a:solidFill>
+                  <a:srgbClr val="FFFFFF"/>
+                </a:solidFill>
+              </a14:hiddenFill>
+            </a:ext>
+            <a:ext uri="{91240B29-F687-4F45-9708-019B960494DF}">
+              <a14:hiddenLine xmlns:a14="http://schemas.microsoft.com/office/drawing/2010/main" w="9525">
+                <a:solidFill>
+                  <a:srgbClr val="000000"/>
+                </a:solidFill>
+                <a:miter lim="800000"/>
+                <a:headEnd/>
+                <a:tailEnd/>
+              </a14:hiddenLine>
+            </a:ext>
+          </a:extLst>
+        </p:spPr>
+      </p:pic>
+      <p:pic>
+        <p:nvPicPr>
+          <p:cNvPr id="7" name="Picture 5">
+            <a:extLst>
+              <a:ext uri="{FF2B5EF4-FFF2-40B4-BE49-F238E27FC236}">
+                <a16:creationId xmlns:a16="http://schemas.microsoft.com/office/drawing/2014/main" id="{7E3499B6-A5C0-0EB0-7AC2-A4F6CBC1F04B}"/>
+              </a:ext>
+            </a:extLst>
+          </p:cNvPr>
+          <p:cNvPicPr>
+            <a:picLocks noChangeAspect="1" noChangeArrowheads="1"/>
+          </p:cNvPicPr>
+          <p:nvPr/>
+        </p:nvPicPr>
+        <p:blipFill>
+          <a:blip r:embed="rId5">
+            <a:extLst>
+              <a:ext uri="{28A0092B-C50C-407E-A947-70E740481C1C}">
+                <a14:useLocalDpi xmlns:a14="http://schemas.microsoft.com/office/drawing/2010/main" val="0"/>
+              </a:ext>
+            </a:extLst>
+          </a:blip>
+          <a:srcRect/>
+          <a:stretch>
+            <a:fillRect/>
+          </a:stretch>
+        </p:blipFill>
+        <p:spPr bwMode="auto">
+          <a:xfrm>
+            <a:off x="5409771" y="4076700"/>
+            <a:ext cx="6179129" cy="2175140"/>
+          </a:xfrm>
+          <a:prstGeom prst="rect">
+            <a:avLst/>
+          </a:prstGeom>
+          <a:noFill/>
+          <a:ln>
+            <a:noFill/>
+          </a:ln>
+          <a:extLst>
+            <a:ext uri="{909E8E84-426E-40DD-AFC4-6F175D3DCCD1}">
+              <a14:hiddenFill xmlns:a14="http://schemas.microsoft.com/office/drawing/2010/main">
+                <a:solidFill>
+                  <a:srgbClr val="FFFFFF"/>
+                </a:solidFill>
+              </a14:hiddenFill>
+            </a:ext>
+            <a:ext uri="{91240B29-F687-4F45-9708-019B960494DF}">
+              <a14:hiddenLine xmlns:a14="http://schemas.microsoft.com/office/drawing/2010/main" w="9525">
+                <a:solidFill>
+                  <a:srgbClr val="000000"/>
+                </a:solidFill>
+                <a:miter lim="800000"/>
+                <a:headEnd/>
+                <a:tailEnd/>
+              </a14:hiddenLine>
+            </a:ext>
+          </a:extLst>
         </p:spPr>
       </p:pic>
     </p:spTree>
     <p:extLst>
       <p:ext uri="{BB962C8B-B14F-4D97-AF65-F5344CB8AC3E}">
-        <p14:creationId xmlns:p14="http://schemas.microsoft.com/office/powerpoint/2010/main" val="368099276"/>
+        <p14:creationId xmlns:p14="http://schemas.microsoft.com/office/powerpoint/2010/main" val="904832225"/>
       </p:ext>
     </p:extLst>
   </p:cSld>
@@ -7781,7 +8142,7 @@
                   <a:srgbClr val="FF0000"/>
                 </a:solidFill>
               </a:rPr>
-              <a:t>Задача регрессии</a:t>
+              <a:t>Задача классификации</a:t>
             </a:r>
           </a:p>
         </p:txBody>
@@ -7851,10 +8212,10 @@
       </p:pic>
       <p:pic>
         <p:nvPicPr>
-          <p:cNvPr id="2" name="Picture 2">
+          <p:cNvPr id="8" name="Picture 2">
             <a:extLst>
               <a:ext uri="{FF2B5EF4-FFF2-40B4-BE49-F238E27FC236}">
-                <a16:creationId xmlns:a16="http://schemas.microsoft.com/office/drawing/2014/main" id="{D32DE178-EEAC-77AA-FF88-3D60D55517EB}"/>
+                <a16:creationId xmlns:a16="http://schemas.microsoft.com/office/drawing/2014/main" id="{F013FD26-0D9C-89DA-735C-6DE9DC56CCD8}"/>
               </a:ext>
             </a:extLst>
           </p:cNvPr>
@@ -7878,8 +8239,8 @@
         </p:blipFill>
         <p:spPr bwMode="auto">
           <a:xfrm>
-            <a:off x="603100" y="1169382"/>
-            <a:ext cx="6126763" cy="2679700"/>
+            <a:off x="603100" y="1882964"/>
+            <a:ext cx="5486400" cy="3532187"/>
           </a:xfrm>
           <a:prstGeom prst="rect">
             <a:avLst/>
@@ -7911,10 +8272,10 @@
       </p:pic>
       <p:pic>
         <p:nvPicPr>
-          <p:cNvPr id="7" name="Picture 5">
+          <p:cNvPr id="10" name="Picture 4">
             <a:extLst>
               <a:ext uri="{FF2B5EF4-FFF2-40B4-BE49-F238E27FC236}">
-                <a16:creationId xmlns:a16="http://schemas.microsoft.com/office/drawing/2014/main" id="{7E3499B6-A5C0-0EB0-7AC2-A4F6CBC1F04B}"/>
+                <a16:creationId xmlns:a16="http://schemas.microsoft.com/office/drawing/2014/main" id="{C77E7978-4416-4464-F91E-03F54B30964C}"/>
               </a:ext>
             </a:extLst>
           </p:cNvPr>
@@ -7938,8 +8299,8 @@
         </p:blipFill>
         <p:spPr bwMode="auto">
           <a:xfrm>
-            <a:off x="5409771" y="4076700"/>
-            <a:ext cx="6179129" cy="2175140"/>
+            <a:off x="6954882" y="1505932"/>
+            <a:ext cx="4267200" cy="4286250"/>
           </a:xfrm>
           <a:prstGeom prst="rect">
             <a:avLst/>
@@ -7972,7 +8333,7 @@
     </p:spTree>
     <p:extLst>
       <p:ext uri="{BB962C8B-B14F-4D97-AF65-F5344CB8AC3E}">
-        <p14:creationId xmlns:p14="http://schemas.microsoft.com/office/powerpoint/2010/main" val="904832225"/>
+        <p14:creationId xmlns:p14="http://schemas.microsoft.com/office/powerpoint/2010/main" val="3541617867"/>
       </p:ext>
     </p:extLst>
   </p:cSld>
@@ -8177,7 +8538,7 @@
                   <a:srgbClr val="FF0000"/>
                 </a:solidFill>
               </a:rPr>
-              <a:t>Задача классификации</a:t>
+              <a:t>Задача кластеризации</a:t>
             </a:r>
           </a:p>
         </p:txBody>
@@ -8247,10 +8608,10 @@
       </p:pic>
       <p:pic>
         <p:nvPicPr>
-          <p:cNvPr id="8" name="Picture 2">
+          <p:cNvPr id="13" name="Picture 2">
             <a:extLst>
               <a:ext uri="{FF2B5EF4-FFF2-40B4-BE49-F238E27FC236}">
-                <a16:creationId xmlns:a16="http://schemas.microsoft.com/office/drawing/2014/main" id="{F013FD26-0D9C-89DA-735C-6DE9DC56CCD8}"/>
+                <a16:creationId xmlns:a16="http://schemas.microsoft.com/office/drawing/2014/main" id="{A3C7BE9E-D3EB-40A2-953D-676539AE9F25}"/>
               </a:ext>
             </a:extLst>
           </p:cNvPr>
@@ -8274,8 +8635,8 @@
         </p:blipFill>
         <p:spPr bwMode="auto">
           <a:xfrm>
-            <a:off x="603100" y="1882964"/>
-            <a:ext cx="5486400" cy="3532187"/>
+            <a:off x="711200" y="2047875"/>
+            <a:ext cx="4878388" cy="3336925"/>
           </a:xfrm>
           <a:prstGeom prst="rect">
             <a:avLst/>
@@ -8307,10 +8668,10 @@
       </p:pic>
       <p:pic>
         <p:nvPicPr>
-          <p:cNvPr id="10" name="Picture 4">
+          <p:cNvPr id="14" name="Picture 3">
             <a:extLst>
               <a:ext uri="{FF2B5EF4-FFF2-40B4-BE49-F238E27FC236}">
-                <a16:creationId xmlns:a16="http://schemas.microsoft.com/office/drawing/2014/main" id="{C77E7978-4416-4464-F91E-03F54B30964C}"/>
+                <a16:creationId xmlns:a16="http://schemas.microsoft.com/office/drawing/2014/main" id="{DA6AD33E-3926-1133-F555-3C0C4B546351}"/>
               </a:ext>
             </a:extLst>
           </p:cNvPr>
@@ -8334,8 +8695,8 @@
         </p:blipFill>
         <p:spPr bwMode="auto">
           <a:xfrm>
-            <a:off x="6954882" y="1505932"/>
-            <a:ext cx="4267200" cy="4286250"/>
+            <a:off x="6205538" y="1822450"/>
+            <a:ext cx="2676525" cy="1820863"/>
           </a:xfrm>
           <a:prstGeom prst="rect">
             <a:avLst/>
@@ -8365,10 +8726,188 @@
           </a:extLst>
         </p:spPr>
       </p:pic>
+      <p:pic>
+        <p:nvPicPr>
+          <p:cNvPr id="15" name="Picture 4">
+            <a:extLst>
+              <a:ext uri="{FF2B5EF4-FFF2-40B4-BE49-F238E27FC236}">
+                <a16:creationId xmlns:a16="http://schemas.microsoft.com/office/drawing/2014/main" id="{8CC04DAD-EFA2-E849-7FA4-33A8DE6D73AD}"/>
+              </a:ext>
+            </a:extLst>
+          </p:cNvPr>
+          <p:cNvPicPr>
+            <a:picLocks noChangeAspect="1" noChangeArrowheads="1"/>
+          </p:cNvPicPr>
+          <p:nvPr/>
+        </p:nvPicPr>
+        <p:blipFill>
+          <a:blip r:embed="rId6">
+            <a:extLst>
+              <a:ext uri="{28A0092B-C50C-407E-A947-70E740481C1C}">
+                <a14:useLocalDpi xmlns:a14="http://schemas.microsoft.com/office/drawing/2010/main" val="0"/>
+              </a:ext>
+            </a:extLst>
+          </a:blip>
+          <a:srcRect/>
+          <a:stretch>
+            <a:fillRect/>
+          </a:stretch>
+        </p:blipFill>
+        <p:spPr bwMode="auto">
+          <a:xfrm>
+            <a:off x="8885238" y="1876425"/>
+            <a:ext cx="2654300" cy="1795463"/>
+          </a:xfrm>
+          <a:prstGeom prst="rect">
+            <a:avLst/>
+          </a:prstGeom>
+          <a:noFill/>
+          <a:ln>
+            <a:noFill/>
+          </a:ln>
+          <a:extLst>
+            <a:ext uri="{909E8E84-426E-40DD-AFC4-6F175D3DCCD1}">
+              <a14:hiddenFill xmlns:a14="http://schemas.microsoft.com/office/drawing/2010/main">
+                <a:solidFill>
+                  <a:srgbClr val="FFFFFF"/>
+                </a:solidFill>
+              </a14:hiddenFill>
+            </a:ext>
+            <a:ext uri="{91240B29-F687-4F45-9708-019B960494DF}">
+              <a14:hiddenLine xmlns:a14="http://schemas.microsoft.com/office/drawing/2010/main" w="9525">
+                <a:solidFill>
+                  <a:srgbClr val="000000"/>
+                </a:solidFill>
+                <a:miter lim="800000"/>
+                <a:headEnd/>
+                <a:tailEnd/>
+              </a14:hiddenLine>
+            </a:ext>
+          </a:extLst>
+        </p:spPr>
+      </p:pic>
+      <p:pic>
+        <p:nvPicPr>
+          <p:cNvPr id="16" name="Picture 5">
+            <a:extLst>
+              <a:ext uri="{FF2B5EF4-FFF2-40B4-BE49-F238E27FC236}">
+                <a16:creationId xmlns:a16="http://schemas.microsoft.com/office/drawing/2014/main" id="{D62EC103-906E-E920-5428-502D50A42581}"/>
+              </a:ext>
+            </a:extLst>
+          </p:cNvPr>
+          <p:cNvPicPr>
+            <a:picLocks noChangeAspect="1" noChangeArrowheads="1"/>
+          </p:cNvPicPr>
+          <p:nvPr/>
+        </p:nvPicPr>
+        <p:blipFill rotWithShape="1">
+          <a:blip r:embed="rId7">
+            <a:extLst>
+              <a:ext uri="{28A0092B-C50C-407E-A947-70E740481C1C}">
+                <a14:useLocalDpi xmlns:a14="http://schemas.microsoft.com/office/drawing/2010/main" val="0"/>
+              </a:ext>
+            </a:extLst>
+          </a:blip>
+          <a:srcRect t="1133" b="-1"/>
+          <a:stretch/>
+        </p:blipFill>
+        <p:spPr bwMode="auto">
+          <a:xfrm>
+            <a:off x="6373813" y="3829050"/>
+            <a:ext cx="2465387" cy="1663700"/>
+          </a:xfrm>
+          <a:prstGeom prst="rect">
+            <a:avLst/>
+          </a:prstGeom>
+          <a:noFill/>
+          <a:ln>
+            <a:noFill/>
+          </a:ln>
+          <a:extLst>
+            <a:ext uri="{909E8E84-426E-40DD-AFC4-6F175D3DCCD1}">
+              <a14:hiddenFill xmlns:a14="http://schemas.microsoft.com/office/drawing/2010/main">
+                <a:solidFill>
+                  <a:srgbClr val="FFFFFF"/>
+                </a:solidFill>
+              </a14:hiddenFill>
+            </a:ext>
+            <a:ext uri="{91240B29-F687-4F45-9708-019B960494DF}">
+              <a14:hiddenLine xmlns:a14="http://schemas.microsoft.com/office/drawing/2010/main" w="9525">
+                <a:solidFill>
+                  <a:srgbClr val="000000"/>
+                </a:solidFill>
+                <a:miter lim="800000"/>
+                <a:headEnd/>
+                <a:tailEnd/>
+              </a14:hiddenLine>
+            </a:ext>
+          </a:extLst>
+        </p:spPr>
+      </p:pic>
+      <p:pic>
+        <p:nvPicPr>
+          <p:cNvPr id="17" name="Picture 6">
+            <a:extLst>
+              <a:ext uri="{FF2B5EF4-FFF2-40B4-BE49-F238E27FC236}">
+                <a16:creationId xmlns:a16="http://schemas.microsoft.com/office/drawing/2014/main" id="{DD78334E-42D6-2381-F36B-9A0ABB54A86A}"/>
+              </a:ext>
+            </a:extLst>
+          </p:cNvPr>
+          <p:cNvPicPr>
+            <a:picLocks noChangeAspect="1" noChangeArrowheads="1"/>
+          </p:cNvPicPr>
+          <p:nvPr/>
+        </p:nvPicPr>
+        <p:blipFill>
+          <a:blip r:embed="rId8">
+            <a:extLst>
+              <a:ext uri="{28A0092B-C50C-407E-A947-70E740481C1C}">
+                <a14:useLocalDpi xmlns:a14="http://schemas.microsoft.com/office/drawing/2010/main" val="0"/>
+              </a:ext>
+            </a:extLst>
+          </a:blip>
+          <a:srcRect/>
+          <a:stretch>
+            <a:fillRect/>
+          </a:stretch>
+        </p:blipFill>
+        <p:spPr bwMode="auto">
+          <a:xfrm>
+            <a:off x="9010650" y="3829050"/>
+            <a:ext cx="2484438" cy="1701800"/>
+          </a:xfrm>
+          <a:prstGeom prst="rect">
+            <a:avLst/>
+          </a:prstGeom>
+          <a:noFill/>
+          <a:ln>
+            <a:noFill/>
+          </a:ln>
+          <a:extLst>
+            <a:ext uri="{909E8E84-426E-40DD-AFC4-6F175D3DCCD1}">
+              <a14:hiddenFill xmlns:a14="http://schemas.microsoft.com/office/drawing/2010/main">
+                <a:solidFill>
+                  <a:srgbClr val="FFFFFF"/>
+                </a:solidFill>
+              </a14:hiddenFill>
+            </a:ext>
+            <a:ext uri="{91240B29-F687-4F45-9708-019B960494DF}">
+              <a14:hiddenLine xmlns:a14="http://schemas.microsoft.com/office/drawing/2010/main" w="9525">
+                <a:solidFill>
+                  <a:srgbClr val="000000"/>
+                </a:solidFill>
+                <a:miter lim="800000"/>
+                <a:headEnd/>
+                <a:tailEnd/>
+              </a14:hiddenLine>
+            </a:ext>
+          </a:extLst>
+        </p:spPr>
+      </p:pic>
     </p:spTree>
     <p:extLst>
       <p:ext uri="{BB962C8B-B14F-4D97-AF65-F5344CB8AC3E}">
-        <p14:creationId xmlns:p14="http://schemas.microsoft.com/office/powerpoint/2010/main" val="3541617867"/>
+        <p14:creationId xmlns:p14="http://schemas.microsoft.com/office/powerpoint/2010/main" val="2186787506"/>
       </p:ext>
     </p:extLst>
   </p:cSld>
@@ -8573,7 +9112,7 @@
                   <a:srgbClr val="FF0000"/>
                 </a:solidFill>
               </a:rPr>
-              <a:t>Задача кластеризации</a:t>
+              <a:t>Проблема переобучения</a:t>
             </a:r>
           </a:p>
         </p:txBody>
@@ -8643,10 +9182,10 @@
       </p:pic>
       <p:pic>
         <p:nvPicPr>
-          <p:cNvPr id="13" name="Picture 2">
+          <p:cNvPr id="6150" name="Picture 6">
             <a:extLst>
               <a:ext uri="{FF2B5EF4-FFF2-40B4-BE49-F238E27FC236}">
-                <a16:creationId xmlns:a16="http://schemas.microsoft.com/office/drawing/2014/main" id="{A3C7BE9E-D3EB-40A2-953D-676539AE9F25}"/>
+                <a16:creationId xmlns:a16="http://schemas.microsoft.com/office/drawing/2014/main" id="{A3101938-926D-79E4-47EA-B2D4992A1391}"/>
               </a:ext>
             </a:extLst>
           </p:cNvPr>
@@ -8670,16 +9209,13 @@
         </p:blipFill>
         <p:spPr bwMode="auto">
           <a:xfrm>
-            <a:off x="711200" y="2047875"/>
-            <a:ext cx="4878388" cy="3336925"/>
+            <a:off x="3348037" y="1439257"/>
+            <a:ext cx="5495925" cy="4419600"/>
           </a:xfrm>
           <a:prstGeom prst="rect">
             <a:avLst/>
           </a:prstGeom>
           <a:noFill/>
-          <a:ln>
-            <a:noFill/>
-          </a:ln>
           <a:extLst>
             <a:ext uri="{909E8E84-426E-40DD-AFC4-6F175D3DCCD1}">
               <a14:hiddenFill xmlns:a14="http://schemas.microsoft.com/office/drawing/2010/main">
@@ -8687,254 +9223,6 @@
                   <a:srgbClr val="FFFFFF"/>
                 </a:solidFill>
               </a14:hiddenFill>
-            </a:ext>
-            <a:ext uri="{91240B29-F687-4F45-9708-019B960494DF}">
-              <a14:hiddenLine xmlns:a14="http://schemas.microsoft.com/office/drawing/2010/main" w="9525">
-                <a:solidFill>
-                  <a:srgbClr val="000000"/>
-                </a:solidFill>
-                <a:miter lim="800000"/>
-                <a:headEnd/>
-                <a:tailEnd/>
-              </a14:hiddenLine>
-            </a:ext>
-          </a:extLst>
-        </p:spPr>
-      </p:pic>
-      <p:pic>
-        <p:nvPicPr>
-          <p:cNvPr id="14" name="Picture 3">
-            <a:extLst>
-              <a:ext uri="{FF2B5EF4-FFF2-40B4-BE49-F238E27FC236}">
-                <a16:creationId xmlns:a16="http://schemas.microsoft.com/office/drawing/2014/main" id="{DA6AD33E-3926-1133-F555-3C0C4B546351}"/>
-              </a:ext>
-            </a:extLst>
-          </p:cNvPr>
-          <p:cNvPicPr>
-            <a:picLocks noChangeAspect="1" noChangeArrowheads="1"/>
-          </p:cNvPicPr>
-          <p:nvPr/>
-        </p:nvPicPr>
-        <p:blipFill>
-          <a:blip r:embed="rId5">
-            <a:extLst>
-              <a:ext uri="{28A0092B-C50C-407E-A947-70E740481C1C}">
-                <a14:useLocalDpi xmlns:a14="http://schemas.microsoft.com/office/drawing/2010/main" val="0"/>
-              </a:ext>
-            </a:extLst>
-          </a:blip>
-          <a:srcRect/>
-          <a:stretch>
-            <a:fillRect/>
-          </a:stretch>
-        </p:blipFill>
-        <p:spPr bwMode="auto">
-          <a:xfrm>
-            <a:off x="6205538" y="1822450"/>
-            <a:ext cx="2676525" cy="1820863"/>
-          </a:xfrm>
-          <a:prstGeom prst="rect">
-            <a:avLst/>
-          </a:prstGeom>
-          <a:noFill/>
-          <a:ln>
-            <a:noFill/>
-          </a:ln>
-          <a:extLst>
-            <a:ext uri="{909E8E84-426E-40DD-AFC4-6F175D3DCCD1}">
-              <a14:hiddenFill xmlns:a14="http://schemas.microsoft.com/office/drawing/2010/main">
-                <a:solidFill>
-                  <a:srgbClr val="FFFFFF"/>
-                </a:solidFill>
-              </a14:hiddenFill>
-            </a:ext>
-            <a:ext uri="{91240B29-F687-4F45-9708-019B960494DF}">
-              <a14:hiddenLine xmlns:a14="http://schemas.microsoft.com/office/drawing/2010/main" w="9525">
-                <a:solidFill>
-                  <a:srgbClr val="000000"/>
-                </a:solidFill>
-                <a:miter lim="800000"/>
-                <a:headEnd/>
-                <a:tailEnd/>
-              </a14:hiddenLine>
-            </a:ext>
-          </a:extLst>
-        </p:spPr>
-      </p:pic>
-      <p:pic>
-        <p:nvPicPr>
-          <p:cNvPr id="15" name="Picture 4">
-            <a:extLst>
-              <a:ext uri="{FF2B5EF4-FFF2-40B4-BE49-F238E27FC236}">
-                <a16:creationId xmlns:a16="http://schemas.microsoft.com/office/drawing/2014/main" id="{8CC04DAD-EFA2-E849-7FA4-33A8DE6D73AD}"/>
-              </a:ext>
-            </a:extLst>
-          </p:cNvPr>
-          <p:cNvPicPr>
-            <a:picLocks noChangeAspect="1" noChangeArrowheads="1"/>
-          </p:cNvPicPr>
-          <p:nvPr/>
-        </p:nvPicPr>
-        <p:blipFill>
-          <a:blip r:embed="rId6">
-            <a:extLst>
-              <a:ext uri="{28A0092B-C50C-407E-A947-70E740481C1C}">
-                <a14:useLocalDpi xmlns:a14="http://schemas.microsoft.com/office/drawing/2010/main" val="0"/>
-              </a:ext>
-            </a:extLst>
-          </a:blip>
-          <a:srcRect/>
-          <a:stretch>
-            <a:fillRect/>
-          </a:stretch>
-        </p:blipFill>
-        <p:spPr bwMode="auto">
-          <a:xfrm>
-            <a:off x="8885238" y="1876425"/>
-            <a:ext cx="2654300" cy="1795463"/>
-          </a:xfrm>
-          <a:prstGeom prst="rect">
-            <a:avLst/>
-          </a:prstGeom>
-          <a:noFill/>
-          <a:ln>
-            <a:noFill/>
-          </a:ln>
-          <a:extLst>
-            <a:ext uri="{909E8E84-426E-40DD-AFC4-6F175D3DCCD1}">
-              <a14:hiddenFill xmlns:a14="http://schemas.microsoft.com/office/drawing/2010/main">
-                <a:solidFill>
-                  <a:srgbClr val="FFFFFF"/>
-                </a:solidFill>
-              </a14:hiddenFill>
-            </a:ext>
-            <a:ext uri="{91240B29-F687-4F45-9708-019B960494DF}">
-              <a14:hiddenLine xmlns:a14="http://schemas.microsoft.com/office/drawing/2010/main" w="9525">
-                <a:solidFill>
-                  <a:srgbClr val="000000"/>
-                </a:solidFill>
-                <a:miter lim="800000"/>
-                <a:headEnd/>
-                <a:tailEnd/>
-              </a14:hiddenLine>
-            </a:ext>
-          </a:extLst>
-        </p:spPr>
-      </p:pic>
-      <p:pic>
-        <p:nvPicPr>
-          <p:cNvPr id="16" name="Picture 5">
-            <a:extLst>
-              <a:ext uri="{FF2B5EF4-FFF2-40B4-BE49-F238E27FC236}">
-                <a16:creationId xmlns:a16="http://schemas.microsoft.com/office/drawing/2014/main" id="{D62EC103-906E-E920-5428-502D50A42581}"/>
-              </a:ext>
-            </a:extLst>
-          </p:cNvPr>
-          <p:cNvPicPr>
-            <a:picLocks noChangeAspect="1" noChangeArrowheads="1"/>
-          </p:cNvPicPr>
-          <p:nvPr/>
-        </p:nvPicPr>
-        <p:blipFill rotWithShape="1">
-          <a:blip r:embed="rId7">
-            <a:extLst>
-              <a:ext uri="{28A0092B-C50C-407E-A947-70E740481C1C}">
-                <a14:useLocalDpi xmlns:a14="http://schemas.microsoft.com/office/drawing/2010/main" val="0"/>
-              </a:ext>
-            </a:extLst>
-          </a:blip>
-          <a:srcRect t="1133" b="-1"/>
-          <a:stretch/>
-        </p:blipFill>
-        <p:spPr bwMode="auto">
-          <a:xfrm>
-            <a:off x="6373813" y="3829050"/>
-            <a:ext cx="2465387" cy="1663700"/>
-          </a:xfrm>
-          <a:prstGeom prst="rect">
-            <a:avLst/>
-          </a:prstGeom>
-          <a:noFill/>
-          <a:ln>
-            <a:noFill/>
-          </a:ln>
-          <a:extLst>
-            <a:ext uri="{909E8E84-426E-40DD-AFC4-6F175D3DCCD1}">
-              <a14:hiddenFill xmlns:a14="http://schemas.microsoft.com/office/drawing/2010/main">
-                <a:solidFill>
-                  <a:srgbClr val="FFFFFF"/>
-                </a:solidFill>
-              </a14:hiddenFill>
-            </a:ext>
-            <a:ext uri="{91240B29-F687-4F45-9708-019B960494DF}">
-              <a14:hiddenLine xmlns:a14="http://schemas.microsoft.com/office/drawing/2010/main" w="9525">
-                <a:solidFill>
-                  <a:srgbClr val="000000"/>
-                </a:solidFill>
-                <a:miter lim="800000"/>
-                <a:headEnd/>
-                <a:tailEnd/>
-              </a14:hiddenLine>
-            </a:ext>
-          </a:extLst>
-        </p:spPr>
-      </p:pic>
-      <p:pic>
-        <p:nvPicPr>
-          <p:cNvPr id="17" name="Picture 6">
-            <a:extLst>
-              <a:ext uri="{FF2B5EF4-FFF2-40B4-BE49-F238E27FC236}">
-                <a16:creationId xmlns:a16="http://schemas.microsoft.com/office/drawing/2014/main" id="{DD78334E-42D6-2381-F36B-9A0ABB54A86A}"/>
-              </a:ext>
-            </a:extLst>
-          </p:cNvPr>
-          <p:cNvPicPr>
-            <a:picLocks noChangeAspect="1" noChangeArrowheads="1"/>
-          </p:cNvPicPr>
-          <p:nvPr/>
-        </p:nvPicPr>
-        <p:blipFill>
-          <a:blip r:embed="rId8">
-            <a:extLst>
-              <a:ext uri="{28A0092B-C50C-407E-A947-70E740481C1C}">
-                <a14:useLocalDpi xmlns:a14="http://schemas.microsoft.com/office/drawing/2010/main" val="0"/>
-              </a:ext>
-            </a:extLst>
-          </a:blip>
-          <a:srcRect/>
-          <a:stretch>
-            <a:fillRect/>
-          </a:stretch>
-        </p:blipFill>
-        <p:spPr bwMode="auto">
-          <a:xfrm>
-            <a:off x="9010650" y="3829050"/>
-            <a:ext cx="2484438" cy="1701800"/>
-          </a:xfrm>
-          <a:prstGeom prst="rect">
-            <a:avLst/>
-          </a:prstGeom>
-          <a:noFill/>
-          <a:ln>
-            <a:noFill/>
-          </a:ln>
-          <a:extLst>
-            <a:ext uri="{909E8E84-426E-40DD-AFC4-6F175D3DCCD1}">
-              <a14:hiddenFill xmlns:a14="http://schemas.microsoft.com/office/drawing/2010/main">
-                <a:solidFill>
-                  <a:srgbClr val="FFFFFF"/>
-                </a:solidFill>
-              </a14:hiddenFill>
-            </a:ext>
-            <a:ext uri="{91240B29-F687-4F45-9708-019B960494DF}">
-              <a14:hiddenLine xmlns:a14="http://schemas.microsoft.com/office/drawing/2010/main" w="9525">
-                <a:solidFill>
-                  <a:srgbClr val="000000"/>
-                </a:solidFill>
-                <a:miter lim="800000"/>
-                <a:headEnd/>
-                <a:tailEnd/>
-              </a14:hiddenLine>
             </a:ext>
           </a:extLst>
         </p:spPr>
@@ -8942,7 +9230,7 @@
     </p:spTree>
     <p:extLst>
       <p:ext uri="{BB962C8B-B14F-4D97-AF65-F5344CB8AC3E}">
-        <p14:creationId xmlns:p14="http://schemas.microsoft.com/office/powerpoint/2010/main" val="2186787506"/>
+        <p14:creationId xmlns:p14="http://schemas.microsoft.com/office/powerpoint/2010/main" val="1121758773"/>
       </p:ext>
     </p:extLst>
   </p:cSld>
@@ -9147,7 +9435,7 @@
                   <a:srgbClr val="FF0000"/>
                 </a:solidFill>
               </a:rPr>
-              <a:t>Проблема переобучения</a:t>
+              <a:t>Как обнаружить переобучение</a:t>
             </a:r>
           </a:p>
         </p:txBody>
@@ -9215,12 +9503,282 @@
           </a:xfrm>
         </p:spPr>
       </p:pic>
+      <p:sp>
+        <p:nvSpPr>
+          <p:cNvPr id="2" name="Содержимое 2">
+            <a:extLst>
+              <a:ext uri="{FF2B5EF4-FFF2-40B4-BE49-F238E27FC236}">
+                <a16:creationId xmlns:a16="http://schemas.microsoft.com/office/drawing/2014/main" id="{9CC78F8F-5511-A0EB-341D-4F2E8386B74B}"/>
+              </a:ext>
+            </a:extLst>
+          </p:cNvPr>
+          <p:cNvSpPr txBox="1">
+            <a:spLocks/>
+          </p:cNvSpPr>
+          <p:nvPr/>
+        </p:nvSpPr>
+        <p:spPr bwMode="auto">
+          <a:xfrm>
+            <a:off x="815667" y="1207747"/>
+            <a:ext cx="6192688" cy="4351337"/>
+          </a:xfrm>
+          <a:prstGeom prst="rect">
+            <a:avLst/>
+          </a:prstGeom>
+          <a:noFill/>
+          <a:ln>
+            <a:noFill/>
+          </a:ln>
+          <a:extLst>
+            <a:ext uri="{909E8E84-426E-40DD-AFC4-6F175D3DCCD1}">
+              <a14:hiddenFill xmlns:a14="http://schemas.microsoft.com/office/drawing/2010/main">
+                <a:solidFill>
+                  <a:srgbClr val="FFFFFF"/>
+                </a:solidFill>
+              </a14:hiddenFill>
+            </a:ext>
+            <a:ext uri="{91240B29-F687-4F45-9708-019B960494DF}">
+              <a14:hiddenLine xmlns:a14="http://schemas.microsoft.com/office/drawing/2010/main" w="9525">
+                <a:solidFill>
+                  <a:srgbClr val="000000"/>
+                </a:solidFill>
+                <a:miter lim="800000"/>
+                <a:headEnd/>
+                <a:tailEnd/>
+              </a14:hiddenLine>
+            </a:ext>
+          </a:extLst>
+        </p:spPr>
+        <p:txBody>
+          <a:bodyPr vert="horz" wrap="square" lIns="91440" tIns="45720" rIns="91440" bIns="45720" numCol="1" anchor="t" anchorCtr="0" compatLnSpc="1">
+            <a:prstTxWarp prst="textNoShape">
+              <a:avLst/>
+            </a:prstTxWarp>
+          </a:bodyPr>
+          <a:lstStyle>
+            <a:lvl1pPr marL="228600" indent="-228600" algn="l" rtl="0" eaLnBrk="0" fontAlgn="base" hangingPunct="0">
+              <a:lnSpc>
+                <a:spcPct val="90000"/>
+              </a:lnSpc>
+              <a:spcBef>
+                <a:spcPts val="1000"/>
+              </a:spcBef>
+              <a:spcAft>
+                <a:spcPct val="0"/>
+              </a:spcAft>
+              <a:buFont typeface="Arial" panose="020B0604020202020204" pitchFamily="34" charset="0"/>
+              <a:buChar char="•"/>
+              <a:defRPr sz="2800" kern="1200">
+                <a:solidFill>
+                  <a:schemeClr val="tx1"/>
+                </a:solidFill>
+                <a:latin typeface="+mn-lt"/>
+                <a:ea typeface="+mn-ea"/>
+                <a:cs typeface="+mn-cs"/>
+              </a:defRPr>
+            </a:lvl1pPr>
+            <a:lvl2pPr marL="685800" indent="-228600" algn="l" rtl="0" eaLnBrk="0" fontAlgn="base" hangingPunct="0">
+              <a:lnSpc>
+                <a:spcPct val="90000"/>
+              </a:lnSpc>
+              <a:spcBef>
+                <a:spcPts val="500"/>
+              </a:spcBef>
+              <a:spcAft>
+                <a:spcPct val="0"/>
+              </a:spcAft>
+              <a:buFont typeface="Arial" panose="020B0604020202020204" pitchFamily="34" charset="0"/>
+              <a:buChar char="•"/>
+              <a:defRPr sz="2400" kern="1200">
+                <a:solidFill>
+                  <a:schemeClr val="tx1"/>
+                </a:solidFill>
+                <a:latin typeface="+mn-lt"/>
+                <a:ea typeface="+mn-ea"/>
+                <a:cs typeface="+mn-cs"/>
+              </a:defRPr>
+            </a:lvl2pPr>
+            <a:lvl3pPr marL="1143000" indent="-228600" algn="l" rtl="0" eaLnBrk="0" fontAlgn="base" hangingPunct="0">
+              <a:lnSpc>
+                <a:spcPct val="90000"/>
+              </a:lnSpc>
+              <a:spcBef>
+                <a:spcPts val="500"/>
+              </a:spcBef>
+              <a:spcAft>
+                <a:spcPct val="0"/>
+              </a:spcAft>
+              <a:buFont typeface="Arial" panose="020B0604020202020204" pitchFamily="34" charset="0"/>
+              <a:buChar char="•"/>
+              <a:defRPr sz="2000" kern="1200">
+                <a:solidFill>
+                  <a:schemeClr val="tx1"/>
+                </a:solidFill>
+                <a:latin typeface="+mn-lt"/>
+                <a:ea typeface="+mn-ea"/>
+                <a:cs typeface="+mn-cs"/>
+              </a:defRPr>
+            </a:lvl3pPr>
+            <a:lvl4pPr marL="1600200" indent="-228600" algn="l" rtl="0" eaLnBrk="0" fontAlgn="base" hangingPunct="0">
+              <a:lnSpc>
+                <a:spcPct val="90000"/>
+              </a:lnSpc>
+              <a:spcBef>
+                <a:spcPts val="500"/>
+              </a:spcBef>
+              <a:spcAft>
+                <a:spcPct val="0"/>
+              </a:spcAft>
+              <a:buFont typeface="Arial" panose="020B0604020202020204" pitchFamily="34" charset="0"/>
+              <a:buChar char="•"/>
+              <a:defRPr kern="1200">
+                <a:solidFill>
+                  <a:schemeClr val="tx1"/>
+                </a:solidFill>
+                <a:latin typeface="+mn-lt"/>
+                <a:ea typeface="+mn-ea"/>
+                <a:cs typeface="+mn-cs"/>
+              </a:defRPr>
+            </a:lvl4pPr>
+            <a:lvl5pPr marL="2057400" indent="-228600" algn="l" rtl="0" eaLnBrk="0" fontAlgn="base" hangingPunct="0">
+              <a:lnSpc>
+                <a:spcPct val="90000"/>
+              </a:lnSpc>
+              <a:spcBef>
+                <a:spcPts val="500"/>
+              </a:spcBef>
+              <a:spcAft>
+                <a:spcPct val="0"/>
+              </a:spcAft>
+              <a:buFont typeface="Arial" panose="020B0604020202020204" pitchFamily="34" charset="0"/>
+              <a:buChar char="•"/>
+              <a:defRPr kern="1200">
+                <a:solidFill>
+                  <a:schemeClr val="tx1"/>
+                </a:solidFill>
+                <a:latin typeface="+mn-lt"/>
+                <a:ea typeface="+mn-ea"/>
+                <a:cs typeface="+mn-cs"/>
+              </a:defRPr>
+            </a:lvl5pPr>
+            <a:lvl6pPr marL="2514600" indent="-228600" algn="l" defTabSz="914400" rtl="0" eaLnBrk="1" latinLnBrk="0" hangingPunct="1">
+              <a:lnSpc>
+                <a:spcPct val="90000"/>
+              </a:lnSpc>
+              <a:spcBef>
+                <a:spcPts val="500"/>
+              </a:spcBef>
+              <a:buFont typeface="Arial" panose="020B0604020202020204" pitchFamily="34" charset="0"/>
+              <a:buChar char="•"/>
+              <a:defRPr sz="1800" kern="1200">
+                <a:solidFill>
+                  <a:schemeClr val="tx1"/>
+                </a:solidFill>
+                <a:latin typeface="+mn-lt"/>
+                <a:ea typeface="+mn-ea"/>
+                <a:cs typeface="+mn-cs"/>
+              </a:defRPr>
+            </a:lvl6pPr>
+            <a:lvl7pPr marL="2971800" indent="-228600" algn="l" defTabSz="914400" rtl="0" eaLnBrk="1" latinLnBrk="0" hangingPunct="1">
+              <a:lnSpc>
+                <a:spcPct val="90000"/>
+              </a:lnSpc>
+              <a:spcBef>
+                <a:spcPts val="500"/>
+              </a:spcBef>
+              <a:buFont typeface="Arial" panose="020B0604020202020204" pitchFamily="34" charset="0"/>
+              <a:buChar char="•"/>
+              <a:defRPr sz="1800" kern="1200">
+                <a:solidFill>
+                  <a:schemeClr val="tx1"/>
+                </a:solidFill>
+                <a:latin typeface="+mn-lt"/>
+                <a:ea typeface="+mn-ea"/>
+                <a:cs typeface="+mn-cs"/>
+              </a:defRPr>
+            </a:lvl7pPr>
+            <a:lvl8pPr marL="3429000" indent="-228600" algn="l" defTabSz="914400" rtl="0" eaLnBrk="1" latinLnBrk="0" hangingPunct="1">
+              <a:lnSpc>
+                <a:spcPct val="90000"/>
+              </a:lnSpc>
+              <a:spcBef>
+                <a:spcPts val="500"/>
+              </a:spcBef>
+              <a:buFont typeface="Arial" panose="020B0604020202020204" pitchFamily="34" charset="0"/>
+              <a:buChar char="•"/>
+              <a:defRPr sz="1800" kern="1200">
+                <a:solidFill>
+                  <a:schemeClr val="tx1"/>
+                </a:solidFill>
+                <a:latin typeface="+mn-lt"/>
+                <a:ea typeface="+mn-ea"/>
+                <a:cs typeface="+mn-cs"/>
+              </a:defRPr>
+            </a:lvl8pPr>
+            <a:lvl9pPr marL="3886200" indent="-228600" algn="l" defTabSz="914400" rtl="0" eaLnBrk="1" latinLnBrk="0" hangingPunct="1">
+              <a:lnSpc>
+                <a:spcPct val="90000"/>
+              </a:lnSpc>
+              <a:spcBef>
+                <a:spcPts val="500"/>
+              </a:spcBef>
+              <a:buFont typeface="Arial" panose="020B0604020202020204" pitchFamily="34" charset="0"/>
+              <a:buChar char="•"/>
+              <a:defRPr sz="1800" kern="1200">
+                <a:solidFill>
+                  <a:schemeClr val="tx1"/>
+                </a:solidFill>
+                <a:latin typeface="+mn-lt"/>
+                <a:ea typeface="+mn-ea"/>
+                <a:cs typeface="+mn-cs"/>
+              </a:defRPr>
+            </a:lvl9pPr>
+          </a:lstStyle>
+          <a:p>
+            <a:pPr eaLnBrk="1" fontAlgn="auto" hangingPunct="1">
+              <a:spcAft>
+                <a:spcPts val="0"/>
+              </a:spcAft>
+              <a:defRPr/>
+            </a:pPr>
+            <a:r>
+              <a:rPr lang="ru-RU"/>
+              <a:t>Тренировочная выборка для обучения</a:t>
+            </a:r>
+          </a:p>
+          <a:p>
+            <a:pPr eaLnBrk="1" fontAlgn="auto" hangingPunct="1">
+              <a:spcAft>
+                <a:spcPts val="0"/>
+              </a:spcAft>
+              <a:defRPr/>
+            </a:pPr>
+            <a:r>
+              <a:rPr lang="ru-RU"/>
+              <a:t>Тестовая выборка для проверки</a:t>
+            </a:r>
+          </a:p>
+          <a:p>
+            <a:pPr eaLnBrk="1" fontAlgn="auto" hangingPunct="1">
+              <a:spcAft>
+                <a:spcPts val="0"/>
+              </a:spcAft>
+              <a:defRPr/>
+            </a:pPr>
+            <a:r>
+              <a:rPr lang="ru-RU"/>
+              <a:t>Равномерное распределение признаков</a:t>
+            </a:r>
+            <a:endParaRPr lang="ru-RU" dirty="0"/>
+          </a:p>
+        </p:txBody>
+      </p:sp>
       <p:pic>
         <p:nvPicPr>
-          <p:cNvPr id="6150" name="Picture 6">
+          <p:cNvPr id="5" name="Picture 4" descr="Функция train_test_split из Sklearn для разделения датасета перед обучением">
             <a:extLst>
               <a:ext uri="{FF2B5EF4-FFF2-40B4-BE49-F238E27FC236}">
-                <a16:creationId xmlns:a16="http://schemas.microsoft.com/office/drawing/2014/main" id="{A3101938-926D-79E4-47EA-B2D4992A1391}"/>
+                <a16:creationId xmlns:a16="http://schemas.microsoft.com/office/drawing/2014/main" id="{544C8020-409D-539D-7FE3-449695D07384}"/>
               </a:ext>
             </a:extLst>
           </p:cNvPr>
@@ -9244,8 +9802,8 @@
         </p:blipFill>
         <p:spPr bwMode="auto">
           <a:xfrm>
-            <a:off x="3348037" y="1439257"/>
-            <a:ext cx="5495925" cy="4419600"/>
+            <a:off x="5819865" y="2770383"/>
+            <a:ext cx="6032500" cy="3242469"/>
           </a:xfrm>
           <a:prstGeom prst="rect">
             <a:avLst/>
@@ -9265,7 +9823,7 @@
     </p:spTree>
     <p:extLst>
       <p:ext uri="{BB962C8B-B14F-4D97-AF65-F5344CB8AC3E}">
-        <p14:creationId xmlns:p14="http://schemas.microsoft.com/office/powerpoint/2010/main" val="1121758773"/>
+        <p14:creationId xmlns:p14="http://schemas.microsoft.com/office/powerpoint/2010/main" val="1469166678"/>
       </p:ext>
     </p:extLst>
   </p:cSld>
@@ -9470,7 +10028,7 @@
                   <a:srgbClr val="FF0000"/>
                 </a:solidFill>
               </a:rPr>
-              <a:t>Как обнаружить переобучение</a:t>
+              <a:t>Методы борьбы с переобучением</a:t>
             </a:r>
           </a:p>
         </p:txBody>
@@ -9777,8 +10335,8 @@
               <a:defRPr/>
             </a:pPr>
             <a:r>
-              <a:rPr lang="ru-RU"/>
-              <a:t>Тренировочная выборка для обучения</a:t>
+              <a:rPr lang="ru-RU" dirty="0"/>
+              <a:t>Расширение обучающей выборки</a:t>
             </a:r>
           </a:p>
           <a:p>
@@ -9789,8 +10347,8 @@
               <a:defRPr/>
             </a:pPr>
             <a:r>
-              <a:rPr lang="ru-RU"/>
-              <a:t>Тестовая выборка для проверки</a:t>
+              <a:rPr lang="ru-RU" dirty="0"/>
+              <a:t>Очистка от ненужных признаков</a:t>
             </a:r>
           </a:p>
           <a:p>
@@ -9801,8 +10359,50 @@
               <a:defRPr/>
             </a:pPr>
             <a:r>
-              <a:rPr lang="ru-RU"/>
-              <a:t>Равномерное распределение признаков</a:t>
+              <a:rPr lang="ru-RU" dirty="0"/>
+              <a:t>Ранняя остановка</a:t>
+            </a:r>
+          </a:p>
+          <a:p>
+            <a:pPr eaLnBrk="1" fontAlgn="auto" hangingPunct="1">
+              <a:spcAft>
+                <a:spcPts val="0"/>
+              </a:spcAft>
+              <a:defRPr/>
+            </a:pPr>
+            <a:r>
+              <a:rPr lang="ru-RU" dirty="0"/>
+              <a:t>Регуляризация</a:t>
+            </a:r>
+          </a:p>
+          <a:p>
+            <a:pPr eaLnBrk="1" fontAlgn="auto" hangingPunct="1">
+              <a:spcAft>
+                <a:spcPts val="0"/>
+              </a:spcAft>
+              <a:defRPr/>
+            </a:pPr>
+            <a:r>
+              <a:rPr lang="ru-RU" dirty="0"/>
+              <a:t>Кросс-валидация</a:t>
+            </a:r>
+          </a:p>
+          <a:p>
+            <a:pPr eaLnBrk="1" fontAlgn="auto" hangingPunct="1">
+              <a:spcAft>
+                <a:spcPts val="0"/>
+              </a:spcAft>
+              <a:defRPr/>
+            </a:pPr>
+            <a:r>
+              <a:rPr lang="ru-RU" b="0" i="0" dirty="0" err="1">
+                <a:solidFill>
+                  <a:srgbClr val="333333"/>
+                </a:solidFill>
+                <a:effectLst/>
+                <a:latin typeface="AmazonEmberBold"/>
+              </a:rPr>
+              <a:t>Ансамблирование</a:t>
             </a:r>
             <a:endParaRPr lang="ru-RU" dirty="0"/>
           </a:p>
@@ -9810,10 +10410,10 @@
       </p:sp>
       <p:pic>
         <p:nvPicPr>
-          <p:cNvPr id="5" name="Picture 4" descr="Функция train_test_split из Sklearn для разделения датасета перед обучением">
+          <p:cNvPr id="10242" name="Picture 2" descr="Структура процесса обучения">
             <a:extLst>
               <a:ext uri="{FF2B5EF4-FFF2-40B4-BE49-F238E27FC236}">
-                <a16:creationId xmlns:a16="http://schemas.microsoft.com/office/drawing/2014/main" id="{544C8020-409D-539D-7FE3-449695D07384}"/>
+                <a16:creationId xmlns:a16="http://schemas.microsoft.com/office/drawing/2014/main" id="{B2ECB4B9-93E0-742B-FE6E-CFF3CCAD4792}"/>
               </a:ext>
             </a:extLst>
           </p:cNvPr>
@@ -9822,7 +10422,7 @@
           </p:cNvPicPr>
           <p:nvPr/>
         </p:nvPicPr>
-        <p:blipFill>
+        <p:blipFill rotWithShape="1">
           <a:blip r:embed="rId4">
             <a:extLst>
               <a:ext uri="{28A0092B-C50C-407E-A947-70E740481C1C}">
@@ -9830,15 +10430,13 @@
               </a:ext>
             </a:extLst>
           </a:blip>
-          <a:srcRect/>
-          <a:stretch>
-            <a:fillRect/>
-          </a:stretch>
+          <a:srcRect l="4264" t="6411" b="8406"/>
+          <a:stretch/>
         </p:blipFill>
         <p:spPr bwMode="auto">
           <a:xfrm>
-            <a:off x="5819865" y="2770383"/>
-            <a:ext cx="6032500" cy="3242469"/>
+            <a:off x="7136076" y="2235328"/>
+            <a:ext cx="4240257" cy="2296173"/>
           </a:xfrm>
           <a:prstGeom prst="rect">
             <a:avLst/>
@@ -9858,7 +10456,7 @@
     </p:spTree>
     <p:extLst>
       <p:ext uri="{BB962C8B-B14F-4D97-AF65-F5344CB8AC3E}">
-        <p14:creationId xmlns:p14="http://schemas.microsoft.com/office/powerpoint/2010/main" val="1469166678"/>
+        <p14:creationId xmlns:p14="http://schemas.microsoft.com/office/powerpoint/2010/main" val="540622331"/>
       </p:ext>
     </p:extLst>
   </p:cSld>
@@ -9950,639 +10548,6 @@
         <p:spPr>
           <a:xfrm>
             <a:off x="2057400" y="219959"/>
-            <a:ext cx="9794965" cy="523220"/>
-          </a:xfrm>
-          <a:prstGeom prst="rect">
-            <a:avLst/>
-          </a:prstGeom>
-          <a:noFill/>
-        </p:spPr>
-        <p:txBody>
-          <a:bodyPr wrap="square" rtlCol="0">
-            <a:spAutoFit/>
-          </a:bodyPr>
-          <a:lstStyle>
-            <a:defPPr>
-              <a:defRPr lang="ru-RU"/>
-            </a:defPPr>
-            <a:lvl1pPr marL="0" algn="l" defTabSz="914400" rtl="0" eaLnBrk="1" latinLnBrk="0" hangingPunct="1">
-              <a:defRPr sz="1800" kern="1200">
-                <a:solidFill>
-                  <a:schemeClr val="tx1"/>
-                </a:solidFill>
-                <a:latin typeface="+mn-lt"/>
-                <a:ea typeface="+mn-ea"/>
-                <a:cs typeface="+mn-cs"/>
-              </a:defRPr>
-            </a:lvl1pPr>
-            <a:lvl2pPr marL="457200" algn="l" defTabSz="914400" rtl="0" eaLnBrk="1" latinLnBrk="0" hangingPunct="1">
-              <a:defRPr sz="1800" kern="1200">
-                <a:solidFill>
-                  <a:schemeClr val="tx1"/>
-                </a:solidFill>
-                <a:latin typeface="+mn-lt"/>
-                <a:ea typeface="+mn-ea"/>
-                <a:cs typeface="+mn-cs"/>
-              </a:defRPr>
-            </a:lvl2pPr>
-            <a:lvl3pPr marL="914400" algn="l" defTabSz="914400" rtl="0" eaLnBrk="1" latinLnBrk="0" hangingPunct="1">
-              <a:defRPr sz="1800" kern="1200">
-                <a:solidFill>
-                  <a:schemeClr val="tx1"/>
-                </a:solidFill>
-                <a:latin typeface="+mn-lt"/>
-                <a:ea typeface="+mn-ea"/>
-                <a:cs typeface="+mn-cs"/>
-              </a:defRPr>
-            </a:lvl3pPr>
-            <a:lvl4pPr marL="1371600" algn="l" defTabSz="914400" rtl="0" eaLnBrk="1" latinLnBrk="0" hangingPunct="1">
-              <a:defRPr sz="1800" kern="1200">
-                <a:solidFill>
-                  <a:schemeClr val="tx1"/>
-                </a:solidFill>
-                <a:latin typeface="+mn-lt"/>
-                <a:ea typeface="+mn-ea"/>
-                <a:cs typeface="+mn-cs"/>
-              </a:defRPr>
-            </a:lvl4pPr>
-            <a:lvl5pPr marL="1828800" algn="l" defTabSz="914400" rtl="0" eaLnBrk="1" latinLnBrk="0" hangingPunct="1">
-              <a:defRPr sz="1800" kern="1200">
-                <a:solidFill>
-                  <a:schemeClr val="tx1"/>
-                </a:solidFill>
-                <a:latin typeface="+mn-lt"/>
-                <a:ea typeface="+mn-ea"/>
-                <a:cs typeface="+mn-cs"/>
-              </a:defRPr>
-            </a:lvl5pPr>
-            <a:lvl6pPr marL="2286000" algn="l" defTabSz="914400" rtl="0" eaLnBrk="1" latinLnBrk="0" hangingPunct="1">
-              <a:defRPr sz="1800" kern="1200">
-                <a:solidFill>
-                  <a:schemeClr val="tx1"/>
-                </a:solidFill>
-                <a:latin typeface="+mn-lt"/>
-                <a:ea typeface="+mn-ea"/>
-                <a:cs typeface="+mn-cs"/>
-              </a:defRPr>
-            </a:lvl6pPr>
-            <a:lvl7pPr marL="2743200" algn="l" defTabSz="914400" rtl="0" eaLnBrk="1" latinLnBrk="0" hangingPunct="1">
-              <a:defRPr sz="1800" kern="1200">
-                <a:solidFill>
-                  <a:schemeClr val="tx1"/>
-                </a:solidFill>
-                <a:latin typeface="+mn-lt"/>
-                <a:ea typeface="+mn-ea"/>
-                <a:cs typeface="+mn-cs"/>
-              </a:defRPr>
-            </a:lvl7pPr>
-            <a:lvl8pPr marL="3200400" algn="l" defTabSz="914400" rtl="0" eaLnBrk="1" latinLnBrk="0" hangingPunct="1">
-              <a:defRPr sz="1800" kern="1200">
-                <a:solidFill>
-                  <a:schemeClr val="tx1"/>
-                </a:solidFill>
-                <a:latin typeface="+mn-lt"/>
-                <a:ea typeface="+mn-ea"/>
-                <a:cs typeface="+mn-cs"/>
-              </a:defRPr>
-            </a:lvl8pPr>
-            <a:lvl9pPr marL="3657600" algn="l" defTabSz="914400" rtl="0" eaLnBrk="1" latinLnBrk="0" hangingPunct="1">
-              <a:defRPr sz="1800" kern="1200">
-                <a:solidFill>
-                  <a:schemeClr val="tx1"/>
-                </a:solidFill>
-                <a:latin typeface="+mn-lt"/>
-                <a:ea typeface="+mn-ea"/>
-                <a:cs typeface="+mn-cs"/>
-              </a:defRPr>
-            </a:lvl9pPr>
-          </a:lstStyle>
-          <a:p>
-            <a:r>
-              <a:rPr lang="ru-RU" sz="2800" b="1" dirty="0">
-                <a:solidFill>
-                  <a:srgbClr val="FF0000"/>
-                </a:solidFill>
-              </a:rPr>
-              <a:t>Методы борьбы с переобучением</a:t>
-            </a:r>
-          </a:p>
-        </p:txBody>
-      </p:sp>
-      <p:sp>
-        <p:nvSpPr>
-          <p:cNvPr id="6" name="Номер слайда 5">
-            <a:extLst>
-              <a:ext uri="{FF2B5EF4-FFF2-40B4-BE49-F238E27FC236}">
-                <a16:creationId xmlns:a16="http://schemas.microsoft.com/office/drawing/2014/main" id="{2A73E36B-93CF-4B6D-9D12-D242EBAEB367}"/>
-              </a:ext>
-            </a:extLst>
-          </p:cNvPr>
-          <p:cNvSpPr>
-            <a:spLocks noGrp="1"/>
-          </p:cNvSpPr>
-          <p:nvPr>
-            <p:ph type="sldNum" sz="quarter" idx="12"/>
-          </p:nvPr>
-        </p:nvSpPr>
-        <p:spPr/>
-        <p:txBody>
-          <a:bodyPr/>
-          <a:lstStyle/>
-          <a:p>
-            <a:fld id="{FF9AC15E-FCD1-4167-800F-1DB8497ABFCE}" type="slidenum">
-              <a:rPr lang="ru-RU" smtClean="0"/>
-              <a:t>17</a:t>
-            </a:fld>
-            <a:endParaRPr lang="ru-RU"/>
-          </a:p>
-        </p:txBody>
-      </p:sp>
-      <p:pic>
-        <p:nvPicPr>
-          <p:cNvPr id="9" name="Объект 1">
-            <a:extLst>
-              <a:ext uri="{FF2B5EF4-FFF2-40B4-BE49-F238E27FC236}">
-                <a16:creationId xmlns:a16="http://schemas.microsoft.com/office/drawing/2014/main" id="{D8975343-2B37-104D-8757-0404410E4582}"/>
-              </a:ext>
-            </a:extLst>
-          </p:cNvPr>
-          <p:cNvPicPr>
-            <a:picLocks noGrp="1" noChangeAspect="1"/>
-          </p:cNvPicPr>
-          <p:nvPr>
-            <p:ph idx="1"/>
-          </p:nvPr>
-        </p:nvPicPr>
-        <p:blipFill rotWithShape="1">
-          <a:blip r:embed="rId3" cstate="print">
-            <a:extLst>
-              <a:ext uri="{28A0092B-C50C-407E-A947-70E740481C1C}">
-                <a14:useLocalDpi xmlns:a14="http://schemas.microsoft.com/office/drawing/2010/main" val="0"/>
-              </a:ext>
-            </a:extLst>
-          </a:blip>
-          <a:srcRect r="40340"/>
-          <a:stretch/>
-        </p:blipFill>
-        <p:spPr>
-          <a:xfrm>
-            <a:off x="603100" y="319559"/>
-            <a:ext cx="1342931" cy="434420"/>
-          </a:xfrm>
-        </p:spPr>
-      </p:pic>
-      <p:sp>
-        <p:nvSpPr>
-          <p:cNvPr id="2" name="Содержимое 2">
-            <a:extLst>
-              <a:ext uri="{FF2B5EF4-FFF2-40B4-BE49-F238E27FC236}">
-                <a16:creationId xmlns:a16="http://schemas.microsoft.com/office/drawing/2014/main" id="{9CC78F8F-5511-A0EB-341D-4F2E8386B74B}"/>
-              </a:ext>
-            </a:extLst>
-          </p:cNvPr>
-          <p:cNvSpPr txBox="1">
-            <a:spLocks/>
-          </p:cNvSpPr>
-          <p:nvPr/>
-        </p:nvSpPr>
-        <p:spPr bwMode="auto">
-          <a:xfrm>
-            <a:off x="815667" y="1207747"/>
-            <a:ext cx="6192688" cy="4351337"/>
-          </a:xfrm>
-          <a:prstGeom prst="rect">
-            <a:avLst/>
-          </a:prstGeom>
-          <a:noFill/>
-          <a:ln>
-            <a:noFill/>
-          </a:ln>
-          <a:extLst>
-            <a:ext uri="{909E8E84-426E-40DD-AFC4-6F175D3DCCD1}">
-              <a14:hiddenFill xmlns:a14="http://schemas.microsoft.com/office/drawing/2010/main">
-                <a:solidFill>
-                  <a:srgbClr val="FFFFFF"/>
-                </a:solidFill>
-              </a14:hiddenFill>
-            </a:ext>
-            <a:ext uri="{91240B29-F687-4F45-9708-019B960494DF}">
-              <a14:hiddenLine xmlns:a14="http://schemas.microsoft.com/office/drawing/2010/main" w="9525">
-                <a:solidFill>
-                  <a:srgbClr val="000000"/>
-                </a:solidFill>
-                <a:miter lim="800000"/>
-                <a:headEnd/>
-                <a:tailEnd/>
-              </a14:hiddenLine>
-            </a:ext>
-          </a:extLst>
-        </p:spPr>
-        <p:txBody>
-          <a:bodyPr vert="horz" wrap="square" lIns="91440" tIns="45720" rIns="91440" bIns="45720" numCol="1" anchor="t" anchorCtr="0" compatLnSpc="1">
-            <a:prstTxWarp prst="textNoShape">
-              <a:avLst/>
-            </a:prstTxWarp>
-          </a:bodyPr>
-          <a:lstStyle>
-            <a:lvl1pPr marL="228600" indent="-228600" algn="l" rtl="0" eaLnBrk="0" fontAlgn="base" hangingPunct="0">
-              <a:lnSpc>
-                <a:spcPct val="90000"/>
-              </a:lnSpc>
-              <a:spcBef>
-                <a:spcPts val="1000"/>
-              </a:spcBef>
-              <a:spcAft>
-                <a:spcPct val="0"/>
-              </a:spcAft>
-              <a:buFont typeface="Arial" panose="020B0604020202020204" pitchFamily="34" charset="0"/>
-              <a:buChar char="•"/>
-              <a:defRPr sz="2800" kern="1200">
-                <a:solidFill>
-                  <a:schemeClr val="tx1"/>
-                </a:solidFill>
-                <a:latin typeface="+mn-lt"/>
-                <a:ea typeface="+mn-ea"/>
-                <a:cs typeface="+mn-cs"/>
-              </a:defRPr>
-            </a:lvl1pPr>
-            <a:lvl2pPr marL="685800" indent="-228600" algn="l" rtl="0" eaLnBrk="0" fontAlgn="base" hangingPunct="0">
-              <a:lnSpc>
-                <a:spcPct val="90000"/>
-              </a:lnSpc>
-              <a:spcBef>
-                <a:spcPts val="500"/>
-              </a:spcBef>
-              <a:spcAft>
-                <a:spcPct val="0"/>
-              </a:spcAft>
-              <a:buFont typeface="Arial" panose="020B0604020202020204" pitchFamily="34" charset="0"/>
-              <a:buChar char="•"/>
-              <a:defRPr sz="2400" kern="1200">
-                <a:solidFill>
-                  <a:schemeClr val="tx1"/>
-                </a:solidFill>
-                <a:latin typeface="+mn-lt"/>
-                <a:ea typeface="+mn-ea"/>
-                <a:cs typeface="+mn-cs"/>
-              </a:defRPr>
-            </a:lvl2pPr>
-            <a:lvl3pPr marL="1143000" indent="-228600" algn="l" rtl="0" eaLnBrk="0" fontAlgn="base" hangingPunct="0">
-              <a:lnSpc>
-                <a:spcPct val="90000"/>
-              </a:lnSpc>
-              <a:spcBef>
-                <a:spcPts val="500"/>
-              </a:spcBef>
-              <a:spcAft>
-                <a:spcPct val="0"/>
-              </a:spcAft>
-              <a:buFont typeface="Arial" panose="020B0604020202020204" pitchFamily="34" charset="0"/>
-              <a:buChar char="•"/>
-              <a:defRPr sz="2000" kern="1200">
-                <a:solidFill>
-                  <a:schemeClr val="tx1"/>
-                </a:solidFill>
-                <a:latin typeface="+mn-lt"/>
-                <a:ea typeface="+mn-ea"/>
-                <a:cs typeface="+mn-cs"/>
-              </a:defRPr>
-            </a:lvl3pPr>
-            <a:lvl4pPr marL="1600200" indent="-228600" algn="l" rtl="0" eaLnBrk="0" fontAlgn="base" hangingPunct="0">
-              <a:lnSpc>
-                <a:spcPct val="90000"/>
-              </a:lnSpc>
-              <a:spcBef>
-                <a:spcPts val="500"/>
-              </a:spcBef>
-              <a:spcAft>
-                <a:spcPct val="0"/>
-              </a:spcAft>
-              <a:buFont typeface="Arial" panose="020B0604020202020204" pitchFamily="34" charset="0"/>
-              <a:buChar char="•"/>
-              <a:defRPr kern="1200">
-                <a:solidFill>
-                  <a:schemeClr val="tx1"/>
-                </a:solidFill>
-                <a:latin typeface="+mn-lt"/>
-                <a:ea typeface="+mn-ea"/>
-                <a:cs typeface="+mn-cs"/>
-              </a:defRPr>
-            </a:lvl4pPr>
-            <a:lvl5pPr marL="2057400" indent="-228600" algn="l" rtl="0" eaLnBrk="0" fontAlgn="base" hangingPunct="0">
-              <a:lnSpc>
-                <a:spcPct val="90000"/>
-              </a:lnSpc>
-              <a:spcBef>
-                <a:spcPts val="500"/>
-              </a:spcBef>
-              <a:spcAft>
-                <a:spcPct val="0"/>
-              </a:spcAft>
-              <a:buFont typeface="Arial" panose="020B0604020202020204" pitchFamily="34" charset="0"/>
-              <a:buChar char="•"/>
-              <a:defRPr kern="1200">
-                <a:solidFill>
-                  <a:schemeClr val="tx1"/>
-                </a:solidFill>
-                <a:latin typeface="+mn-lt"/>
-                <a:ea typeface="+mn-ea"/>
-                <a:cs typeface="+mn-cs"/>
-              </a:defRPr>
-            </a:lvl5pPr>
-            <a:lvl6pPr marL="2514600" indent="-228600" algn="l" defTabSz="914400" rtl="0" eaLnBrk="1" latinLnBrk="0" hangingPunct="1">
-              <a:lnSpc>
-                <a:spcPct val="90000"/>
-              </a:lnSpc>
-              <a:spcBef>
-                <a:spcPts val="500"/>
-              </a:spcBef>
-              <a:buFont typeface="Arial" panose="020B0604020202020204" pitchFamily="34" charset="0"/>
-              <a:buChar char="•"/>
-              <a:defRPr sz="1800" kern="1200">
-                <a:solidFill>
-                  <a:schemeClr val="tx1"/>
-                </a:solidFill>
-                <a:latin typeface="+mn-lt"/>
-                <a:ea typeface="+mn-ea"/>
-                <a:cs typeface="+mn-cs"/>
-              </a:defRPr>
-            </a:lvl6pPr>
-            <a:lvl7pPr marL="2971800" indent="-228600" algn="l" defTabSz="914400" rtl="0" eaLnBrk="1" latinLnBrk="0" hangingPunct="1">
-              <a:lnSpc>
-                <a:spcPct val="90000"/>
-              </a:lnSpc>
-              <a:spcBef>
-                <a:spcPts val="500"/>
-              </a:spcBef>
-              <a:buFont typeface="Arial" panose="020B0604020202020204" pitchFamily="34" charset="0"/>
-              <a:buChar char="•"/>
-              <a:defRPr sz="1800" kern="1200">
-                <a:solidFill>
-                  <a:schemeClr val="tx1"/>
-                </a:solidFill>
-                <a:latin typeface="+mn-lt"/>
-                <a:ea typeface="+mn-ea"/>
-                <a:cs typeface="+mn-cs"/>
-              </a:defRPr>
-            </a:lvl7pPr>
-            <a:lvl8pPr marL="3429000" indent="-228600" algn="l" defTabSz="914400" rtl="0" eaLnBrk="1" latinLnBrk="0" hangingPunct="1">
-              <a:lnSpc>
-                <a:spcPct val="90000"/>
-              </a:lnSpc>
-              <a:spcBef>
-                <a:spcPts val="500"/>
-              </a:spcBef>
-              <a:buFont typeface="Arial" panose="020B0604020202020204" pitchFamily="34" charset="0"/>
-              <a:buChar char="•"/>
-              <a:defRPr sz="1800" kern="1200">
-                <a:solidFill>
-                  <a:schemeClr val="tx1"/>
-                </a:solidFill>
-                <a:latin typeface="+mn-lt"/>
-                <a:ea typeface="+mn-ea"/>
-                <a:cs typeface="+mn-cs"/>
-              </a:defRPr>
-            </a:lvl8pPr>
-            <a:lvl9pPr marL="3886200" indent="-228600" algn="l" defTabSz="914400" rtl="0" eaLnBrk="1" latinLnBrk="0" hangingPunct="1">
-              <a:lnSpc>
-                <a:spcPct val="90000"/>
-              </a:lnSpc>
-              <a:spcBef>
-                <a:spcPts val="500"/>
-              </a:spcBef>
-              <a:buFont typeface="Arial" panose="020B0604020202020204" pitchFamily="34" charset="0"/>
-              <a:buChar char="•"/>
-              <a:defRPr sz="1800" kern="1200">
-                <a:solidFill>
-                  <a:schemeClr val="tx1"/>
-                </a:solidFill>
-                <a:latin typeface="+mn-lt"/>
-                <a:ea typeface="+mn-ea"/>
-                <a:cs typeface="+mn-cs"/>
-              </a:defRPr>
-            </a:lvl9pPr>
-          </a:lstStyle>
-          <a:p>
-            <a:pPr eaLnBrk="1" fontAlgn="auto" hangingPunct="1">
-              <a:spcAft>
-                <a:spcPts val="0"/>
-              </a:spcAft>
-              <a:defRPr/>
-            </a:pPr>
-            <a:r>
-              <a:rPr lang="ru-RU" dirty="0"/>
-              <a:t>Расширение обучающей выборки</a:t>
-            </a:r>
-          </a:p>
-          <a:p>
-            <a:pPr eaLnBrk="1" fontAlgn="auto" hangingPunct="1">
-              <a:spcAft>
-                <a:spcPts val="0"/>
-              </a:spcAft>
-              <a:defRPr/>
-            </a:pPr>
-            <a:r>
-              <a:rPr lang="ru-RU" dirty="0"/>
-              <a:t>Очистка от ненужных признаков</a:t>
-            </a:r>
-          </a:p>
-          <a:p>
-            <a:pPr eaLnBrk="1" fontAlgn="auto" hangingPunct="1">
-              <a:spcAft>
-                <a:spcPts val="0"/>
-              </a:spcAft>
-              <a:defRPr/>
-            </a:pPr>
-            <a:r>
-              <a:rPr lang="ru-RU" dirty="0"/>
-              <a:t>Ранняя остановка</a:t>
-            </a:r>
-          </a:p>
-          <a:p>
-            <a:pPr eaLnBrk="1" fontAlgn="auto" hangingPunct="1">
-              <a:spcAft>
-                <a:spcPts val="0"/>
-              </a:spcAft>
-              <a:defRPr/>
-            </a:pPr>
-            <a:r>
-              <a:rPr lang="ru-RU" dirty="0"/>
-              <a:t>Регуляризация</a:t>
-            </a:r>
-          </a:p>
-          <a:p>
-            <a:pPr eaLnBrk="1" fontAlgn="auto" hangingPunct="1">
-              <a:spcAft>
-                <a:spcPts val="0"/>
-              </a:spcAft>
-              <a:defRPr/>
-            </a:pPr>
-            <a:r>
-              <a:rPr lang="ru-RU" dirty="0"/>
-              <a:t>Кросс-валидация</a:t>
-            </a:r>
-          </a:p>
-          <a:p>
-            <a:pPr eaLnBrk="1" fontAlgn="auto" hangingPunct="1">
-              <a:spcAft>
-                <a:spcPts val="0"/>
-              </a:spcAft>
-              <a:defRPr/>
-            </a:pPr>
-            <a:r>
-              <a:rPr lang="ru-RU" b="0" i="0" dirty="0" err="1">
-                <a:solidFill>
-                  <a:srgbClr val="333333"/>
-                </a:solidFill>
-                <a:effectLst/>
-                <a:latin typeface="AmazonEmberBold"/>
-              </a:rPr>
-              <a:t>Ансамблирование</a:t>
-            </a:r>
-            <a:endParaRPr lang="ru-RU" dirty="0"/>
-          </a:p>
-        </p:txBody>
-      </p:sp>
-      <p:pic>
-        <p:nvPicPr>
-          <p:cNvPr id="10242" name="Picture 2" descr="Структура процесса обучения">
-            <a:extLst>
-              <a:ext uri="{FF2B5EF4-FFF2-40B4-BE49-F238E27FC236}">
-                <a16:creationId xmlns:a16="http://schemas.microsoft.com/office/drawing/2014/main" id="{B2ECB4B9-93E0-742B-FE6E-CFF3CCAD4792}"/>
-              </a:ext>
-            </a:extLst>
-          </p:cNvPr>
-          <p:cNvPicPr>
-            <a:picLocks noChangeAspect="1" noChangeArrowheads="1"/>
-          </p:cNvPicPr>
-          <p:nvPr/>
-        </p:nvPicPr>
-        <p:blipFill rotWithShape="1">
-          <a:blip r:embed="rId4">
-            <a:extLst>
-              <a:ext uri="{28A0092B-C50C-407E-A947-70E740481C1C}">
-                <a14:useLocalDpi xmlns:a14="http://schemas.microsoft.com/office/drawing/2010/main" val="0"/>
-              </a:ext>
-            </a:extLst>
-          </a:blip>
-          <a:srcRect l="4264" t="6411" b="8406"/>
-          <a:stretch/>
-        </p:blipFill>
-        <p:spPr bwMode="auto">
-          <a:xfrm>
-            <a:off x="7136076" y="2235328"/>
-            <a:ext cx="4240257" cy="2296173"/>
-          </a:xfrm>
-          <a:prstGeom prst="rect">
-            <a:avLst/>
-          </a:prstGeom>
-          <a:noFill/>
-          <a:extLst>
-            <a:ext uri="{909E8E84-426E-40DD-AFC4-6F175D3DCCD1}">
-              <a14:hiddenFill xmlns:a14="http://schemas.microsoft.com/office/drawing/2010/main">
-                <a:solidFill>
-                  <a:srgbClr val="FFFFFF"/>
-                </a:solidFill>
-              </a14:hiddenFill>
-            </a:ext>
-          </a:extLst>
-        </p:spPr>
-      </p:pic>
-    </p:spTree>
-    <p:extLst>
-      <p:ext uri="{BB962C8B-B14F-4D97-AF65-F5344CB8AC3E}">
-        <p14:creationId xmlns:p14="http://schemas.microsoft.com/office/powerpoint/2010/main" val="540622331"/>
-      </p:ext>
-    </p:extLst>
-  </p:cSld>
-  <p:clrMapOvr>
-    <a:masterClrMapping/>
-  </p:clrMapOvr>
-</p:sld>
-</file>
-
-<file path=ppt/slides/slide18.xml><?xml version="1.0" encoding="utf-8"?>
-<p:sld xmlns:a="http://schemas.openxmlformats.org/drawingml/2006/main" xmlns:r="http://schemas.openxmlformats.org/officeDocument/2006/relationships" xmlns:p="http://schemas.openxmlformats.org/presentationml/2006/main">
-  <p:cSld>
-    <p:spTree>
-      <p:nvGrpSpPr>
-        <p:cNvPr id="1" name=""/>
-        <p:cNvGrpSpPr/>
-        <p:nvPr/>
-      </p:nvGrpSpPr>
-      <p:grpSpPr>
-        <a:xfrm>
-          <a:off x="0" y="0"/>
-          <a:ext cx="0" cy="0"/>
-          <a:chOff x="0" y="0"/>
-          <a:chExt cx="0" cy="0"/>
-        </a:xfrm>
-      </p:grpSpPr>
-      <p:sp>
-        <p:nvSpPr>
-          <p:cNvPr id="3" name="Прямоугольник 2"/>
-          <p:cNvSpPr/>
-          <p:nvPr/>
-        </p:nvSpPr>
-        <p:spPr>
-          <a:xfrm flipV="1">
-            <a:off x="925620" y="920165"/>
-            <a:ext cx="10865327" cy="21600"/>
-          </a:xfrm>
-          <a:prstGeom prst="rect">
-            <a:avLst/>
-          </a:prstGeom>
-          <a:solidFill>
-            <a:srgbClr val="E20443"/>
-          </a:solidFill>
-          <a:ln>
-            <a:noFill/>
-          </a:ln>
-        </p:spPr>
-        <p:style>
-          <a:lnRef idx="2">
-            <a:schemeClr val="accent1">
-              <a:shade val="50000"/>
-            </a:schemeClr>
-          </a:lnRef>
-          <a:fillRef idx="1">
-            <a:schemeClr val="accent1"/>
-          </a:fillRef>
-          <a:effectRef idx="0">
-            <a:schemeClr val="accent1"/>
-          </a:effectRef>
-          <a:fontRef idx="minor">
-            <a:schemeClr val="lt1"/>
-          </a:fontRef>
-        </p:style>
-        <p:txBody>
-          <a:bodyPr rtlCol="0" anchor="ctr"/>
-          <a:lstStyle/>
-          <a:p>
-            <a:pPr algn="ctr"/>
-            <a:endParaRPr lang="ru-RU">
-              <a:solidFill>
-                <a:srgbClr val="E20443"/>
-              </a:solidFill>
-            </a:endParaRPr>
-          </a:p>
-        </p:txBody>
-      </p:sp>
-      <p:sp>
-        <p:nvSpPr>
-          <p:cNvPr id="4" name="TextBox 9">
-            <a:extLst>
-              <a:ext uri="{FF2B5EF4-FFF2-40B4-BE49-F238E27FC236}">
-                <a16:creationId xmlns:a16="http://schemas.microsoft.com/office/drawing/2014/main" id="{6D1610F7-A0C9-4E50-9206-D9E394A55B73}"/>
-              </a:ext>
-            </a:extLst>
-          </p:cNvPr>
-          <p:cNvSpPr txBox="1"/>
-          <p:nvPr/>
-        </p:nvSpPr>
-        <p:spPr>
-          <a:xfrm>
-            <a:off x="2057400" y="219959"/>
             <a:ext cx="9794965" cy="954107"/>
           </a:xfrm>
           <a:prstGeom prst="rect">
@@ -10734,7 +10699,7 @@
           <a:p>
             <a:fld id="{FF9AC15E-FCD1-4167-800F-1DB8497ABFCE}" type="slidenum">
               <a:rPr lang="ru-RU" smtClean="0"/>
-              <a:t>18</a:t>
+              <a:t>17</a:t>
             </a:fld>
             <a:endParaRPr lang="ru-RU"/>
           </a:p>
@@ -11334,7 +11299,7 @@
 </p:sld>
 </file>
 
-<file path=ppt/slides/slide19.xml><?xml version="1.0" encoding="utf-8"?>
+<file path=ppt/slides/slide18.xml><?xml version="1.0" encoding="utf-8"?>
 <p:sld xmlns:a="http://schemas.openxmlformats.org/drawingml/2006/main" xmlns:r="http://schemas.openxmlformats.org/officeDocument/2006/relationships" xmlns:p="http://schemas.openxmlformats.org/presentationml/2006/main">
   <p:cSld>
     <p:spTree>
@@ -11567,7 +11532,7 @@
           <a:p>
             <a:fld id="{FF9AC15E-FCD1-4167-800F-1DB8497ABFCE}" type="slidenum">
               <a:rPr lang="ru-RU" smtClean="0"/>
-              <a:t>19</a:t>
+              <a:t>18</a:t>
             </a:fld>
             <a:endParaRPr lang="ru-RU"/>
           </a:p>
@@ -11667,7 +11632,7 @@
 </p:sld>
 </file>
 
-<file path=ppt/slides/slide2.xml><?xml version="1.0" encoding="utf-8"?>
+<file path=ppt/slides/slide19.xml><?xml version="1.0" encoding="utf-8"?>
 <p:sld xmlns:a="http://schemas.openxmlformats.org/drawingml/2006/main" xmlns:r="http://schemas.openxmlformats.org/officeDocument/2006/relationships" xmlns:p="http://schemas.openxmlformats.org/presentationml/2006/main">
   <p:cSld>
     <p:spTree>
@@ -11749,7 +11714,7 @@
         <p:spPr>
           <a:xfrm>
             <a:off x="2057400" y="219959"/>
-            <a:ext cx="9794965" cy="523220"/>
+            <a:ext cx="9794965" cy="954107"/>
           </a:xfrm>
           <a:prstGeom prst="rect">
             <a:avLst/>
@@ -11862,7 +11827,30 @@
                   <a:srgbClr val="FF0000"/>
                 </a:solidFill>
               </a:rPr>
-              <a:t>Что такое машинное обучение</a:t>
+              <a:t>Методы борьбы с переобучением: </a:t>
+            </a:r>
+            <a:r>
+              <a:rPr lang="ru-RU" sz="2800" b="1" dirty="0" err="1">
+                <a:solidFill>
+                  <a:srgbClr val="FF0000"/>
+                </a:solidFill>
+              </a:rPr>
+              <a:t>ансамблирование</a:t>
+            </a:r>
+            <a:endParaRPr lang="ru-RU" sz="2800" b="1" dirty="0">
+              <a:solidFill>
+                <a:srgbClr val="FF0000"/>
+              </a:solidFill>
+            </a:endParaRPr>
+          </a:p>
+          <a:p>
+            <a:r>
+              <a:rPr lang="ru-RU" sz="2800" b="1" dirty="0">
+                <a:solidFill>
+                  <a:srgbClr val="FF0000"/>
+                </a:solidFill>
+              </a:rPr>
+              <a:t> </a:t>
             </a:r>
           </a:p>
         </p:txBody>
@@ -11890,7 +11878,7 @@
           <a:p>
             <a:fld id="{FF9AC15E-FCD1-4167-800F-1DB8497ABFCE}" type="slidenum">
               <a:rPr lang="ru-RU" smtClean="0"/>
-              <a:t>2</a:t>
+              <a:t>19</a:t>
             </a:fld>
             <a:endParaRPr lang="ru-RU"/>
           </a:p>
@@ -11930,32 +11918,42 @@
           </a:xfrm>
         </p:spPr>
       </p:pic>
-      <p:sp>
-        <p:nvSpPr>
-          <p:cNvPr id="8" name="Содержимое 2">
+      <p:pic>
+        <p:nvPicPr>
+          <p:cNvPr id="12294" name="Picture 6" descr="Случайный лес в Apache Spark: принцип работы с примерами">
             <a:extLst>
               <a:ext uri="{FF2B5EF4-FFF2-40B4-BE49-F238E27FC236}">
-                <a16:creationId xmlns:a16="http://schemas.microsoft.com/office/drawing/2014/main" id="{999CD21D-05DF-D7B9-E79A-3819172E739A}"/>
+                <a16:creationId xmlns:a16="http://schemas.microsoft.com/office/drawing/2014/main" id="{B74574E7-1F2C-CC4A-9CD8-A564E605A109}"/>
               </a:ext>
             </a:extLst>
           </p:cNvPr>
-          <p:cNvSpPr txBox="1">
-            <a:spLocks/>
-          </p:cNvSpPr>
+          <p:cNvPicPr>
+            <a:picLocks noChangeAspect="1" noChangeArrowheads="1"/>
+          </p:cNvPicPr>
           <p:nvPr/>
-        </p:nvSpPr>
+        </p:nvPicPr>
+        <p:blipFill>
+          <a:blip r:embed="rId4">
+            <a:extLst>
+              <a:ext uri="{28A0092B-C50C-407E-A947-70E740481C1C}">
+                <a14:useLocalDpi xmlns:a14="http://schemas.microsoft.com/office/drawing/2010/main" val="0"/>
+              </a:ext>
+            </a:extLst>
+          </a:blip>
+          <a:srcRect/>
+          <a:stretch>
+            <a:fillRect/>
+          </a:stretch>
+        </p:blipFill>
         <p:spPr bwMode="auto">
           <a:xfrm>
-            <a:off x="815666" y="1207747"/>
-            <a:ext cx="10309225" cy="4351337"/>
+            <a:off x="3600450" y="1778383"/>
+            <a:ext cx="4991100" cy="3743325"/>
           </a:xfrm>
           <a:prstGeom prst="rect">
             <a:avLst/>
           </a:prstGeom>
           <a:noFill/>
-          <a:ln>
-            <a:noFill/>
-          </a:ln>
           <a:extLst>
             <a:ext uri="{909E8E84-426E-40DD-AFC4-6F175D3DCCD1}">
               <a14:hiddenFill xmlns:a14="http://schemas.microsoft.com/office/drawing/2010/main">
@@ -11964,313 +11962,13 @@
                 </a:solidFill>
               </a14:hiddenFill>
             </a:ext>
-            <a:ext uri="{91240B29-F687-4F45-9708-019B960494DF}">
-              <a14:hiddenLine xmlns:a14="http://schemas.microsoft.com/office/drawing/2010/main" w="9525">
-                <a:solidFill>
-                  <a:srgbClr val="000000"/>
-                </a:solidFill>
-                <a:miter lim="800000"/>
-                <a:headEnd/>
-                <a:tailEnd/>
-              </a14:hiddenLine>
-            </a:ext>
           </a:extLst>
         </p:spPr>
-        <p:txBody>
-          <a:bodyPr vert="horz" wrap="square" lIns="91440" tIns="45720" rIns="91440" bIns="45720" numCol="1" anchor="t" anchorCtr="0" compatLnSpc="1">
-            <a:prstTxWarp prst="textNoShape">
-              <a:avLst/>
-            </a:prstTxWarp>
-          </a:bodyPr>
-          <a:lstStyle>
-            <a:lvl1pPr marL="228600" indent="-228600" algn="l" rtl="0" eaLnBrk="0" fontAlgn="base" hangingPunct="0">
-              <a:lnSpc>
-                <a:spcPct val="90000"/>
-              </a:lnSpc>
-              <a:spcBef>
-                <a:spcPts val="1000"/>
-              </a:spcBef>
-              <a:spcAft>
-                <a:spcPct val="0"/>
-              </a:spcAft>
-              <a:buFont typeface="Arial" panose="020B0604020202020204" pitchFamily="34" charset="0"/>
-              <a:buChar char="•"/>
-              <a:defRPr sz="2800" kern="1200">
-                <a:solidFill>
-                  <a:schemeClr val="tx1"/>
-                </a:solidFill>
-                <a:latin typeface="+mn-lt"/>
-                <a:ea typeface="+mn-ea"/>
-                <a:cs typeface="+mn-cs"/>
-              </a:defRPr>
-            </a:lvl1pPr>
-            <a:lvl2pPr marL="685800" indent="-228600" algn="l" rtl="0" eaLnBrk="0" fontAlgn="base" hangingPunct="0">
-              <a:lnSpc>
-                <a:spcPct val="90000"/>
-              </a:lnSpc>
-              <a:spcBef>
-                <a:spcPts val="500"/>
-              </a:spcBef>
-              <a:spcAft>
-                <a:spcPct val="0"/>
-              </a:spcAft>
-              <a:buFont typeface="Arial" panose="020B0604020202020204" pitchFamily="34" charset="0"/>
-              <a:buChar char="•"/>
-              <a:defRPr sz="2400" kern="1200">
-                <a:solidFill>
-                  <a:schemeClr val="tx1"/>
-                </a:solidFill>
-                <a:latin typeface="+mn-lt"/>
-                <a:ea typeface="+mn-ea"/>
-                <a:cs typeface="+mn-cs"/>
-              </a:defRPr>
-            </a:lvl2pPr>
-            <a:lvl3pPr marL="1143000" indent="-228600" algn="l" rtl="0" eaLnBrk="0" fontAlgn="base" hangingPunct="0">
-              <a:lnSpc>
-                <a:spcPct val="90000"/>
-              </a:lnSpc>
-              <a:spcBef>
-                <a:spcPts val="500"/>
-              </a:spcBef>
-              <a:spcAft>
-                <a:spcPct val="0"/>
-              </a:spcAft>
-              <a:buFont typeface="Arial" panose="020B0604020202020204" pitchFamily="34" charset="0"/>
-              <a:buChar char="•"/>
-              <a:defRPr sz="2000" kern="1200">
-                <a:solidFill>
-                  <a:schemeClr val="tx1"/>
-                </a:solidFill>
-                <a:latin typeface="+mn-lt"/>
-                <a:ea typeface="+mn-ea"/>
-                <a:cs typeface="+mn-cs"/>
-              </a:defRPr>
-            </a:lvl3pPr>
-            <a:lvl4pPr marL="1600200" indent="-228600" algn="l" rtl="0" eaLnBrk="0" fontAlgn="base" hangingPunct="0">
-              <a:lnSpc>
-                <a:spcPct val="90000"/>
-              </a:lnSpc>
-              <a:spcBef>
-                <a:spcPts val="500"/>
-              </a:spcBef>
-              <a:spcAft>
-                <a:spcPct val="0"/>
-              </a:spcAft>
-              <a:buFont typeface="Arial" panose="020B0604020202020204" pitchFamily="34" charset="0"/>
-              <a:buChar char="•"/>
-              <a:defRPr kern="1200">
-                <a:solidFill>
-                  <a:schemeClr val="tx1"/>
-                </a:solidFill>
-                <a:latin typeface="+mn-lt"/>
-                <a:ea typeface="+mn-ea"/>
-                <a:cs typeface="+mn-cs"/>
-              </a:defRPr>
-            </a:lvl4pPr>
-            <a:lvl5pPr marL="2057400" indent="-228600" algn="l" rtl="0" eaLnBrk="0" fontAlgn="base" hangingPunct="0">
-              <a:lnSpc>
-                <a:spcPct val="90000"/>
-              </a:lnSpc>
-              <a:spcBef>
-                <a:spcPts val="500"/>
-              </a:spcBef>
-              <a:spcAft>
-                <a:spcPct val="0"/>
-              </a:spcAft>
-              <a:buFont typeface="Arial" panose="020B0604020202020204" pitchFamily="34" charset="0"/>
-              <a:buChar char="•"/>
-              <a:defRPr kern="1200">
-                <a:solidFill>
-                  <a:schemeClr val="tx1"/>
-                </a:solidFill>
-                <a:latin typeface="+mn-lt"/>
-                <a:ea typeface="+mn-ea"/>
-                <a:cs typeface="+mn-cs"/>
-              </a:defRPr>
-            </a:lvl5pPr>
-            <a:lvl6pPr marL="2514600" indent="-228600" algn="l" defTabSz="914400" rtl="0" eaLnBrk="1" latinLnBrk="0" hangingPunct="1">
-              <a:lnSpc>
-                <a:spcPct val="90000"/>
-              </a:lnSpc>
-              <a:spcBef>
-                <a:spcPts val="500"/>
-              </a:spcBef>
-              <a:buFont typeface="Arial" panose="020B0604020202020204" pitchFamily="34" charset="0"/>
-              <a:buChar char="•"/>
-              <a:defRPr sz="1800" kern="1200">
-                <a:solidFill>
-                  <a:schemeClr val="tx1"/>
-                </a:solidFill>
-                <a:latin typeface="+mn-lt"/>
-                <a:ea typeface="+mn-ea"/>
-                <a:cs typeface="+mn-cs"/>
-              </a:defRPr>
-            </a:lvl6pPr>
-            <a:lvl7pPr marL="2971800" indent="-228600" algn="l" defTabSz="914400" rtl="0" eaLnBrk="1" latinLnBrk="0" hangingPunct="1">
-              <a:lnSpc>
-                <a:spcPct val="90000"/>
-              </a:lnSpc>
-              <a:spcBef>
-                <a:spcPts val="500"/>
-              </a:spcBef>
-              <a:buFont typeface="Arial" panose="020B0604020202020204" pitchFamily="34" charset="0"/>
-              <a:buChar char="•"/>
-              <a:defRPr sz="1800" kern="1200">
-                <a:solidFill>
-                  <a:schemeClr val="tx1"/>
-                </a:solidFill>
-                <a:latin typeface="+mn-lt"/>
-                <a:ea typeface="+mn-ea"/>
-                <a:cs typeface="+mn-cs"/>
-              </a:defRPr>
-            </a:lvl7pPr>
-            <a:lvl8pPr marL="3429000" indent="-228600" algn="l" defTabSz="914400" rtl="0" eaLnBrk="1" latinLnBrk="0" hangingPunct="1">
-              <a:lnSpc>
-                <a:spcPct val="90000"/>
-              </a:lnSpc>
-              <a:spcBef>
-                <a:spcPts val="500"/>
-              </a:spcBef>
-              <a:buFont typeface="Arial" panose="020B0604020202020204" pitchFamily="34" charset="0"/>
-              <a:buChar char="•"/>
-              <a:defRPr sz="1800" kern="1200">
-                <a:solidFill>
-                  <a:schemeClr val="tx1"/>
-                </a:solidFill>
-                <a:latin typeface="+mn-lt"/>
-                <a:ea typeface="+mn-ea"/>
-                <a:cs typeface="+mn-cs"/>
-              </a:defRPr>
-            </a:lvl8pPr>
-            <a:lvl9pPr marL="3886200" indent="-228600" algn="l" defTabSz="914400" rtl="0" eaLnBrk="1" latinLnBrk="0" hangingPunct="1">
-              <a:lnSpc>
-                <a:spcPct val="90000"/>
-              </a:lnSpc>
-              <a:spcBef>
-                <a:spcPts val="500"/>
-              </a:spcBef>
-              <a:buFont typeface="Arial" panose="020B0604020202020204" pitchFamily="34" charset="0"/>
-              <a:buChar char="•"/>
-              <a:defRPr sz="1800" kern="1200">
-                <a:solidFill>
-                  <a:schemeClr val="tx1"/>
-                </a:solidFill>
-                <a:latin typeface="+mn-lt"/>
-                <a:ea typeface="+mn-ea"/>
-                <a:cs typeface="+mn-cs"/>
-              </a:defRPr>
-            </a:lvl9pPr>
-          </a:lstStyle>
-          <a:p>
-            <a:pPr eaLnBrk="1" hangingPunct="1"/>
-            <a:r>
-              <a:rPr lang="en-US" altLang="ru-RU" dirty="0"/>
-              <a:t>Mitchell "Machine Learning" (1997) : </a:t>
-            </a:r>
-            <a:r>
-              <a:rPr lang="ru-RU" altLang="ru-RU" dirty="0"/>
-              <a:t>«Компьютерная программа обучается на основе опыта </a:t>
-            </a:r>
-            <a:r>
-              <a:rPr lang="ru-RU" altLang="ru-RU" dirty="0">
-                <a:solidFill>
-                  <a:srgbClr val="FF0000"/>
-                </a:solidFill>
-              </a:rPr>
-              <a:t>Е</a:t>
-            </a:r>
-            <a:r>
-              <a:rPr lang="ru-RU" altLang="ru-RU" dirty="0"/>
-              <a:t> для решения задач </a:t>
-            </a:r>
-            <a:r>
-              <a:rPr lang="ru-RU" altLang="ru-RU" dirty="0">
-                <a:solidFill>
-                  <a:srgbClr val="00B050"/>
-                </a:solidFill>
-              </a:rPr>
-              <a:t>Т</a:t>
-            </a:r>
-            <a:r>
-              <a:rPr lang="ru-RU" altLang="ru-RU" dirty="0"/>
-              <a:t> с метрикой </a:t>
-            </a:r>
-            <a:r>
-              <a:rPr lang="ru-RU" altLang="ru-RU" dirty="0">
-                <a:solidFill>
-                  <a:srgbClr val="0070C0"/>
-                </a:solidFill>
-              </a:rPr>
-              <a:t>Р</a:t>
-            </a:r>
-            <a:r>
-              <a:rPr lang="ru-RU" altLang="ru-RU" dirty="0"/>
-              <a:t>, если продуктивность решения задач </a:t>
-            </a:r>
-            <a:r>
-              <a:rPr lang="ru-RU" altLang="ru-RU" dirty="0">
-                <a:solidFill>
-                  <a:srgbClr val="00B050"/>
-                </a:solidFill>
-              </a:rPr>
-              <a:t>Т</a:t>
-            </a:r>
-            <a:r>
-              <a:rPr lang="ru-RU" altLang="ru-RU" dirty="0"/>
-              <a:t>, измеряемая по метрике </a:t>
-            </a:r>
-            <a:r>
-              <a:rPr lang="ru-RU" altLang="ru-RU" dirty="0">
-                <a:solidFill>
-                  <a:srgbClr val="0070C0"/>
-                </a:solidFill>
-              </a:rPr>
-              <a:t>Р</a:t>
-            </a:r>
-            <a:r>
-              <a:rPr lang="ru-RU" altLang="ru-RU" dirty="0"/>
-              <a:t>, увеличивается с приобретаемым опытом </a:t>
-            </a:r>
-            <a:r>
-              <a:rPr lang="ru-RU" altLang="ru-RU" dirty="0">
-                <a:solidFill>
-                  <a:srgbClr val="FF0000"/>
-                </a:solidFill>
-              </a:rPr>
-              <a:t>Е</a:t>
-            </a:r>
-            <a:r>
-              <a:rPr lang="ru-RU" altLang="ru-RU" dirty="0"/>
-              <a:t>»</a:t>
-            </a:r>
-          </a:p>
-          <a:p>
-            <a:pPr eaLnBrk="1" hangingPunct="1"/>
-            <a:r>
-              <a:rPr lang="ru-RU" altLang="ru-RU" dirty="0"/>
-              <a:t>Компьютеры учатся как люди, «очеловечивание» процесса добавляет таинственности, создает шумиху, привлекает инвесторов </a:t>
-            </a:r>
-          </a:p>
-          <a:p>
-            <a:pPr eaLnBrk="1" hangingPunct="1"/>
-            <a:r>
-              <a:rPr lang="ru-RU" altLang="ru-RU" dirty="0"/>
-              <a:t>В основе машинного обучения – математическое моделирование</a:t>
-            </a:r>
-          </a:p>
-          <a:p>
-            <a:pPr eaLnBrk="1" hangingPunct="1"/>
-            <a:r>
-              <a:rPr lang="ru-RU" altLang="ru-RU" dirty="0"/>
-              <a:t>Не является «волшебной пилюлей» для всех задач</a:t>
-            </a:r>
-          </a:p>
-        </p:txBody>
-      </p:sp>
+      </p:pic>
     </p:spTree>
     <p:extLst>
       <p:ext uri="{BB962C8B-B14F-4D97-AF65-F5344CB8AC3E}">
-        <p14:creationId xmlns:p14="http://schemas.microsoft.com/office/powerpoint/2010/main" val="2448170628"/>
+        <p14:creationId xmlns:p14="http://schemas.microsoft.com/office/powerpoint/2010/main" val="3194667137"/>
       </p:ext>
     </p:extLst>
   </p:cSld>
@@ -12280,7 +11978,7 @@
 </p:sld>
 </file>
 
-<file path=ppt/slides/slide20.xml><?xml version="1.0" encoding="utf-8"?>
+<file path=ppt/slides/slide2.xml><?xml version="1.0" encoding="utf-8"?>
 <p:sld xmlns:a="http://schemas.openxmlformats.org/drawingml/2006/main" xmlns:r="http://schemas.openxmlformats.org/officeDocument/2006/relationships" xmlns:p="http://schemas.openxmlformats.org/presentationml/2006/main">
   <p:cSld>
     <p:spTree>
@@ -12362,7 +12060,7 @@
         <p:spPr>
           <a:xfrm>
             <a:off x="2057400" y="219959"/>
-            <a:ext cx="9794965" cy="954107"/>
+            <a:ext cx="9794965" cy="523220"/>
           </a:xfrm>
           <a:prstGeom prst="rect">
             <a:avLst/>
@@ -12475,30 +12173,7 @@
                   <a:srgbClr val="FF0000"/>
                 </a:solidFill>
               </a:rPr>
-              <a:t>Методы борьбы с переобучением: </a:t>
-            </a:r>
-            <a:r>
-              <a:rPr lang="ru-RU" sz="2800" b="1" dirty="0" err="1">
-                <a:solidFill>
-                  <a:srgbClr val="FF0000"/>
-                </a:solidFill>
-              </a:rPr>
-              <a:t>ансамблирование</a:t>
-            </a:r>
-            <a:endParaRPr lang="ru-RU" sz="2800" b="1" dirty="0">
-              <a:solidFill>
-                <a:srgbClr val="FF0000"/>
-              </a:solidFill>
-            </a:endParaRPr>
-          </a:p>
-          <a:p>
-            <a:r>
-              <a:rPr lang="ru-RU" sz="2800" b="1" dirty="0">
-                <a:solidFill>
-                  <a:srgbClr val="FF0000"/>
-                </a:solidFill>
-              </a:rPr>
-              <a:t> </a:t>
+              <a:t>Что такое машинное обучение</a:t>
             </a:r>
           </a:p>
         </p:txBody>
@@ -12526,7 +12201,7 @@
           <a:p>
             <a:fld id="{FF9AC15E-FCD1-4167-800F-1DB8497ABFCE}" type="slidenum">
               <a:rPr lang="ru-RU" smtClean="0"/>
-              <a:t>20</a:t>
+              <a:t>2</a:t>
             </a:fld>
             <a:endParaRPr lang="ru-RU"/>
           </a:p>
@@ -12566,42 +12241,32 @@
           </a:xfrm>
         </p:spPr>
       </p:pic>
-      <p:pic>
-        <p:nvPicPr>
-          <p:cNvPr id="12294" name="Picture 6" descr="Случайный лес в Apache Spark: принцип работы с примерами">
+      <p:sp>
+        <p:nvSpPr>
+          <p:cNvPr id="8" name="Содержимое 2">
             <a:extLst>
               <a:ext uri="{FF2B5EF4-FFF2-40B4-BE49-F238E27FC236}">
-                <a16:creationId xmlns:a16="http://schemas.microsoft.com/office/drawing/2014/main" id="{B74574E7-1F2C-CC4A-9CD8-A564E605A109}"/>
+                <a16:creationId xmlns:a16="http://schemas.microsoft.com/office/drawing/2014/main" id="{999CD21D-05DF-D7B9-E79A-3819172E739A}"/>
               </a:ext>
             </a:extLst>
           </p:cNvPr>
-          <p:cNvPicPr>
-            <a:picLocks noChangeAspect="1" noChangeArrowheads="1"/>
-          </p:cNvPicPr>
+          <p:cNvSpPr txBox="1">
+            <a:spLocks/>
+          </p:cNvSpPr>
           <p:nvPr/>
-        </p:nvPicPr>
-        <p:blipFill>
-          <a:blip r:embed="rId4">
-            <a:extLst>
-              <a:ext uri="{28A0092B-C50C-407E-A947-70E740481C1C}">
-                <a14:useLocalDpi xmlns:a14="http://schemas.microsoft.com/office/drawing/2010/main" val="0"/>
-              </a:ext>
-            </a:extLst>
-          </a:blip>
-          <a:srcRect/>
-          <a:stretch>
-            <a:fillRect/>
-          </a:stretch>
-        </p:blipFill>
+        </p:nvSpPr>
         <p:spPr bwMode="auto">
           <a:xfrm>
-            <a:off x="3600450" y="1778383"/>
-            <a:ext cx="4991100" cy="3743325"/>
+            <a:off x="815666" y="1207747"/>
+            <a:ext cx="10309225" cy="4351337"/>
           </a:xfrm>
           <a:prstGeom prst="rect">
             <a:avLst/>
           </a:prstGeom>
           <a:noFill/>
+          <a:ln>
+            <a:noFill/>
+          </a:ln>
           <a:extLst>
             <a:ext uri="{909E8E84-426E-40DD-AFC4-6F175D3DCCD1}">
               <a14:hiddenFill xmlns:a14="http://schemas.microsoft.com/office/drawing/2010/main">
@@ -12610,13 +12275,313 @@
                 </a:solidFill>
               </a14:hiddenFill>
             </a:ext>
+            <a:ext uri="{91240B29-F687-4F45-9708-019B960494DF}">
+              <a14:hiddenLine xmlns:a14="http://schemas.microsoft.com/office/drawing/2010/main" w="9525">
+                <a:solidFill>
+                  <a:srgbClr val="000000"/>
+                </a:solidFill>
+                <a:miter lim="800000"/>
+                <a:headEnd/>
+                <a:tailEnd/>
+              </a14:hiddenLine>
+            </a:ext>
           </a:extLst>
         </p:spPr>
-      </p:pic>
+        <p:txBody>
+          <a:bodyPr vert="horz" wrap="square" lIns="91440" tIns="45720" rIns="91440" bIns="45720" numCol="1" anchor="t" anchorCtr="0" compatLnSpc="1">
+            <a:prstTxWarp prst="textNoShape">
+              <a:avLst/>
+            </a:prstTxWarp>
+          </a:bodyPr>
+          <a:lstStyle>
+            <a:lvl1pPr marL="228600" indent="-228600" algn="l" rtl="0" eaLnBrk="0" fontAlgn="base" hangingPunct="0">
+              <a:lnSpc>
+                <a:spcPct val="90000"/>
+              </a:lnSpc>
+              <a:spcBef>
+                <a:spcPts val="1000"/>
+              </a:spcBef>
+              <a:spcAft>
+                <a:spcPct val="0"/>
+              </a:spcAft>
+              <a:buFont typeface="Arial" panose="020B0604020202020204" pitchFamily="34" charset="0"/>
+              <a:buChar char="•"/>
+              <a:defRPr sz="2800" kern="1200">
+                <a:solidFill>
+                  <a:schemeClr val="tx1"/>
+                </a:solidFill>
+                <a:latin typeface="+mn-lt"/>
+                <a:ea typeface="+mn-ea"/>
+                <a:cs typeface="+mn-cs"/>
+              </a:defRPr>
+            </a:lvl1pPr>
+            <a:lvl2pPr marL="685800" indent="-228600" algn="l" rtl="0" eaLnBrk="0" fontAlgn="base" hangingPunct="0">
+              <a:lnSpc>
+                <a:spcPct val="90000"/>
+              </a:lnSpc>
+              <a:spcBef>
+                <a:spcPts val="500"/>
+              </a:spcBef>
+              <a:spcAft>
+                <a:spcPct val="0"/>
+              </a:spcAft>
+              <a:buFont typeface="Arial" panose="020B0604020202020204" pitchFamily="34" charset="0"/>
+              <a:buChar char="•"/>
+              <a:defRPr sz="2400" kern="1200">
+                <a:solidFill>
+                  <a:schemeClr val="tx1"/>
+                </a:solidFill>
+                <a:latin typeface="+mn-lt"/>
+                <a:ea typeface="+mn-ea"/>
+                <a:cs typeface="+mn-cs"/>
+              </a:defRPr>
+            </a:lvl2pPr>
+            <a:lvl3pPr marL="1143000" indent="-228600" algn="l" rtl="0" eaLnBrk="0" fontAlgn="base" hangingPunct="0">
+              <a:lnSpc>
+                <a:spcPct val="90000"/>
+              </a:lnSpc>
+              <a:spcBef>
+                <a:spcPts val="500"/>
+              </a:spcBef>
+              <a:spcAft>
+                <a:spcPct val="0"/>
+              </a:spcAft>
+              <a:buFont typeface="Arial" panose="020B0604020202020204" pitchFamily="34" charset="0"/>
+              <a:buChar char="•"/>
+              <a:defRPr sz="2000" kern="1200">
+                <a:solidFill>
+                  <a:schemeClr val="tx1"/>
+                </a:solidFill>
+                <a:latin typeface="+mn-lt"/>
+                <a:ea typeface="+mn-ea"/>
+                <a:cs typeface="+mn-cs"/>
+              </a:defRPr>
+            </a:lvl3pPr>
+            <a:lvl4pPr marL="1600200" indent="-228600" algn="l" rtl="0" eaLnBrk="0" fontAlgn="base" hangingPunct="0">
+              <a:lnSpc>
+                <a:spcPct val="90000"/>
+              </a:lnSpc>
+              <a:spcBef>
+                <a:spcPts val="500"/>
+              </a:spcBef>
+              <a:spcAft>
+                <a:spcPct val="0"/>
+              </a:spcAft>
+              <a:buFont typeface="Arial" panose="020B0604020202020204" pitchFamily="34" charset="0"/>
+              <a:buChar char="•"/>
+              <a:defRPr kern="1200">
+                <a:solidFill>
+                  <a:schemeClr val="tx1"/>
+                </a:solidFill>
+                <a:latin typeface="+mn-lt"/>
+                <a:ea typeface="+mn-ea"/>
+                <a:cs typeface="+mn-cs"/>
+              </a:defRPr>
+            </a:lvl4pPr>
+            <a:lvl5pPr marL="2057400" indent="-228600" algn="l" rtl="0" eaLnBrk="0" fontAlgn="base" hangingPunct="0">
+              <a:lnSpc>
+                <a:spcPct val="90000"/>
+              </a:lnSpc>
+              <a:spcBef>
+                <a:spcPts val="500"/>
+              </a:spcBef>
+              <a:spcAft>
+                <a:spcPct val="0"/>
+              </a:spcAft>
+              <a:buFont typeface="Arial" panose="020B0604020202020204" pitchFamily="34" charset="0"/>
+              <a:buChar char="•"/>
+              <a:defRPr kern="1200">
+                <a:solidFill>
+                  <a:schemeClr val="tx1"/>
+                </a:solidFill>
+                <a:latin typeface="+mn-lt"/>
+                <a:ea typeface="+mn-ea"/>
+                <a:cs typeface="+mn-cs"/>
+              </a:defRPr>
+            </a:lvl5pPr>
+            <a:lvl6pPr marL="2514600" indent="-228600" algn="l" defTabSz="914400" rtl="0" eaLnBrk="1" latinLnBrk="0" hangingPunct="1">
+              <a:lnSpc>
+                <a:spcPct val="90000"/>
+              </a:lnSpc>
+              <a:spcBef>
+                <a:spcPts val="500"/>
+              </a:spcBef>
+              <a:buFont typeface="Arial" panose="020B0604020202020204" pitchFamily="34" charset="0"/>
+              <a:buChar char="•"/>
+              <a:defRPr sz="1800" kern="1200">
+                <a:solidFill>
+                  <a:schemeClr val="tx1"/>
+                </a:solidFill>
+                <a:latin typeface="+mn-lt"/>
+                <a:ea typeface="+mn-ea"/>
+                <a:cs typeface="+mn-cs"/>
+              </a:defRPr>
+            </a:lvl6pPr>
+            <a:lvl7pPr marL="2971800" indent="-228600" algn="l" defTabSz="914400" rtl="0" eaLnBrk="1" latinLnBrk="0" hangingPunct="1">
+              <a:lnSpc>
+                <a:spcPct val="90000"/>
+              </a:lnSpc>
+              <a:spcBef>
+                <a:spcPts val="500"/>
+              </a:spcBef>
+              <a:buFont typeface="Arial" panose="020B0604020202020204" pitchFamily="34" charset="0"/>
+              <a:buChar char="•"/>
+              <a:defRPr sz="1800" kern="1200">
+                <a:solidFill>
+                  <a:schemeClr val="tx1"/>
+                </a:solidFill>
+                <a:latin typeface="+mn-lt"/>
+                <a:ea typeface="+mn-ea"/>
+                <a:cs typeface="+mn-cs"/>
+              </a:defRPr>
+            </a:lvl7pPr>
+            <a:lvl8pPr marL="3429000" indent="-228600" algn="l" defTabSz="914400" rtl="0" eaLnBrk="1" latinLnBrk="0" hangingPunct="1">
+              <a:lnSpc>
+                <a:spcPct val="90000"/>
+              </a:lnSpc>
+              <a:spcBef>
+                <a:spcPts val="500"/>
+              </a:spcBef>
+              <a:buFont typeface="Arial" panose="020B0604020202020204" pitchFamily="34" charset="0"/>
+              <a:buChar char="•"/>
+              <a:defRPr sz="1800" kern="1200">
+                <a:solidFill>
+                  <a:schemeClr val="tx1"/>
+                </a:solidFill>
+                <a:latin typeface="+mn-lt"/>
+                <a:ea typeface="+mn-ea"/>
+                <a:cs typeface="+mn-cs"/>
+              </a:defRPr>
+            </a:lvl8pPr>
+            <a:lvl9pPr marL="3886200" indent="-228600" algn="l" defTabSz="914400" rtl="0" eaLnBrk="1" latinLnBrk="0" hangingPunct="1">
+              <a:lnSpc>
+                <a:spcPct val="90000"/>
+              </a:lnSpc>
+              <a:spcBef>
+                <a:spcPts val="500"/>
+              </a:spcBef>
+              <a:buFont typeface="Arial" panose="020B0604020202020204" pitchFamily="34" charset="0"/>
+              <a:buChar char="•"/>
+              <a:defRPr sz="1800" kern="1200">
+                <a:solidFill>
+                  <a:schemeClr val="tx1"/>
+                </a:solidFill>
+                <a:latin typeface="+mn-lt"/>
+                <a:ea typeface="+mn-ea"/>
+                <a:cs typeface="+mn-cs"/>
+              </a:defRPr>
+            </a:lvl9pPr>
+          </a:lstStyle>
+          <a:p>
+            <a:pPr eaLnBrk="1" hangingPunct="1"/>
+            <a:r>
+              <a:rPr lang="en-US" altLang="ru-RU" dirty="0"/>
+              <a:t>Mitchell "Machine Learning" (1997) : </a:t>
+            </a:r>
+            <a:r>
+              <a:rPr lang="ru-RU" altLang="ru-RU" dirty="0"/>
+              <a:t>«Компьютерная программа обучается на основе опыта </a:t>
+            </a:r>
+            <a:r>
+              <a:rPr lang="ru-RU" altLang="ru-RU" dirty="0">
+                <a:solidFill>
+                  <a:srgbClr val="FF0000"/>
+                </a:solidFill>
+              </a:rPr>
+              <a:t>Е</a:t>
+            </a:r>
+            <a:r>
+              <a:rPr lang="ru-RU" altLang="ru-RU" dirty="0"/>
+              <a:t> для решения задач </a:t>
+            </a:r>
+            <a:r>
+              <a:rPr lang="ru-RU" altLang="ru-RU" dirty="0">
+                <a:solidFill>
+                  <a:srgbClr val="00B050"/>
+                </a:solidFill>
+              </a:rPr>
+              <a:t>Т</a:t>
+            </a:r>
+            <a:r>
+              <a:rPr lang="ru-RU" altLang="ru-RU" dirty="0"/>
+              <a:t> с метрикой </a:t>
+            </a:r>
+            <a:r>
+              <a:rPr lang="ru-RU" altLang="ru-RU" dirty="0">
+                <a:solidFill>
+                  <a:srgbClr val="0070C0"/>
+                </a:solidFill>
+              </a:rPr>
+              <a:t>Р</a:t>
+            </a:r>
+            <a:r>
+              <a:rPr lang="ru-RU" altLang="ru-RU" dirty="0"/>
+              <a:t>, если продуктивность решения задач </a:t>
+            </a:r>
+            <a:r>
+              <a:rPr lang="ru-RU" altLang="ru-RU" dirty="0">
+                <a:solidFill>
+                  <a:srgbClr val="00B050"/>
+                </a:solidFill>
+              </a:rPr>
+              <a:t>Т</a:t>
+            </a:r>
+            <a:r>
+              <a:rPr lang="ru-RU" altLang="ru-RU" dirty="0"/>
+              <a:t>, измеряемая по метрике </a:t>
+            </a:r>
+            <a:r>
+              <a:rPr lang="ru-RU" altLang="ru-RU" dirty="0">
+                <a:solidFill>
+                  <a:srgbClr val="0070C0"/>
+                </a:solidFill>
+              </a:rPr>
+              <a:t>Р</a:t>
+            </a:r>
+            <a:r>
+              <a:rPr lang="ru-RU" altLang="ru-RU" dirty="0"/>
+              <a:t>, увеличивается с приобретаемым опытом </a:t>
+            </a:r>
+            <a:r>
+              <a:rPr lang="ru-RU" altLang="ru-RU" dirty="0">
+                <a:solidFill>
+                  <a:srgbClr val="FF0000"/>
+                </a:solidFill>
+              </a:rPr>
+              <a:t>Е</a:t>
+            </a:r>
+            <a:r>
+              <a:rPr lang="ru-RU" altLang="ru-RU" dirty="0"/>
+              <a:t>»</a:t>
+            </a:r>
+          </a:p>
+          <a:p>
+            <a:pPr eaLnBrk="1" hangingPunct="1"/>
+            <a:r>
+              <a:rPr lang="ru-RU" altLang="ru-RU" dirty="0"/>
+              <a:t>Компьютеры учатся как люди, «очеловечивание» процесса добавляет таинственности, создает шумиху, привлекает инвесторов </a:t>
+            </a:r>
+          </a:p>
+          <a:p>
+            <a:pPr eaLnBrk="1" hangingPunct="1"/>
+            <a:r>
+              <a:rPr lang="ru-RU" altLang="ru-RU" dirty="0"/>
+              <a:t>В основе машинного обучения – математическое моделирование</a:t>
+            </a:r>
+          </a:p>
+          <a:p>
+            <a:pPr eaLnBrk="1" hangingPunct="1"/>
+            <a:r>
+              <a:rPr lang="ru-RU" altLang="ru-RU" dirty="0"/>
+              <a:t>Не является «волшебной пилюлей» для всех задач</a:t>
+            </a:r>
+          </a:p>
+        </p:txBody>
+      </p:sp>
     </p:spTree>
     <p:extLst>
       <p:ext uri="{BB962C8B-B14F-4D97-AF65-F5344CB8AC3E}">
-        <p14:creationId xmlns:p14="http://schemas.microsoft.com/office/powerpoint/2010/main" val="3194667137"/>
+        <p14:creationId xmlns:p14="http://schemas.microsoft.com/office/powerpoint/2010/main" val="2448170628"/>
       </p:ext>
     </p:extLst>
   </p:cSld>
@@ -12626,7 +12591,7 @@
 </p:sld>
 </file>
 
-<file path=ppt/slides/slide21.xml><?xml version="1.0" encoding="utf-8"?>
+<file path=ppt/slides/slide20.xml><?xml version="1.0" encoding="utf-8"?>
 <p:sld xmlns:a="http://schemas.openxmlformats.org/drawingml/2006/main" xmlns:r="http://schemas.openxmlformats.org/officeDocument/2006/relationships" xmlns:p="http://schemas.openxmlformats.org/presentationml/2006/main">
   <p:cSld>
     <p:spTree>
@@ -12849,7 +12814,7 @@
           <a:p>
             <a:fld id="{FF9AC15E-FCD1-4167-800F-1DB8497ABFCE}" type="slidenum">
               <a:rPr lang="ru-RU" smtClean="0"/>
-              <a:t>21</a:t>
+              <a:t>20</a:t>
             </a:fld>
             <a:endParaRPr lang="ru-RU"/>
           </a:p>
@@ -13253,7 +13218,7 @@
 </p:sld>
 </file>
 
-<file path=ppt/slides/slide22.xml><?xml version="1.0" encoding="utf-8"?>
+<file path=ppt/slides/slide21.xml><?xml version="1.0" encoding="utf-8"?>
 <p:sld xmlns:a="http://schemas.openxmlformats.org/drawingml/2006/main" xmlns:r="http://schemas.openxmlformats.org/officeDocument/2006/relationships" xmlns:p="http://schemas.openxmlformats.org/presentationml/2006/main">
   <p:cSld>
     <p:spTree>
@@ -13476,7 +13441,7 @@
           <a:p>
             <a:fld id="{FF9AC15E-FCD1-4167-800F-1DB8497ABFCE}" type="slidenum">
               <a:rPr lang="ru-RU" smtClean="0"/>
-              <a:t>22</a:t>
+              <a:t>21</a:t>
             </a:fld>
             <a:endParaRPr lang="ru-RU"/>
           </a:p>
@@ -13871,7 +13836,7 @@
 </p:sld>
 </file>
 
-<file path=ppt/slides/slide23.xml><?xml version="1.0" encoding="utf-8"?>
+<file path=ppt/slides/slide22.xml><?xml version="1.0" encoding="utf-8"?>
 <p:sld xmlns:a="http://schemas.openxmlformats.org/drawingml/2006/main" xmlns:r="http://schemas.openxmlformats.org/officeDocument/2006/relationships" xmlns:p="http://schemas.openxmlformats.org/presentationml/2006/main">
   <p:cSld>
     <p:spTree>
@@ -14094,7 +14059,7 @@
           <a:p>
             <a:fld id="{FF9AC15E-FCD1-4167-800F-1DB8497ABFCE}" type="slidenum">
               <a:rPr lang="ru-RU" smtClean="0"/>
-              <a:t>23</a:t>
+              <a:t>22</a:t>
             </a:fld>
             <a:endParaRPr lang="ru-RU"/>
           </a:p>
@@ -14465,7 +14430,7 @@
 </p:sld>
 </file>
 
-<file path=ppt/slides/slide24.xml><?xml version="1.0" encoding="utf-8"?>
+<file path=ppt/slides/slide23.xml><?xml version="1.0" encoding="utf-8"?>
 <p:sld xmlns:a="http://schemas.openxmlformats.org/drawingml/2006/main" xmlns:r="http://schemas.openxmlformats.org/officeDocument/2006/relationships" xmlns:p="http://schemas.openxmlformats.org/presentationml/2006/main">
   <p:cSld>
     <p:spTree>
@@ -14688,7 +14653,7 @@
           <a:p>
             <a:fld id="{FF9AC15E-FCD1-4167-800F-1DB8497ABFCE}" type="slidenum">
               <a:rPr lang="ru-RU" smtClean="0"/>
-              <a:t>24</a:t>
+              <a:t>23</a:t>
             </a:fld>
             <a:endParaRPr lang="ru-RU"/>
           </a:p>
@@ -14875,7 +14840,7 @@
 </p:sld>
 </file>
 
-<file path=ppt/slides/slide25.xml><?xml version="1.0" encoding="utf-8"?>
+<file path=ppt/slides/slide24.xml><?xml version="1.0" encoding="utf-8"?>
 <p:sld xmlns:a="http://schemas.openxmlformats.org/drawingml/2006/main" xmlns:r="http://schemas.openxmlformats.org/officeDocument/2006/relationships" xmlns:p="http://schemas.openxmlformats.org/presentationml/2006/main">
   <p:cSld>
     <p:spTree>
@@ -15098,7 +15063,7 @@
           <a:p>
             <a:fld id="{FF9AC15E-FCD1-4167-800F-1DB8497ABFCE}" type="slidenum">
               <a:rPr lang="ru-RU" smtClean="0"/>
-              <a:t>25</a:t>
+              <a:t>24</a:t>
             </a:fld>
             <a:endParaRPr lang="ru-RU"/>
           </a:p>
@@ -15211,7 +15176,7 @@
 </p:sld>
 </file>
 
-<file path=ppt/slides/slide26.xml><?xml version="1.0" encoding="utf-8"?>
+<file path=ppt/slides/slide25.xml><?xml version="1.0" encoding="utf-8"?>
 <p:sld xmlns:a="http://schemas.openxmlformats.org/drawingml/2006/main" xmlns:r="http://schemas.openxmlformats.org/officeDocument/2006/relationships" xmlns:p="http://schemas.openxmlformats.org/presentationml/2006/main">
   <p:cSld>
     <p:spTree>
@@ -15434,7 +15399,7 @@
           <a:p>
             <a:fld id="{FF9AC15E-FCD1-4167-800F-1DB8497ABFCE}" type="slidenum">
               <a:rPr lang="ru-RU" smtClean="0"/>
-              <a:t>26</a:t>
+              <a:t>25</a:t>
             </a:fld>
             <a:endParaRPr lang="ru-RU"/>
           </a:p>
@@ -16336,7 +16301,7 @@
 </p:sld>
 </file>
 
-<file path=ppt/slides/slide27.xml><?xml version="1.0" encoding="utf-8"?>
+<file path=ppt/slides/slide26.xml><?xml version="1.0" encoding="utf-8"?>
 <p:sld xmlns:a="http://schemas.openxmlformats.org/drawingml/2006/main" xmlns:r="http://schemas.openxmlformats.org/officeDocument/2006/relationships" xmlns:p="http://schemas.openxmlformats.org/presentationml/2006/main">
   <p:cSld>
     <p:spTree>
@@ -16559,7 +16524,7 @@
           <a:p>
             <a:fld id="{FF9AC15E-FCD1-4167-800F-1DB8497ABFCE}" type="slidenum">
               <a:rPr lang="ru-RU" smtClean="0"/>
-              <a:t>27</a:t>
+              <a:t>26</a:t>
             </a:fld>
             <a:endParaRPr lang="ru-RU"/>
           </a:p>
@@ -16873,7 +16838,7 @@
 </p:sld>
 </file>
 
-<file path=ppt/slides/slide28.xml><?xml version="1.0" encoding="utf-8"?>
+<file path=ppt/slides/slide27.xml><?xml version="1.0" encoding="utf-8"?>
 <p:sld xmlns:a="http://schemas.openxmlformats.org/drawingml/2006/main" xmlns:r="http://schemas.openxmlformats.org/officeDocument/2006/relationships" xmlns:p="http://schemas.openxmlformats.org/presentationml/2006/main">
   <p:cSld>
     <p:spTree>
@@ -17125,7 +17090,7 @@
           <a:p>
             <a:fld id="{FF9AC15E-FCD1-4167-800F-1DB8497ABFCE}" type="slidenum">
               <a:rPr lang="ru-RU" smtClean="0"/>
-              <a:t>28</a:t>
+              <a:t>27</a:t>
             </a:fld>
             <a:endParaRPr lang="ru-RU"/>
           </a:p>
@@ -17556,7 +17521,7 @@
 </p:sld>
 </file>
 
-<file path=ppt/slides/slide29.xml><?xml version="1.0" encoding="utf-8"?>
+<file path=ppt/slides/slide28.xml><?xml version="1.0" encoding="utf-8"?>
 <p:sld xmlns:a="http://schemas.openxmlformats.org/drawingml/2006/main" xmlns:r="http://schemas.openxmlformats.org/officeDocument/2006/relationships" xmlns:p="http://schemas.openxmlformats.org/presentationml/2006/main">
   <p:cSld>
     <p:spTree>
@@ -17847,7 +17812,7 @@
           <a:p>
             <a:fld id="{FF9AC15E-FCD1-4167-800F-1DB8497ABFCE}" type="slidenum">
               <a:rPr lang="ru-RU" smtClean="0"/>
-              <a:t>29</a:t>
+              <a:t>28</a:t>
             </a:fld>
             <a:endParaRPr lang="ru-RU"/>
           </a:p>
@@ -17900,7 +17865,7 @@
 </p:sld>
 </file>
 
-<file path=ppt/slides/slide3.xml><?xml version="1.0" encoding="utf-8"?>
+<file path=ppt/slides/slide29.xml><?xml version="1.0" encoding="utf-8"?>
 <p:sld xmlns:a="http://schemas.openxmlformats.org/drawingml/2006/main" xmlns:r="http://schemas.openxmlformats.org/officeDocument/2006/relationships" xmlns:p="http://schemas.openxmlformats.org/presentationml/2006/main">
   <p:cSld>
     <p:spTree>
@@ -17917,274 +17882,6 @@
           <a:chExt cx="0" cy="0"/>
         </a:xfrm>
       </p:grpSpPr>
-      <p:sp>
-        <p:nvSpPr>
-          <p:cNvPr id="5" name="Содержимое 2">
-            <a:extLst>
-              <a:ext uri="{FF2B5EF4-FFF2-40B4-BE49-F238E27FC236}">
-                <a16:creationId xmlns:a16="http://schemas.microsoft.com/office/drawing/2014/main" id="{87B27992-992A-EC3A-7C41-3CE812E130CB}"/>
-              </a:ext>
-            </a:extLst>
-          </p:cNvPr>
-          <p:cNvSpPr txBox="1">
-            <a:spLocks/>
-          </p:cNvSpPr>
-          <p:nvPr/>
-        </p:nvSpPr>
-        <p:spPr bwMode="auto">
-          <a:xfrm>
-            <a:off x="815666" y="1207747"/>
-            <a:ext cx="10309225" cy="4351337"/>
-          </a:xfrm>
-          <a:prstGeom prst="rect">
-            <a:avLst/>
-          </a:prstGeom>
-          <a:noFill/>
-          <a:ln>
-            <a:noFill/>
-          </a:ln>
-          <a:extLst>
-            <a:ext uri="{909E8E84-426E-40DD-AFC4-6F175D3DCCD1}">
-              <a14:hiddenFill xmlns:a14="http://schemas.microsoft.com/office/drawing/2010/main">
-                <a:solidFill>
-                  <a:srgbClr val="FFFFFF"/>
-                </a:solidFill>
-              </a14:hiddenFill>
-            </a:ext>
-            <a:ext uri="{91240B29-F687-4F45-9708-019B960494DF}">
-              <a14:hiddenLine xmlns:a14="http://schemas.microsoft.com/office/drawing/2010/main" w="9525">
-                <a:solidFill>
-                  <a:srgbClr val="000000"/>
-                </a:solidFill>
-                <a:miter lim="800000"/>
-                <a:headEnd/>
-                <a:tailEnd/>
-              </a14:hiddenLine>
-            </a:ext>
-          </a:extLst>
-        </p:spPr>
-        <p:txBody>
-          <a:bodyPr vert="horz" wrap="square" lIns="91440" tIns="45720" rIns="91440" bIns="45720" numCol="1" anchor="t" anchorCtr="0" compatLnSpc="1">
-            <a:prstTxWarp prst="textNoShape">
-              <a:avLst/>
-            </a:prstTxWarp>
-          </a:bodyPr>
-          <a:lstStyle>
-            <a:lvl1pPr marL="228600" indent="-228600" algn="l" rtl="0" eaLnBrk="0" fontAlgn="base" hangingPunct="0">
-              <a:lnSpc>
-                <a:spcPct val="90000"/>
-              </a:lnSpc>
-              <a:spcBef>
-                <a:spcPts val="1000"/>
-              </a:spcBef>
-              <a:spcAft>
-                <a:spcPct val="0"/>
-              </a:spcAft>
-              <a:buFont typeface="Arial" panose="020B0604020202020204" pitchFamily="34" charset="0"/>
-              <a:buChar char="•"/>
-              <a:defRPr sz="2800" kern="1200">
-                <a:solidFill>
-                  <a:schemeClr val="tx1"/>
-                </a:solidFill>
-                <a:latin typeface="+mn-lt"/>
-                <a:ea typeface="+mn-ea"/>
-                <a:cs typeface="+mn-cs"/>
-              </a:defRPr>
-            </a:lvl1pPr>
-            <a:lvl2pPr marL="685800" indent="-228600" algn="l" rtl="0" eaLnBrk="0" fontAlgn="base" hangingPunct="0">
-              <a:lnSpc>
-                <a:spcPct val="90000"/>
-              </a:lnSpc>
-              <a:spcBef>
-                <a:spcPts val="500"/>
-              </a:spcBef>
-              <a:spcAft>
-                <a:spcPct val="0"/>
-              </a:spcAft>
-              <a:buFont typeface="Arial" panose="020B0604020202020204" pitchFamily="34" charset="0"/>
-              <a:buChar char="•"/>
-              <a:defRPr sz="2400" kern="1200">
-                <a:solidFill>
-                  <a:schemeClr val="tx1"/>
-                </a:solidFill>
-                <a:latin typeface="+mn-lt"/>
-                <a:ea typeface="+mn-ea"/>
-                <a:cs typeface="+mn-cs"/>
-              </a:defRPr>
-            </a:lvl2pPr>
-            <a:lvl3pPr marL="1143000" indent="-228600" algn="l" rtl="0" eaLnBrk="0" fontAlgn="base" hangingPunct="0">
-              <a:lnSpc>
-                <a:spcPct val="90000"/>
-              </a:lnSpc>
-              <a:spcBef>
-                <a:spcPts val="500"/>
-              </a:spcBef>
-              <a:spcAft>
-                <a:spcPct val="0"/>
-              </a:spcAft>
-              <a:buFont typeface="Arial" panose="020B0604020202020204" pitchFamily="34" charset="0"/>
-              <a:buChar char="•"/>
-              <a:defRPr sz="2000" kern="1200">
-                <a:solidFill>
-                  <a:schemeClr val="tx1"/>
-                </a:solidFill>
-                <a:latin typeface="+mn-lt"/>
-                <a:ea typeface="+mn-ea"/>
-                <a:cs typeface="+mn-cs"/>
-              </a:defRPr>
-            </a:lvl3pPr>
-            <a:lvl4pPr marL="1600200" indent="-228600" algn="l" rtl="0" eaLnBrk="0" fontAlgn="base" hangingPunct="0">
-              <a:lnSpc>
-                <a:spcPct val="90000"/>
-              </a:lnSpc>
-              <a:spcBef>
-                <a:spcPts val="500"/>
-              </a:spcBef>
-              <a:spcAft>
-                <a:spcPct val="0"/>
-              </a:spcAft>
-              <a:buFont typeface="Arial" panose="020B0604020202020204" pitchFamily="34" charset="0"/>
-              <a:buChar char="•"/>
-              <a:defRPr kern="1200">
-                <a:solidFill>
-                  <a:schemeClr val="tx1"/>
-                </a:solidFill>
-                <a:latin typeface="+mn-lt"/>
-                <a:ea typeface="+mn-ea"/>
-                <a:cs typeface="+mn-cs"/>
-              </a:defRPr>
-            </a:lvl4pPr>
-            <a:lvl5pPr marL="2057400" indent="-228600" algn="l" rtl="0" eaLnBrk="0" fontAlgn="base" hangingPunct="0">
-              <a:lnSpc>
-                <a:spcPct val="90000"/>
-              </a:lnSpc>
-              <a:spcBef>
-                <a:spcPts val="500"/>
-              </a:spcBef>
-              <a:spcAft>
-                <a:spcPct val="0"/>
-              </a:spcAft>
-              <a:buFont typeface="Arial" panose="020B0604020202020204" pitchFamily="34" charset="0"/>
-              <a:buChar char="•"/>
-              <a:defRPr kern="1200">
-                <a:solidFill>
-                  <a:schemeClr val="tx1"/>
-                </a:solidFill>
-                <a:latin typeface="+mn-lt"/>
-                <a:ea typeface="+mn-ea"/>
-                <a:cs typeface="+mn-cs"/>
-              </a:defRPr>
-            </a:lvl5pPr>
-            <a:lvl6pPr marL="2514600" indent="-228600" algn="l" defTabSz="914400" rtl="0" eaLnBrk="1" latinLnBrk="0" hangingPunct="1">
-              <a:lnSpc>
-                <a:spcPct val="90000"/>
-              </a:lnSpc>
-              <a:spcBef>
-                <a:spcPts val="500"/>
-              </a:spcBef>
-              <a:buFont typeface="Arial" panose="020B0604020202020204" pitchFamily="34" charset="0"/>
-              <a:buChar char="•"/>
-              <a:defRPr sz="1800" kern="1200">
-                <a:solidFill>
-                  <a:schemeClr val="tx1"/>
-                </a:solidFill>
-                <a:latin typeface="+mn-lt"/>
-                <a:ea typeface="+mn-ea"/>
-                <a:cs typeface="+mn-cs"/>
-              </a:defRPr>
-            </a:lvl6pPr>
-            <a:lvl7pPr marL="2971800" indent="-228600" algn="l" defTabSz="914400" rtl="0" eaLnBrk="1" latinLnBrk="0" hangingPunct="1">
-              <a:lnSpc>
-                <a:spcPct val="90000"/>
-              </a:lnSpc>
-              <a:spcBef>
-                <a:spcPts val="500"/>
-              </a:spcBef>
-              <a:buFont typeface="Arial" panose="020B0604020202020204" pitchFamily="34" charset="0"/>
-              <a:buChar char="•"/>
-              <a:defRPr sz="1800" kern="1200">
-                <a:solidFill>
-                  <a:schemeClr val="tx1"/>
-                </a:solidFill>
-                <a:latin typeface="+mn-lt"/>
-                <a:ea typeface="+mn-ea"/>
-                <a:cs typeface="+mn-cs"/>
-              </a:defRPr>
-            </a:lvl7pPr>
-            <a:lvl8pPr marL="3429000" indent="-228600" algn="l" defTabSz="914400" rtl="0" eaLnBrk="1" latinLnBrk="0" hangingPunct="1">
-              <a:lnSpc>
-                <a:spcPct val="90000"/>
-              </a:lnSpc>
-              <a:spcBef>
-                <a:spcPts val="500"/>
-              </a:spcBef>
-              <a:buFont typeface="Arial" panose="020B0604020202020204" pitchFamily="34" charset="0"/>
-              <a:buChar char="•"/>
-              <a:defRPr sz="1800" kern="1200">
-                <a:solidFill>
-                  <a:schemeClr val="tx1"/>
-                </a:solidFill>
-                <a:latin typeface="+mn-lt"/>
-                <a:ea typeface="+mn-ea"/>
-                <a:cs typeface="+mn-cs"/>
-              </a:defRPr>
-            </a:lvl8pPr>
-            <a:lvl9pPr marL="3886200" indent="-228600" algn="l" defTabSz="914400" rtl="0" eaLnBrk="1" latinLnBrk="0" hangingPunct="1">
-              <a:lnSpc>
-                <a:spcPct val="90000"/>
-              </a:lnSpc>
-              <a:spcBef>
-                <a:spcPts val="500"/>
-              </a:spcBef>
-              <a:buFont typeface="Arial" panose="020B0604020202020204" pitchFamily="34" charset="0"/>
-              <a:buChar char="•"/>
-              <a:defRPr sz="1800" kern="1200">
-                <a:solidFill>
-                  <a:schemeClr val="tx1"/>
-                </a:solidFill>
-                <a:latin typeface="+mn-lt"/>
-                <a:ea typeface="+mn-ea"/>
-                <a:cs typeface="+mn-cs"/>
-              </a:defRPr>
-            </a:lvl9pPr>
-          </a:lstStyle>
-          <a:p>
-            <a:pPr eaLnBrk="1" hangingPunct="1"/>
-            <a:r>
-              <a:rPr lang="ru-RU" altLang="ru-RU" dirty="0"/>
-              <a:t>Разработки с середины XX века</a:t>
-            </a:r>
-          </a:p>
-          <a:p>
-            <a:pPr eaLnBrk="1" hangingPunct="1"/>
-            <a:r>
-              <a:rPr lang="ru-RU" altLang="ru-RU" dirty="0"/>
-              <a:t>Сейчас много данных</a:t>
-            </a:r>
-          </a:p>
-          <a:p>
-            <a:pPr eaLnBrk="1" hangingPunct="1"/>
-            <a:r>
-              <a:rPr lang="ru-RU" altLang="ru-RU" dirty="0"/>
-              <a:t>Сейчас мощное оборудование</a:t>
-            </a:r>
-          </a:p>
-          <a:p>
-            <a:pPr eaLnBrk="1" hangingPunct="1"/>
-            <a:r>
-              <a:rPr lang="ru-RU" altLang="ru-RU" dirty="0"/>
-              <a:t>Недостаток ресурсов</a:t>
-            </a:r>
-          </a:p>
-          <a:p>
-            <a:pPr eaLnBrk="1" hangingPunct="1"/>
-            <a:r>
-              <a:rPr lang="ru-RU" altLang="ru-RU" dirty="0"/>
-              <a:t>Развитие ИТ</a:t>
-            </a:r>
-          </a:p>
-        </p:txBody>
-      </p:sp>
       <p:sp>
         <p:nvSpPr>
           <p:cNvPr id="3" name="Прямоугольник 2"/>
@@ -18237,73 +17934,10 @@
       </p:sp>
       <p:sp>
         <p:nvSpPr>
-          <p:cNvPr id="6" name="Номер слайда 5">
+          <p:cNvPr id="4" name="TextBox 9">
             <a:extLst>
               <a:ext uri="{FF2B5EF4-FFF2-40B4-BE49-F238E27FC236}">
-                <a16:creationId xmlns:a16="http://schemas.microsoft.com/office/drawing/2014/main" id="{2A73E36B-93CF-4B6D-9D12-D242EBAEB367}"/>
-              </a:ext>
-            </a:extLst>
-          </p:cNvPr>
-          <p:cNvSpPr>
-            <a:spLocks noGrp="1"/>
-          </p:cNvSpPr>
-          <p:nvPr>
-            <p:ph type="sldNum" sz="quarter" idx="12"/>
-          </p:nvPr>
-        </p:nvSpPr>
-        <p:spPr/>
-        <p:txBody>
-          <a:bodyPr/>
-          <a:lstStyle/>
-          <a:p>
-            <a:fld id="{FF9AC15E-FCD1-4167-800F-1DB8497ABFCE}" type="slidenum">
-              <a:rPr lang="ru-RU" smtClean="0"/>
-              <a:t>3</a:t>
-            </a:fld>
-            <a:endParaRPr lang="ru-RU"/>
-          </a:p>
-        </p:txBody>
-      </p:sp>
-      <p:pic>
-        <p:nvPicPr>
-          <p:cNvPr id="9" name="Объект 1">
-            <a:extLst>
-              <a:ext uri="{FF2B5EF4-FFF2-40B4-BE49-F238E27FC236}">
-                <a16:creationId xmlns:a16="http://schemas.microsoft.com/office/drawing/2014/main" id="{D8975343-2B37-104D-8757-0404410E4582}"/>
-              </a:ext>
-            </a:extLst>
-          </p:cNvPr>
-          <p:cNvPicPr>
-            <a:picLocks noGrp="1" noChangeAspect="1"/>
-          </p:cNvPicPr>
-          <p:nvPr>
-            <p:ph idx="1"/>
-          </p:nvPr>
-        </p:nvPicPr>
-        <p:blipFill rotWithShape="1">
-          <a:blip r:embed="rId3" cstate="print">
-            <a:extLst>
-              <a:ext uri="{28A0092B-C50C-407E-A947-70E740481C1C}">
-                <a14:useLocalDpi xmlns:a14="http://schemas.microsoft.com/office/drawing/2010/main" val="0"/>
-              </a:ext>
-            </a:extLst>
-          </a:blip>
-          <a:srcRect r="40340"/>
-          <a:stretch/>
-        </p:blipFill>
-        <p:spPr>
-          <a:xfrm>
-            <a:off x="603100" y="319559"/>
-            <a:ext cx="1342931" cy="434420"/>
-          </a:xfrm>
-        </p:spPr>
-      </p:pic>
-      <p:sp>
-        <p:nvSpPr>
-          <p:cNvPr id="16" name="TextBox 9">
-            <a:extLst>
-              <a:ext uri="{FF2B5EF4-FFF2-40B4-BE49-F238E27FC236}">
-                <a16:creationId xmlns:a16="http://schemas.microsoft.com/office/drawing/2014/main" id="{562DE49E-2FEB-FA84-99C0-B77603DFB6A0}"/>
+                <a16:creationId xmlns:a16="http://schemas.microsoft.com/office/drawing/2014/main" id="{6D1610F7-A0C9-4E50-9206-D9E394A55B73}"/>
               </a:ext>
             </a:extLst>
           </p:cNvPr>
@@ -18421,339 +18055,6 @@
           </a:lstStyle>
           <a:p>
             <a:r>
-              <a:rPr lang="ru-RU" sz="2800" b="1" dirty="0">
-                <a:solidFill>
-                  <a:srgbClr val="FF0000"/>
-                </a:solidFill>
-              </a:rPr>
-              <a:t>Предпосылки появления и использования ML</a:t>
-            </a:r>
-          </a:p>
-        </p:txBody>
-      </p:sp>
-      <p:pic>
-        <p:nvPicPr>
-          <p:cNvPr id="17" name="Рисунок 5">
-            <a:extLst>
-              <a:ext uri="{FF2B5EF4-FFF2-40B4-BE49-F238E27FC236}">
-                <a16:creationId xmlns:a16="http://schemas.microsoft.com/office/drawing/2014/main" id="{9737B1CE-0D4D-DE98-4F2A-90B82B987E2E}"/>
-              </a:ext>
-            </a:extLst>
-          </p:cNvPr>
-          <p:cNvPicPr>
-            <a:picLocks noChangeAspect="1"/>
-          </p:cNvPicPr>
-          <p:nvPr/>
-        </p:nvPicPr>
-        <p:blipFill>
-          <a:blip r:embed="rId4">
-            <a:extLst>
-              <a:ext uri="{28A0092B-C50C-407E-A947-70E740481C1C}">
-                <a14:useLocalDpi xmlns:a14="http://schemas.microsoft.com/office/drawing/2010/main" val="0"/>
-              </a:ext>
-            </a:extLst>
-          </a:blip>
-          <a:srcRect/>
-          <a:stretch>
-            <a:fillRect/>
-          </a:stretch>
-        </p:blipFill>
-        <p:spPr bwMode="auto">
-          <a:xfrm>
-            <a:off x="7381494" y="1207747"/>
-            <a:ext cx="4105275" cy="2336800"/>
-          </a:xfrm>
-          <a:prstGeom prst="rect">
-            <a:avLst/>
-          </a:prstGeom>
-          <a:noFill/>
-          <a:ln>
-            <a:noFill/>
-          </a:ln>
-          <a:extLst>
-            <a:ext uri="{909E8E84-426E-40DD-AFC4-6F175D3DCCD1}">
-              <a14:hiddenFill xmlns:a14="http://schemas.microsoft.com/office/drawing/2010/main">
-                <a:solidFill>
-                  <a:srgbClr val="FFFFFF"/>
-                </a:solidFill>
-              </a14:hiddenFill>
-            </a:ext>
-            <a:ext uri="{91240B29-F687-4F45-9708-019B960494DF}">
-              <a14:hiddenLine xmlns:a14="http://schemas.microsoft.com/office/drawing/2010/main" w="9525">
-                <a:solidFill>
-                  <a:srgbClr val="000000"/>
-                </a:solidFill>
-                <a:miter lim="800000"/>
-                <a:headEnd/>
-                <a:tailEnd/>
-              </a14:hiddenLine>
-            </a:ext>
-          </a:extLst>
-        </p:spPr>
-      </p:pic>
-      <p:pic>
-        <p:nvPicPr>
-          <p:cNvPr id="18" name="Picture 3">
-            <a:extLst>
-              <a:ext uri="{FF2B5EF4-FFF2-40B4-BE49-F238E27FC236}">
-                <a16:creationId xmlns:a16="http://schemas.microsoft.com/office/drawing/2014/main" id="{E2EFF0CA-F31E-EE56-F336-10084238D018}"/>
-              </a:ext>
-            </a:extLst>
-          </p:cNvPr>
-          <p:cNvPicPr>
-            <a:picLocks noChangeAspect="1" noChangeArrowheads="1"/>
-          </p:cNvPicPr>
-          <p:nvPr/>
-        </p:nvPicPr>
-        <p:blipFill>
-          <a:blip r:embed="rId5">
-            <a:extLst>
-              <a:ext uri="{28A0092B-C50C-407E-A947-70E740481C1C}">
-                <a14:useLocalDpi xmlns:a14="http://schemas.microsoft.com/office/drawing/2010/main" val="0"/>
-              </a:ext>
-            </a:extLst>
-          </a:blip>
-          <a:srcRect/>
-          <a:stretch>
-            <a:fillRect/>
-          </a:stretch>
-        </p:blipFill>
-        <p:spPr bwMode="auto">
-          <a:xfrm>
-            <a:off x="7381493" y="3810529"/>
-            <a:ext cx="4105275" cy="2356141"/>
-          </a:xfrm>
-          <a:prstGeom prst="rect">
-            <a:avLst/>
-          </a:prstGeom>
-          <a:noFill/>
-          <a:ln>
-            <a:noFill/>
-          </a:ln>
-          <a:extLst>
-            <a:ext uri="{909E8E84-426E-40DD-AFC4-6F175D3DCCD1}">
-              <a14:hiddenFill xmlns:a14="http://schemas.microsoft.com/office/drawing/2010/main">
-                <a:solidFill>
-                  <a:srgbClr val="FFFFFF"/>
-                </a:solidFill>
-              </a14:hiddenFill>
-            </a:ext>
-            <a:ext uri="{91240B29-F687-4F45-9708-019B960494DF}">
-              <a14:hiddenLine xmlns:a14="http://schemas.microsoft.com/office/drawing/2010/main" w="9525">
-                <a:solidFill>
-                  <a:srgbClr val="000000"/>
-                </a:solidFill>
-                <a:miter lim="800000"/>
-                <a:headEnd/>
-                <a:tailEnd/>
-              </a14:hiddenLine>
-            </a:ext>
-          </a:extLst>
-        </p:spPr>
-      </p:pic>
-    </p:spTree>
-    <p:extLst>
-      <p:ext uri="{BB962C8B-B14F-4D97-AF65-F5344CB8AC3E}">
-        <p14:creationId xmlns:p14="http://schemas.microsoft.com/office/powerpoint/2010/main" val="1446643178"/>
-      </p:ext>
-    </p:extLst>
-  </p:cSld>
-  <p:clrMapOvr>
-    <a:masterClrMapping/>
-  </p:clrMapOvr>
-</p:sld>
-</file>
-
-<file path=ppt/slides/slide30.xml><?xml version="1.0" encoding="utf-8"?>
-<p:sld xmlns:a="http://schemas.openxmlformats.org/drawingml/2006/main" xmlns:r="http://schemas.openxmlformats.org/officeDocument/2006/relationships" xmlns:p="http://schemas.openxmlformats.org/presentationml/2006/main">
-  <p:cSld>
-    <p:spTree>
-      <p:nvGrpSpPr>
-        <p:cNvPr id="1" name=""/>
-        <p:cNvGrpSpPr/>
-        <p:nvPr/>
-      </p:nvGrpSpPr>
-      <p:grpSpPr>
-        <a:xfrm>
-          <a:off x="0" y="0"/>
-          <a:ext cx="0" cy="0"/>
-          <a:chOff x="0" y="0"/>
-          <a:chExt cx="0" cy="0"/>
-        </a:xfrm>
-      </p:grpSpPr>
-      <p:sp>
-        <p:nvSpPr>
-          <p:cNvPr id="3" name="Прямоугольник 2"/>
-          <p:cNvSpPr/>
-          <p:nvPr/>
-        </p:nvSpPr>
-        <p:spPr>
-          <a:xfrm flipV="1">
-            <a:off x="925620" y="920165"/>
-            <a:ext cx="10865327" cy="21600"/>
-          </a:xfrm>
-          <a:prstGeom prst="rect">
-            <a:avLst/>
-          </a:prstGeom>
-          <a:solidFill>
-            <a:srgbClr val="E20443"/>
-          </a:solidFill>
-          <a:ln>
-            <a:noFill/>
-          </a:ln>
-        </p:spPr>
-        <p:style>
-          <a:lnRef idx="2">
-            <a:schemeClr val="accent1">
-              <a:shade val="50000"/>
-            </a:schemeClr>
-          </a:lnRef>
-          <a:fillRef idx="1">
-            <a:schemeClr val="accent1"/>
-          </a:fillRef>
-          <a:effectRef idx="0">
-            <a:schemeClr val="accent1"/>
-          </a:effectRef>
-          <a:fontRef idx="minor">
-            <a:schemeClr val="lt1"/>
-          </a:fontRef>
-        </p:style>
-        <p:txBody>
-          <a:bodyPr rtlCol="0" anchor="ctr"/>
-          <a:lstStyle/>
-          <a:p>
-            <a:pPr algn="ctr"/>
-            <a:endParaRPr lang="ru-RU">
-              <a:solidFill>
-                <a:srgbClr val="E20443"/>
-              </a:solidFill>
-            </a:endParaRPr>
-          </a:p>
-        </p:txBody>
-      </p:sp>
-      <p:sp>
-        <p:nvSpPr>
-          <p:cNvPr id="4" name="TextBox 9">
-            <a:extLst>
-              <a:ext uri="{FF2B5EF4-FFF2-40B4-BE49-F238E27FC236}">
-                <a16:creationId xmlns:a16="http://schemas.microsoft.com/office/drawing/2014/main" id="{6D1610F7-A0C9-4E50-9206-D9E394A55B73}"/>
-              </a:ext>
-            </a:extLst>
-          </p:cNvPr>
-          <p:cNvSpPr txBox="1"/>
-          <p:nvPr/>
-        </p:nvSpPr>
-        <p:spPr>
-          <a:xfrm>
-            <a:off x="2057400" y="219959"/>
-            <a:ext cx="9794965" cy="523220"/>
-          </a:xfrm>
-          <a:prstGeom prst="rect">
-            <a:avLst/>
-          </a:prstGeom>
-          <a:noFill/>
-        </p:spPr>
-        <p:txBody>
-          <a:bodyPr wrap="square" rtlCol="0">
-            <a:spAutoFit/>
-          </a:bodyPr>
-          <a:lstStyle>
-            <a:defPPr>
-              <a:defRPr lang="ru-RU"/>
-            </a:defPPr>
-            <a:lvl1pPr marL="0" algn="l" defTabSz="914400" rtl="0" eaLnBrk="1" latinLnBrk="0" hangingPunct="1">
-              <a:defRPr sz="1800" kern="1200">
-                <a:solidFill>
-                  <a:schemeClr val="tx1"/>
-                </a:solidFill>
-                <a:latin typeface="+mn-lt"/>
-                <a:ea typeface="+mn-ea"/>
-                <a:cs typeface="+mn-cs"/>
-              </a:defRPr>
-            </a:lvl1pPr>
-            <a:lvl2pPr marL="457200" algn="l" defTabSz="914400" rtl="0" eaLnBrk="1" latinLnBrk="0" hangingPunct="1">
-              <a:defRPr sz="1800" kern="1200">
-                <a:solidFill>
-                  <a:schemeClr val="tx1"/>
-                </a:solidFill>
-                <a:latin typeface="+mn-lt"/>
-                <a:ea typeface="+mn-ea"/>
-                <a:cs typeface="+mn-cs"/>
-              </a:defRPr>
-            </a:lvl2pPr>
-            <a:lvl3pPr marL="914400" algn="l" defTabSz="914400" rtl="0" eaLnBrk="1" latinLnBrk="0" hangingPunct="1">
-              <a:defRPr sz="1800" kern="1200">
-                <a:solidFill>
-                  <a:schemeClr val="tx1"/>
-                </a:solidFill>
-                <a:latin typeface="+mn-lt"/>
-                <a:ea typeface="+mn-ea"/>
-                <a:cs typeface="+mn-cs"/>
-              </a:defRPr>
-            </a:lvl3pPr>
-            <a:lvl4pPr marL="1371600" algn="l" defTabSz="914400" rtl="0" eaLnBrk="1" latinLnBrk="0" hangingPunct="1">
-              <a:defRPr sz="1800" kern="1200">
-                <a:solidFill>
-                  <a:schemeClr val="tx1"/>
-                </a:solidFill>
-                <a:latin typeface="+mn-lt"/>
-                <a:ea typeface="+mn-ea"/>
-                <a:cs typeface="+mn-cs"/>
-              </a:defRPr>
-            </a:lvl4pPr>
-            <a:lvl5pPr marL="1828800" algn="l" defTabSz="914400" rtl="0" eaLnBrk="1" latinLnBrk="0" hangingPunct="1">
-              <a:defRPr sz="1800" kern="1200">
-                <a:solidFill>
-                  <a:schemeClr val="tx1"/>
-                </a:solidFill>
-                <a:latin typeface="+mn-lt"/>
-                <a:ea typeface="+mn-ea"/>
-                <a:cs typeface="+mn-cs"/>
-              </a:defRPr>
-            </a:lvl5pPr>
-            <a:lvl6pPr marL="2286000" algn="l" defTabSz="914400" rtl="0" eaLnBrk="1" latinLnBrk="0" hangingPunct="1">
-              <a:defRPr sz="1800" kern="1200">
-                <a:solidFill>
-                  <a:schemeClr val="tx1"/>
-                </a:solidFill>
-                <a:latin typeface="+mn-lt"/>
-                <a:ea typeface="+mn-ea"/>
-                <a:cs typeface="+mn-cs"/>
-              </a:defRPr>
-            </a:lvl6pPr>
-            <a:lvl7pPr marL="2743200" algn="l" defTabSz="914400" rtl="0" eaLnBrk="1" latinLnBrk="0" hangingPunct="1">
-              <a:defRPr sz="1800" kern="1200">
-                <a:solidFill>
-                  <a:schemeClr val="tx1"/>
-                </a:solidFill>
-                <a:latin typeface="+mn-lt"/>
-                <a:ea typeface="+mn-ea"/>
-                <a:cs typeface="+mn-cs"/>
-              </a:defRPr>
-            </a:lvl7pPr>
-            <a:lvl8pPr marL="3200400" algn="l" defTabSz="914400" rtl="0" eaLnBrk="1" latinLnBrk="0" hangingPunct="1">
-              <a:defRPr sz="1800" kern="1200">
-                <a:solidFill>
-                  <a:schemeClr val="tx1"/>
-                </a:solidFill>
-                <a:latin typeface="+mn-lt"/>
-                <a:ea typeface="+mn-ea"/>
-                <a:cs typeface="+mn-cs"/>
-              </a:defRPr>
-            </a:lvl8pPr>
-            <a:lvl9pPr marL="3657600" algn="l" defTabSz="914400" rtl="0" eaLnBrk="1" latinLnBrk="0" hangingPunct="1">
-              <a:defRPr sz="1800" kern="1200">
-                <a:solidFill>
-                  <a:schemeClr val="tx1"/>
-                </a:solidFill>
-                <a:latin typeface="+mn-lt"/>
-                <a:ea typeface="+mn-ea"/>
-                <a:cs typeface="+mn-cs"/>
-              </a:defRPr>
-            </a:lvl9pPr>
-          </a:lstStyle>
-          <a:p>
-            <a:r>
               <a:rPr lang="en-US" sz="2800" b="1" dirty="0">
                 <a:solidFill>
                   <a:srgbClr val="FF0000"/>
@@ -18792,7 +18093,7 @@
           <a:p>
             <a:fld id="{FF9AC15E-FCD1-4167-800F-1DB8497ABFCE}" type="slidenum">
               <a:rPr lang="ru-RU" smtClean="0"/>
-              <a:t>30</a:t>
+              <a:t>29</a:t>
             </a:fld>
             <a:endParaRPr lang="ru-RU"/>
           </a:p>
@@ -19103,7 +18404,671 @@
 </p:sld>
 </file>
 
-<file path=ppt/slides/slide31.xml><?xml version="1.0" encoding="utf-8"?>
+<file path=ppt/slides/slide3.xml><?xml version="1.0" encoding="utf-8"?>
+<p:sld xmlns:a="http://schemas.openxmlformats.org/drawingml/2006/main" xmlns:r="http://schemas.openxmlformats.org/officeDocument/2006/relationships" xmlns:p="http://schemas.openxmlformats.org/presentationml/2006/main">
+  <p:cSld>
+    <p:spTree>
+      <p:nvGrpSpPr>
+        <p:cNvPr id="1" name=""/>
+        <p:cNvGrpSpPr/>
+        <p:nvPr/>
+      </p:nvGrpSpPr>
+      <p:grpSpPr>
+        <a:xfrm>
+          <a:off x="0" y="0"/>
+          <a:ext cx="0" cy="0"/>
+          <a:chOff x="0" y="0"/>
+          <a:chExt cx="0" cy="0"/>
+        </a:xfrm>
+      </p:grpSpPr>
+      <p:sp>
+        <p:nvSpPr>
+          <p:cNvPr id="5" name="Содержимое 2">
+            <a:extLst>
+              <a:ext uri="{FF2B5EF4-FFF2-40B4-BE49-F238E27FC236}">
+                <a16:creationId xmlns:a16="http://schemas.microsoft.com/office/drawing/2014/main" id="{87B27992-992A-EC3A-7C41-3CE812E130CB}"/>
+              </a:ext>
+            </a:extLst>
+          </p:cNvPr>
+          <p:cNvSpPr txBox="1">
+            <a:spLocks/>
+          </p:cNvSpPr>
+          <p:nvPr/>
+        </p:nvSpPr>
+        <p:spPr bwMode="auto">
+          <a:xfrm>
+            <a:off x="815666" y="1207747"/>
+            <a:ext cx="10309225" cy="4351337"/>
+          </a:xfrm>
+          <a:prstGeom prst="rect">
+            <a:avLst/>
+          </a:prstGeom>
+          <a:noFill/>
+          <a:ln>
+            <a:noFill/>
+          </a:ln>
+          <a:extLst>
+            <a:ext uri="{909E8E84-426E-40DD-AFC4-6F175D3DCCD1}">
+              <a14:hiddenFill xmlns:a14="http://schemas.microsoft.com/office/drawing/2010/main">
+                <a:solidFill>
+                  <a:srgbClr val="FFFFFF"/>
+                </a:solidFill>
+              </a14:hiddenFill>
+            </a:ext>
+            <a:ext uri="{91240B29-F687-4F45-9708-019B960494DF}">
+              <a14:hiddenLine xmlns:a14="http://schemas.microsoft.com/office/drawing/2010/main" w="9525">
+                <a:solidFill>
+                  <a:srgbClr val="000000"/>
+                </a:solidFill>
+                <a:miter lim="800000"/>
+                <a:headEnd/>
+                <a:tailEnd/>
+              </a14:hiddenLine>
+            </a:ext>
+          </a:extLst>
+        </p:spPr>
+        <p:txBody>
+          <a:bodyPr vert="horz" wrap="square" lIns="91440" tIns="45720" rIns="91440" bIns="45720" numCol="1" anchor="t" anchorCtr="0" compatLnSpc="1">
+            <a:prstTxWarp prst="textNoShape">
+              <a:avLst/>
+            </a:prstTxWarp>
+          </a:bodyPr>
+          <a:lstStyle>
+            <a:lvl1pPr marL="228600" indent="-228600" algn="l" rtl="0" eaLnBrk="0" fontAlgn="base" hangingPunct="0">
+              <a:lnSpc>
+                <a:spcPct val="90000"/>
+              </a:lnSpc>
+              <a:spcBef>
+                <a:spcPts val="1000"/>
+              </a:spcBef>
+              <a:spcAft>
+                <a:spcPct val="0"/>
+              </a:spcAft>
+              <a:buFont typeface="Arial" panose="020B0604020202020204" pitchFamily="34" charset="0"/>
+              <a:buChar char="•"/>
+              <a:defRPr sz="2800" kern="1200">
+                <a:solidFill>
+                  <a:schemeClr val="tx1"/>
+                </a:solidFill>
+                <a:latin typeface="+mn-lt"/>
+                <a:ea typeface="+mn-ea"/>
+                <a:cs typeface="+mn-cs"/>
+              </a:defRPr>
+            </a:lvl1pPr>
+            <a:lvl2pPr marL="685800" indent="-228600" algn="l" rtl="0" eaLnBrk="0" fontAlgn="base" hangingPunct="0">
+              <a:lnSpc>
+                <a:spcPct val="90000"/>
+              </a:lnSpc>
+              <a:spcBef>
+                <a:spcPts val="500"/>
+              </a:spcBef>
+              <a:spcAft>
+                <a:spcPct val="0"/>
+              </a:spcAft>
+              <a:buFont typeface="Arial" panose="020B0604020202020204" pitchFamily="34" charset="0"/>
+              <a:buChar char="•"/>
+              <a:defRPr sz="2400" kern="1200">
+                <a:solidFill>
+                  <a:schemeClr val="tx1"/>
+                </a:solidFill>
+                <a:latin typeface="+mn-lt"/>
+                <a:ea typeface="+mn-ea"/>
+                <a:cs typeface="+mn-cs"/>
+              </a:defRPr>
+            </a:lvl2pPr>
+            <a:lvl3pPr marL="1143000" indent="-228600" algn="l" rtl="0" eaLnBrk="0" fontAlgn="base" hangingPunct="0">
+              <a:lnSpc>
+                <a:spcPct val="90000"/>
+              </a:lnSpc>
+              <a:spcBef>
+                <a:spcPts val="500"/>
+              </a:spcBef>
+              <a:spcAft>
+                <a:spcPct val="0"/>
+              </a:spcAft>
+              <a:buFont typeface="Arial" panose="020B0604020202020204" pitchFamily="34" charset="0"/>
+              <a:buChar char="•"/>
+              <a:defRPr sz="2000" kern="1200">
+                <a:solidFill>
+                  <a:schemeClr val="tx1"/>
+                </a:solidFill>
+                <a:latin typeface="+mn-lt"/>
+                <a:ea typeface="+mn-ea"/>
+                <a:cs typeface="+mn-cs"/>
+              </a:defRPr>
+            </a:lvl3pPr>
+            <a:lvl4pPr marL="1600200" indent="-228600" algn="l" rtl="0" eaLnBrk="0" fontAlgn="base" hangingPunct="0">
+              <a:lnSpc>
+                <a:spcPct val="90000"/>
+              </a:lnSpc>
+              <a:spcBef>
+                <a:spcPts val="500"/>
+              </a:spcBef>
+              <a:spcAft>
+                <a:spcPct val="0"/>
+              </a:spcAft>
+              <a:buFont typeface="Arial" panose="020B0604020202020204" pitchFamily="34" charset="0"/>
+              <a:buChar char="•"/>
+              <a:defRPr kern="1200">
+                <a:solidFill>
+                  <a:schemeClr val="tx1"/>
+                </a:solidFill>
+                <a:latin typeface="+mn-lt"/>
+                <a:ea typeface="+mn-ea"/>
+                <a:cs typeface="+mn-cs"/>
+              </a:defRPr>
+            </a:lvl4pPr>
+            <a:lvl5pPr marL="2057400" indent="-228600" algn="l" rtl="0" eaLnBrk="0" fontAlgn="base" hangingPunct="0">
+              <a:lnSpc>
+                <a:spcPct val="90000"/>
+              </a:lnSpc>
+              <a:spcBef>
+                <a:spcPts val="500"/>
+              </a:spcBef>
+              <a:spcAft>
+                <a:spcPct val="0"/>
+              </a:spcAft>
+              <a:buFont typeface="Arial" panose="020B0604020202020204" pitchFamily="34" charset="0"/>
+              <a:buChar char="•"/>
+              <a:defRPr kern="1200">
+                <a:solidFill>
+                  <a:schemeClr val="tx1"/>
+                </a:solidFill>
+                <a:latin typeface="+mn-lt"/>
+                <a:ea typeface="+mn-ea"/>
+                <a:cs typeface="+mn-cs"/>
+              </a:defRPr>
+            </a:lvl5pPr>
+            <a:lvl6pPr marL="2514600" indent="-228600" algn="l" defTabSz="914400" rtl="0" eaLnBrk="1" latinLnBrk="0" hangingPunct="1">
+              <a:lnSpc>
+                <a:spcPct val="90000"/>
+              </a:lnSpc>
+              <a:spcBef>
+                <a:spcPts val="500"/>
+              </a:spcBef>
+              <a:buFont typeface="Arial" panose="020B0604020202020204" pitchFamily="34" charset="0"/>
+              <a:buChar char="•"/>
+              <a:defRPr sz="1800" kern="1200">
+                <a:solidFill>
+                  <a:schemeClr val="tx1"/>
+                </a:solidFill>
+                <a:latin typeface="+mn-lt"/>
+                <a:ea typeface="+mn-ea"/>
+                <a:cs typeface="+mn-cs"/>
+              </a:defRPr>
+            </a:lvl6pPr>
+            <a:lvl7pPr marL="2971800" indent="-228600" algn="l" defTabSz="914400" rtl="0" eaLnBrk="1" latinLnBrk="0" hangingPunct="1">
+              <a:lnSpc>
+                <a:spcPct val="90000"/>
+              </a:lnSpc>
+              <a:spcBef>
+                <a:spcPts val="500"/>
+              </a:spcBef>
+              <a:buFont typeface="Arial" panose="020B0604020202020204" pitchFamily="34" charset="0"/>
+              <a:buChar char="•"/>
+              <a:defRPr sz="1800" kern="1200">
+                <a:solidFill>
+                  <a:schemeClr val="tx1"/>
+                </a:solidFill>
+                <a:latin typeface="+mn-lt"/>
+                <a:ea typeface="+mn-ea"/>
+                <a:cs typeface="+mn-cs"/>
+              </a:defRPr>
+            </a:lvl7pPr>
+            <a:lvl8pPr marL="3429000" indent="-228600" algn="l" defTabSz="914400" rtl="0" eaLnBrk="1" latinLnBrk="0" hangingPunct="1">
+              <a:lnSpc>
+                <a:spcPct val="90000"/>
+              </a:lnSpc>
+              <a:spcBef>
+                <a:spcPts val="500"/>
+              </a:spcBef>
+              <a:buFont typeface="Arial" panose="020B0604020202020204" pitchFamily="34" charset="0"/>
+              <a:buChar char="•"/>
+              <a:defRPr sz="1800" kern="1200">
+                <a:solidFill>
+                  <a:schemeClr val="tx1"/>
+                </a:solidFill>
+                <a:latin typeface="+mn-lt"/>
+                <a:ea typeface="+mn-ea"/>
+                <a:cs typeface="+mn-cs"/>
+              </a:defRPr>
+            </a:lvl8pPr>
+            <a:lvl9pPr marL="3886200" indent="-228600" algn="l" defTabSz="914400" rtl="0" eaLnBrk="1" latinLnBrk="0" hangingPunct="1">
+              <a:lnSpc>
+                <a:spcPct val="90000"/>
+              </a:lnSpc>
+              <a:spcBef>
+                <a:spcPts val="500"/>
+              </a:spcBef>
+              <a:buFont typeface="Arial" panose="020B0604020202020204" pitchFamily="34" charset="0"/>
+              <a:buChar char="•"/>
+              <a:defRPr sz="1800" kern="1200">
+                <a:solidFill>
+                  <a:schemeClr val="tx1"/>
+                </a:solidFill>
+                <a:latin typeface="+mn-lt"/>
+                <a:ea typeface="+mn-ea"/>
+                <a:cs typeface="+mn-cs"/>
+              </a:defRPr>
+            </a:lvl9pPr>
+          </a:lstStyle>
+          <a:p>
+            <a:pPr eaLnBrk="1" hangingPunct="1"/>
+            <a:r>
+              <a:rPr lang="ru-RU" altLang="ru-RU" dirty="0"/>
+              <a:t>Разработки с середины XX века</a:t>
+            </a:r>
+          </a:p>
+          <a:p>
+            <a:pPr eaLnBrk="1" hangingPunct="1"/>
+            <a:r>
+              <a:rPr lang="ru-RU" altLang="ru-RU" dirty="0"/>
+              <a:t>Сейчас много данных</a:t>
+            </a:r>
+          </a:p>
+          <a:p>
+            <a:pPr eaLnBrk="1" hangingPunct="1"/>
+            <a:r>
+              <a:rPr lang="ru-RU" altLang="ru-RU" dirty="0"/>
+              <a:t>Сейчас мощное оборудование</a:t>
+            </a:r>
+          </a:p>
+          <a:p>
+            <a:pPr eaLnBrk="1" hangingPunct="1"/>
+            <a:r>
+              <a:rPr lang="ru-RU" altLang="ru-RU" dirty="0"/>
+              <a:t>Недостаток ресурсов</a:t>
+            </a:r>
+          </a:p>
+          <a:p>
+            <a:pPr eaLnBrk="1" hangingPunct="1"/>
+            <a:r>
+              <a:rPr lang="ru-RU" altLang="ru-RU" dirty="0"/>
+              <a:t>Развитие ИТ</a:t>
+            </a:r>
+          </a:p>
+        </p:txBody>
+      </p:sp>
+      <p:sp>
+        <p:nvSpPr>
+          <p:cNvPr id="3" name="Прямоугольник 2"/>
+          <p:cNvSpPr/>
+          <p:nvPr/>
+        </p:nvSpPr>
+        <p:spPr>
+          <a:xfrm flipV="1">
+            <a:off x="925620" y="920165"/>
+            <a:ext cx="10865327" cy="21600"/>
+          </a:xfrm>
+          <a:prstGeom prst="rect">
+            <a:avLst/>
+          </a:prstGeom>
+          <a:solidFill>
+            <a:srgbClr val="E20443"/>
+          </a:solidFill>
+          <a:ln>
+            <a:noFill/>
+          </a:ln>
+        </p:spPr>
+        <p:style>
+          <a:lnRef idx="2">
+            <a:schemeClr val="accent1">
+              <a:shade val="50000"/>
+            </a:schemeClr>
+          </a:lnRef>
+          <a:fillRef idx="1">
+            <a:schemeClr val="accent1"/>
+          </a:fillRef>
+          <a:effectRef idx="0">
+            <a:schemeClr val="accent1"/>
+          </a:effectRef>
+          <a:fontRef idx="minor">
+            <a:schemeClr val="lt1"/>
+          </a:fontRef>
+        </p:style>
+        <p:txBody>
+          <a:bodyPr rtlCol="0" anchor="ctr"/>
+          <a:lstStyle/>
+          <a:p>
+            <a:pPr algn="ctr"/>
+            <a:endParaRPr lang="ru-RU">
+              <a:solidFill>
+                <a:srgbClr val="E20443"/>
+              </a:solidFill>
+            </a:endParaRPr>
+          </a:p>
+        </p:txBody>
+      </p:sp>
+      <p:sp>
+        <p:nvSpPr>
+          <p:cNvPr id="6" name="Номер слайда 5">
+            <a:extLst>
+              <a:ext uri="{FF2B5EF4-FFF2-40B4-BE49-F238E27FC236}">
+                <a16:creationId xmlns:a16="http://schemas.microsoft.com/office/drawing/2014/main" id="{2A73E36B-93CF-4B6D-9D12-D242EBAEB367}"/>
+              </a:ext>
+            </a:extLst>
+          </p:cNvPr>
+          <p:cNvSpPr>
+            <a:spLocks noGrp="1"/>
+          </p:cNvSpPr>
+          <p:nvPr>
+            <p:ph type="sldNum" sz="quarter" idx="12"/>
+          </p:nvPr>
+        </p:nvSpPr>
+        <p:spPr/>
+        <p:txBody>
+          <a:bodyPr/>
+          <a:lstStyle/>
+          <a:p>
+            <a:fld id="{FF9AC15E-FCD1-4167-800F-1DB8497ABFCE}" type="slidenum">
+              <a:rPr lang="ru-RU" smtClean="0"/>
+              <a:t>3</a:t>
+            </a:fld>
+            <a:endParaRPr lang="ru-RU"/>
+          </a:p>
+        </p:txBody>
+      </p:sp>
+      <p:pic>
+        <p:nvPicPr>
+          <p:cNvPr id="9" name="Объект 1">
+            <a:extLst>
+              <a:ext uri="{FF2B5EF4-FFF2-40B4-BE49-F238E27FC236}">
+                <a16:creationId xmlns:a16="http://schemas.microsoft.com/office/drawing/2014/main" id="{D8975343-2B37-104D-8757-0404410E4582}"/>
+              </a:ext>
+            </a:extLst>
+          </p:cNvPr>
+          <p:cNvPicPr>
+            <a:picLocks noGrp="1" noChangeAspect="1"/>
+          </p:cNvPicPr>
+          <p:nvPr>
+            <p:ph idx="1"/>
+          </p:nvPr>
+        </p:nvPicPr>
+        <p:blipFill rotWithShape="1">
+          <a:blip r:embed="rId3" cstate="print">
+            <a:extLst>
+              <a:ext uri="{28A0092B-C50C-407E-A947-70E740481C1C}">
+                <a14:useLocalDpi xmlns:a14="http://schemas.microsoft.com/office/drawing/2010/main" val="0"/>
+              </a:ext>
+            </a:extLst>
+          </a:blip>
+          <a:srcRect r="40340"/>
+          <a:stretch/>
+        </p:blipFill>
+        <p:spPr>
+          <a:xfrm>
+            <a:off x="603100" y="319559"/>
+            <a:ext cx="1342931" cy="434420"/>
+          </a:xfrm>
+        </p:spPr>
+      </p:pic>
+      <p:sp>
+        <p:nvSpPr>
+          <p:cNvPr id="16" name="TextBox 9">
+            <a:extLst>
+              <a:ext uri="{FF2B5EF4-FFF2-40B4-BE49-F238E27FC236}">
+                <a16:creationId xmlns:a16="http://schemas.microsoft.com/office/drawing/2014/main" id="{562DE49E-2FEB-FA84-99C0-B77603DFB6A0}"/>
+              </a:ext>
+            </a:extLst>
+          </p:cNvPr>
+          <p:cNvSpPr txBox="1"/>
+          <p:nvPr/>
+        </p:nvSpPr>
+        <p:spPr>
+          <a:xfrm>
+            <a:off x="2057400" y="219959"/>
+            <a:ext cx="9794965" cy="523220"/>
+          </a:xfrm>
+          <a:prstGeom prst="rect">
+            <a:avLst/>
+          </a:prstGeom>
+          <a:noFill/>
+        </p:spPr>
+        <p:txBody>
+          <a:bodyPr wrap="square" rtlCol="0">
+            <a:spAutoFit/>
+          </a:bodyPr>
+          <a:lstStyle>
+            <a:defPPr>
+              <a:defRPr lang="ru-RU"/>
+            </a:defPPr>
+            <a:lvl1pPr marL="0" algn="l" defTabSz="914400" rtl="0" eaLnBrk="1" latinLnBrk="0" hangingPunct="1">
+              <a:defRPr sz="1800" kern="1200">
+                <a:solidFill>
+                  <a:schemeClr val="tx1"/>
+                </a:solidFill>
+                <a:latin typeface="+mn-lt"/>
+                <a:ea typeface="+mn-ea"/>
+                <a:cs typeface="+mn-cs"/>
+              </a:defRPr>
+            </a:lvl1pPr>
+            <a:lvl2pPr marL="457200" algn="l" defTabSz="914400" rtl="0" eaLnBrk="1" latinLnBrk="0" hangingPunct="1">
+              <a:defRPr sz="1800" kern="1200">
+                <a:solidFill>
+                  <a:schemeClr val="tx1"/>
+                </a:solidFill>
+                <a:latin typeface="+mn-lt"/>
+                <a:ea typeface="+mn-ea"/>
+                <a:cs typeface="+mn-cs"/>
+              </a:defRPr>
+            </a:lvl2pPr>
+            <a:lvl3pPr marL="914400" algn="l" defTabSz="914400" rtl="0" eaLnBrk="1" latinLnBrk="0" hangingPunct="1">
+              <a:defRPr sz="1800" kern="1200">
+                <a:solidFill>
+                  <a:schemeClr val="tx1"/>
+                </a:solidFill>
+                <a:latin typeface="+mn-lt"/>
+                <a:ea typeface="+mn-ea"/>
+                <a:cs typeface="+mn-cs"/>
+              </a:defRPr>
+            </a:lvl3pPr>
+            <a:lvl4pPr marL="1371600" algn="l" defTabSz="914400" rtl="0" eaLnBrk="1" latinLnBrk="0" hangingPunct="1">
+              <a:defRPr sz="1800" kern="1200">
+                <a:solidFill>
+                  <a:schemeClr val="tx1"/>
+                </a:solidFill>
+                <a:latin typeface="+mn-lt"/>
+                <a:ea typeface="+mn-ea"/>
+                <a:cs typeface="+mn-cs"/>
+              </a:defRPr>
+            </a:lvl4pPr>
+            <a:lvl5pPr marL="1828800" algn="l" defTabSz="914400" rtl="0" eaLnBrk="1" latinLnBrk="0" hangingPunct="1">
+              <a:defRPr sz="1800" kern="1200">
+                <a:solidFill>
+                  <a:schemeClr val="tx1"/>
+                </a:solidFill>
+                <a:latin typeface="+mn-lt"/>
+                <a:ea typeface="+mn-ea"/>
+                <a:cs typeface="+mn-cs"/>
+              </a:defRPr>
+            </a:lvl5pPr>
+            <a:lvl6pPr marL="2286000" algn="l" defTabSz="914400" rtl="0" eaLnBrk="1" latinLnBrk="0" hangingPunct="1">
+              <a:defRPr sz="1800" kern="1200">
+                <a:solidFill>
+                  <a:schemeClr val="tx1"/>
+                </a:solidFill>
+                <a:latin typeface="+mn-lt"/>
+                <a:ea typeface="+mn-ea"/>
+                <a:cs typeface="+mn-cs"/>
+              </a:defRPr>
+            </a:lvl6pPr>
+            <a:lvl7pPr marL="2743200" algn="l" defTabSz="914400" rtl="0" eaLnBrk="1" latinLnBrk="0" hangingPunct="1">
+              <a:defRPr sz="1800" kern="1200">
+                <a:solidFill>
+                  <a:schemeClr val="tx1"/>
+                </a:solidFill>
+                <a:latin typeface="+mn-lt"/>
+                <a:ea typeface="+mn-ea"/>
+                <a:cs typeface="+mn-cs"/>
+              </a:defRPr>
+            </a:lvl7pPr>
+            <a:lvl8pPr marL="3200400" algn="l" defTabSz="914400" rtl="0" eaLnBrk="1" latinLnBrk="0" hangingPunct="1">
+              <a:defRPr sz="1800" kern="1200">
+                <a:solidFill>
+                  <a:schemeClr val="tx1"/>
+                </a:solidFill>
+                <a:latin typeface="+mn-lt"/>
+                <a:ea typeface="+mn-ea"/>
+                <a:cs typeface="+mn-cs"/>
+              </a:defRPr>
+            </a:lvl8pPr>
+            <a:lvl9pPr marL="3657600" algn="l" defTabSz="914400" rtl="0" eaLnBrk="1" latinLnBrk="0" hangingPunct="1">
+              <a:defRPr sz="1800" kern="1200">
+                <a:solidFill>
+                  <a:schemeClr val="tx1"/>
+                </a:solidFill>
+                <a:latin typeface="+mn-lt"/>
+                <a:ea typeface="+mn-ea"/>
+                <a:cs typeface="+mn-cs"/>
+              </a:defRPr>
+            </a:lvl9pPr>
+          </a:lstStyle>
+          <a:p>
+            <a:r>
+              <a:rPr lang="ru-RU" sz="2800" b="1" dirty="0">
+                <a:solidFill>
+                  <a:srgbClr val="FF0000"/>
+                </a:solidFill>
+              </a:rPr>
+              <a:t>Предпосылки появления и использования ML</a:t>
+            </a:r>
+          </a:p>
+        </p:txBody>
+      </p:sp>
+      <p:pic>
+        <p:nvPicPr>
+          <p:cNvPr id="17" name="Рисунок 5">
+            <a:extLst>
+              <a:ext uri="{FF2B5EF4-FFF2-40B4-BE49-F238E27FC236}">
+                <a16:creationId xmlns:a16="http://schemas.microsoft.com/office/drawing/2014/main" id="{9737B1CE-0D4D-DE98-4F2A-90B82B987E2E}"/>
+              </a:ext>
+            </a:extLst>
+          </p:cNvPr>
+          <p:cNvPicPr>
+            <a:picLocks noChangeAspect="1"/>
+          </p:cNvPicPr>
+          <p:nvPr/>
+        </p:nvPicPr>
+        <p:blipFill>
+          <a:blip r:embed="rId4">
+            <a:extLst>
+              <a:ext uri="{28A0092B-C50C-407E-A947-70E740481C1C}">
+                <a14:useLocalDpi xmlns:a14="http://schemas.microsoft.com/office/drawing/2010/main" val="0"/>
+              </a:ext>
+            </a:extLst>
+          </a:blip>
+          <a:srcRect/>
+          <a:stretch>
+            <a:fillRect/>
+          </a:stretch>
+        </p:blipFill>
+        <p:spPr bwMode="auto">
+          <a:xfrm>
+            <a:off x="7381494" y="1207747"/>
+            <a:ext cx="4105275" cy="2336800"/>
+          </a:xfrm>
+          <a:prstGeom prst="rect">
+            <a:avLst/>
+          </a:prstGeom>
+          <a:noFill/>
+          <a:ln>
+            <a:noFill/>
+          </a:ln>
+          <a:extLst>
+            <a:ext uri="{909E8E84-426E-40DD-AFC4-6F175D3DCCD1}">
+              <a14:hiddenFill xmlns:a14="http://schemas.microsoft.com/office/drawing/2010/main">
+                <a:solidFill>
+                  <a:srgbClr val="FFFFFF"/>
+                </a:solidFill>
+              </a14:hiddenFill>
+            </a:ext>
+            <a:ext uri="{91240B29-F687-4F45-9708-019B960494DF}">
+              <a14:hiddenLine xmlns:a14="http://schemas.microsoft.com/office/drawing/2010/main" w="9525">
+                <a:solidFill>
+                  <a:srgbClr val="000000"/>
+                </a:solidFill>
+                <a:miter lim="800000"/>
+                <a:headEnd/>
+                <a:tailEnd/>
+              </a14:hiddenLine>
+            </a:ext>
+          </a:extLst>
+        </p:spPr>
+      </p:pic>
+      <p:pic>
+        <p:nvPicPr>
+          <p:cNvPr id="18" name="Picture 3">
+            <a:extLst>
+              <a:ext uri="{FF2B5EF4-FFF2-40B4-BE49-F238E27FC236}">
+                <a16:creationId xmlns:a16="http://schemas.microsoft.com/office/drawing/2014/main" id="{E2EFF0CA-F31E-EE56-F336-10084238D018}"/>
+              </a:ext>
+            </a:extLst>
+          </p:cNvPr>
+          <p:cNvPicPr>
+            <a:picLocks noChangeAspect="1" noChangeArrowheads="1"/>
+          </p:cNvPicPr>
+          <p:nvPr/>
+        </p:nvPicPr>
+        <p:blipFill>
+          <a:blip r:embed="rId5">
+            <a:extLst>
+              <a:ext uri="{28A0092B-C50C-407E-A947-70E740481C1C}">
+                <a14:useLocalDpi xmlns:a14="http://schemas.microsoft.com/office/drawing/2010/main" val="0"/>
+              </a:ext>
+            </a:extLst>
+          </a:blip>
+          <a:srcRect/>
+          <a:stretch>
+            <a:fillRect/>
+          </a:stretch>
+        </p:blipFill>
+        <p:spPr bwMode="auto">
+          <a:xfrm>
+            <a:off x="7381493" y="3810529"/>
+            <a:ext cx="4105275" cy="2356141"/>
+          </a:xfrm>
+          <a:prstGeom prst="rect">
+            <a:avLst/>
+          </a:prstGeom>
+          <a:noFill/>
+          <a:ln>
+            <a:noFill/>
+          </a:ln>
+          <a:extLst>
+            <a:ext uri="{909E8E84-426E-40DD-AFC4-6F175D3DCCD1}">
+              <a14:hiddenFill xmlns:a14="http://schemas.microsoft.com/office/drawing/2010/main">
+                <a:solidFill>
+                  <a:srgbClr val="FFFFFF"/>
+                </a:solidFill>
+              </a14:hiddenFill>
+            </a:ext>
+            <a:ext uri="{91240B29-F687-4F45-9708-019B960494DF}">
+              <a14:hiddenLine xmlns:a14="http://schemas.microsoft.com/office/drawing/2010/main" w="9525">
+                <a:solidFill>
+                  <a:srgbClr val="000000"/>
+                </a:solidFill>
+                <a:miter lim="800000"/>
+                <a:headEnd/>
+                <a:tailEnd/>
+              </a14:hiddenLine>
+            </a:ext>
+          </a:extLst>
+        </p:spPr>
+      </p:pic>
+    </p:spTree>
+    <p:extLst>
+      <p:ext uri="{BB962C8B-B14F-4D97-AF65-F5344CB8AC3E}">
+        <p14:creationId xmlns:p14="http://schemas.microsoft.com/office/powerpoint/2010/main" val="1446643178"/>
+      </p:ext>
+    </p:extLst>
+  </p:cSld>
+  <p:clrMapOvr>
+    <a:masterClrMapping/>
+  </p:clrMapOvr>
+</p:sld>
+</file>
+
+<file path=ppt/slides/slide30.xml><?xml version="1.0" encoding="utf-8"?>
 <p:sld xmlns:a="http://schemas.openxmlformats.org/drawingml/2006/main" xmlns:r="http://schemas.openxmlformats.org/officeDocument/2006/relationships" xmlns:p="http://schemas.openxmlformats.org/presentationml/2006/main">
   <p:cSld>
     <p:spTree>
@@ -19542,7 +19507,7 @@
           <a:p>
             <a:fld id="{FF9AC15E-FCD1-4167-800F-1DB8497ABFCE}" type="slidenum">
               <a:rPr lang="ru-RU" smtClean="0"/>
-              <a:t>31</a:t>
+              <a:t>30</a:t>
             </a:fld>
             <a:endParaRPr lang="ru-RU"/>
           </a:p>
@@ -19706,6 +19671,381 @@
     <p:extLst>
       <p:ext uri="{BB962C8B-B14F-4D97-AF65-F5344CB8AC3E}">
         <p14:creationId xmlns:p14="http://schemas.microsoft.com/office/powerpoint/2010/main" val="2486883486"/>
+      </p:ext>
+    </p:extLst>
+  </p:cSld>
+  <p:clrMapOvr>
+    <a:masterClrMapping/>
+  </p:clrMapOvr>
+</p:sld>
+</file>
+
+<file path=ppt/slides/slide31.xml><?xml version="1.0" encoding="utf-8"?>
+<p:sld xmlns:a="http://schemas.openxmlformats.org/drawingml/2006/main" xmlns:r="http://schemas.openxmlformats.org/officeDocument/2006/relationships" xmlns:p="http://schemas.openxmlformats.org/presentationml/2006/main">
+  <p:cSld>
+    <p:spTree>
+      <p:nvGrpSpPr>
+        <p:cNvPr id="1" name=""/>
+        <p:cNvGrpSpPr/>
+        <p:nvPr/>
+      </p:nvGrpSpPr>
+      <p:grpSpPr>
+        <a:xfrm>
+          <a:off x="0" y="0"/>
+          <a:ext cx="0" cy="0"/>
+          <a:chOff x="0" y="0"/>
+          <a:chExt cx="0" cy="0"/>
+        </a:xfrm>
+      </p:grpSpPr>
+      <p:sp>
+        <p:nvSpPr>
+          <p:cNvPr id="3" name="Прямоугольник 2"/>
+          <p:cNvSpPr/>
+          <p:nvPr/>
+        </p:nvSpPr>
+        <p:spPr>
+          <a:xfrm flipV="1">
+            <a:off x="925620" y="920165"/>
+            <a:ext cx="10865327" cy="21600"/>
+          </a:xfrm>
+          <a:prstGeom prst="rect">
+            <a:avLst/>
+          </a:prstGeom>
+          <a:solidFill>
+            <a:srgbClr val="E20443"/>
+          </a:solidFill>
+          <a:ln>
+            <a:noFill/>
+          </a:ln>
+        </p:spPr>
+        <p:style>
+          <a:lnRef idx="2">
+            <a:schemeClr val="accent1">
+              <a:shade val="50000"/>
+            </a:schemeClr>
+          </a:lnRef>
+          <a:fillRef idx="1">
+            <a:schemeClr val="accent1"/>
+          </a:fillRef>
+          <a:effectRef idx="0">
+            <a:schemeClr val="accent1"/>
+          </a:effectRef>
+          <a:fontRef idx="minor">
+            <a:schemeClr val="lt1"/>
+          </a:fontRef>
+        </p:style>
+        <p:txBody>
+          <a:bodyPr rtlCol="0" anchor="ctr"/>
+          <a:lstStyle/>
+          <a:p>
+            <a:pPr algn="ctr"/>
+            <a:endParaRPr lang="ru-RU">
+              <a:solidFill>
+                <a:srgbClr val="E20443"/>
+              </a:solidFill>
+            </a:endParaRPr>
+          </a:p>
+        </p:txBody>
+      </p:sp>
+      <p:sp>
+        <p:nvSpPr>
+          <p:cNvPr id="4" name="TextBox 9">
+            <a:extLst>
+              <a:ext uri="{FF2B5EF4-FFF2-40B4-BE49-F238E27FC236}">
+                <a16:creationId xmlns:a16="http://schemas.microsoft.com/office/drawing/2014/main" id="{6D1610F7-A0C9-4E50-9206-D9E394A55B73}"/>
+              </a:ext>
+            </a:extLst>
+          </p:cNvPr>
+          <p:cNvSpPr txBox="1"/>
+          <p:nvPr/>
+        </p:nvSpPr>
+        <p:spPr>
+          <a:xfrm>
+            <a:off x="2057400" y="219959"/>
+            <a:ext cx="9794965" cy="523220"/>
+          </a:xfrm>
+          <a:prstGeom prst="rect">
+            <a:avLst/>
+          </a:prstGeom>
+          <a:noFill/>
+        </p:spPr>
+        <p:txBody>
+          <a:bodyPr wrap="square" rtlCol="0">
+            <a:spAutoFit/>
+          </a:bodyPr>
+          <a:lstStyle>
+            <a:defPPr>
+              <a:defRPr lang="ru-RU"/>
+            </a:defPPr>
+            <a:lvl1pPr marL="0" algn="l" defTabSz="914400" rtl="0" eaLnBrk="1" latinLnBrk="0" hangingPunct="1">
+              <a:defRPr sz="1800" kern="1200">
+                <a:solidFill>
+                  <a:schemeClr val="tx1"/>
+                </a:solidFill>
+                <a:latin typeface="+mn-lt"/>
+                <a:ea typeface="+mn-ea"/>
+                <a:cs typeface="+mn-cs"/>
+              </a:defRPr>
+            </a:lvl1pPr>
+            <a:lvl2pPr marL="457200" algn="l" defTabSz="914400" rtl="0" eaLnBrk="1" latinLnBrk="0" hangingPunct="1">
+              <a:defRPr sz="1800" kern="1200">
+                <a:solidFill>
+                  <a:schemeClr val="tx1"/>
+                </a:solidFill>
+                <a:latin typeface="+mn-lt"/>
+                <a:ea typeface="+mn-ea"/>
+                <a:cs typeface="+mn-cs"/>
+              </a:defRPr>
+            </a:lvl2pPr>
+            <a:lvl3pPr marL="914400" algn="l" defTabSz="914400" rtl="0" eaLnBrk="1" latinLnBrk="0" hangingPunct="1">
+              <a:defRPr sz="1800" kern="1200">
+                <a:solidFill>
+                  <a:schemeClr val="tx1"/>
+                </a:solidFill>
+                <a:latin typeface="+mn-lt"/>
+                <a:ea typeface="+mn-ea"/>
+                <a:cs typeface="+mn-cs"/>
+              </a:defRPr>
+            </a:lvl3pPr>
+            <a:lvl4pPr marL="1371600" algn="l" defTabSz="914400" rtl="0" eaLnBrk="1" latinLnBrk="0" hangingPunct="1">
+              <a:defRPr sz="1800" kern="1200">
+                <a:solidFill>
+                  <a:schemeClr val="tx1"/>
+                </a:solidFill>
+                <a:latin typeface="+mn-lt"/>
+                <a:ea typeface="+mn-ea"/>
+                <a:cs typeface="+mn-cs"/>
+              </a:defRPr>
+            </a:lvl4pPr>
+            <a:lvl5pPr marL="1828800" algn="l" defTabSz="914400" rtl="0" eaLnBrk="1" latinLnBrk="0" hangingPunct="1">
+              <a:defRPr sz="1800" kern="1200">
+                <a:solidFill>
+                  <a:schemeClr val="tx1"/>
+                </a:solidFill>
+                <a:latin typeface="+mn-lt"/>
+                <a:ea typeface="+mn-ea"/>
+                <a:cs typeface="+mn-cs"/>
+              </a:defRPr>
+            </a:lvl5pPr>
+            <a:lvl6pPr marL="2286000" algn="l" defTabSz="914400" rtl="0" eaLnBrk="1" latinLnBrk="0" hangingPunct="1">
+              <a:defRPr sz="1800" kern="1200">
+                <a:solidFill>
+                  <a:schemeClr val="tx1"/>
+                </a:solidFill>
+                <a:latin typeface="+mn-lt"/>
+                <a:ea typeface="+mn-ea"/>
+                <a:cs typeface="+mn-cs"/>
+              </a:defRPr>
+            </a:lvl6pPr>
+            <a:lvl7pPr marL="2743200" algn="l" defTabSz="914400" rtl="0" eaLnBrk="1" latinLnBrk="0" hangingPunct="1">
+              <a:defRPr sz="1800" kern="1200">
+                <a:solidFill>
+                  <a:schemeClr val="tx1"/>
+                </a:solidFill>
+                <a:latin typeface="+mn-lt"/>
+                <a:ea typeface="+mn-ea"/>
+                <a:cs typeface="+mn-cs"/>
+              </a:defRPr>
+            </a:lvl7pPr>
+            <a:lvl8pPr marL="3200400" algn="l" defTabSz="914400" rtl="0" eaLnBrk="1" latinLnBrk="0" hangingPunct="1">
+              <a:defRPr sz="1800" kern="1200">
+                <a:solidFill>
+                  <a:schemeClr val="tx1"/>
+                </a:solidFill>
+                <a:latin typeface="+mn-lt"/>
+                <a:ea typeface="+mn-ea"/>
+                <a:cs typeface="+mn-cs"/>
+              </a:defRPr>
+            </a:lvl8pPr>
+            <a:lvl9pPr marL="3657600" algn="l" defTabSz="914400" rtl="0" eaLnBrk="1" latinLnBrk="0" hangingPunct="1">
+              <a:defRPr sz="1800" kern="1200">
+                <a:solidFill>
+                  <a:schemeClr val="tx1"/>
+                </a:solidFill>
+                <a:latin typeface="+mn-lt"/>
+                <a:ea typeface="+mn-ea"/>
+                <a:cs typeface="+mn-cs"/>
+              </a:defRPr>
+            </a:lvl9pPr>
+          </a:lstStyle>
+          <a:p>
+            <a:r>
+              <a:rPr lang="en-US" sz="2800" b="1" dirty="0">
+                <a:solidFill>
+                  <a:srgbClr val="FF0000"/>
+                </a:solidFill>
+              </a:rPr>
+              <a:t>Backward Propagation</a:t>
+            </a:r>
+            <a:endParaRPr lang="ru-RU" sz="2800" b="1" dirty="0">
+              <a:solidFill>
+                <a:srgbClr val="FF0000"/>
+              </a:solidFill>
+            </a:endParaRPr>
+          </a:p>
+        </p:txBody>
+      </p:sp>
+      <p:sp>
+        <p:nvSpPr>
+          <p:cNvPr id="6" name="Номер слайда 5">
+            <a:extLst>
+              <a:ext uri="{FF2B5EF4-FFF2-40B4-BE49-F238E27FC236}">
+                <a16:creationId xmlns:a16="http://schemas.microsoft.com/office/drawing/2014/main" id="{2A73E36B-93CF-4B6D-9D12-D242EBAEB367}"/>
+              </a:ext>
+            </a:extLst>
+          </p:cNvPr>
+          <p:cNvSpPr>
+            <a:spLocks noGrp="1"/>
+          </p:cNvSpPr>
+          <p:nvPr>
+            <p:ph type="sldNum" sz="quarter" idx="12"/>
+          </p:nvPr>
+        </p:nvSpPr>
+        <p:spPr/>
+        <p:txBody>
+          <a:bodyPr/>
+          <a:lstStyle/>
+          <a:p>
+            <a:fld id="{FF9AC15E-FCD1-4167-800F-1DB8497ABFCE}" type="slidenum">
+              <a:rPr lang="ru-RU" smtClean="0"/>
+              <a:t>31</a:t>
+            </a:fld>
+            <a:endParaRPr lang="ru-RU"/>
+          </a:p>
+        </p:txBody>
+      </p:sp>
+      <p:pic>
+        <p:nvPicPr>
+          <p:cNvPr id="9" name="Объект 1">
+            <a:extLst>
+              <a:ext uri="{FF2B5EF4-FFF2-40B4-BE49-F238E27FC236}">
+                <a16:creationId xmlns:a16="http://schemas.microsoft.com/office/drawing/2014/main" id="{D8975343-2B37-104D-8757-0404410E4582}"/>
+              </a:ext>
+            </a:extLst>
+          </p:cNvPr>
+          <p:cNvPicPr>
+            <a:picLocks noGrp="1" noChangeAspect="1"/>
+          </p:cNvPicPr>
+          <p:nvPr>
+            <p:ph idx="1"/>
+          </p:nvPr>
+        </p:nvPicPr>
+        <p:blipFill rotWithShape="1">
+          <a:blip r:embed="rId3" cstate="print">
+            <a:extLst>
+              <a:ext uri="{28A0092B-C50C-407E-A947-70E740481C1C}">
+                <a14:useLocalDpi xmlns:a14="http://schemas.microsoft.com/office/drawing/2010/main" val="0"/>
+              </a:ext>
+            </a:extLst>
+          </a:blip>
+          <a:srcRect r="40340"/>
+          <a:stretch/>
+        </p:blipFill>
+        <p:spPr>
+          <a:xfrm>
+            <a:off x="603100" y="319559"/>
+            <a:ext cx="1342931" cy="434420"/>
+          </a:xfrm>
+        </p:spPr>
+      </p:pic>
+      <p:pic>
+        <p:nvPicPr>
+          <p:cNvPr id="1026" name="Picture 2" descr="Intro to optimization in deep learning: Gradient Descent">
+            <a:extLst>
+              <a:ext uri="{FF2B5EF4-FFF2-40B4-BE49-F238E27FC236}">
+                <a16:creationId xmlns:a16="http://schemas.microsoft.com/office/drawing/2014/main" id="{55742E0C-462C-4C98-BD18-CD960164DE59}"/>
+              </a:ext>
+            </a:extLst>
+          </p:cNvPr>
+          <p:cNvPicPr>
+            <a:picLocks noChangeAspect="1" noChangeArrowheads="1"/>
+          </p:cNvPicPr>
+          <p:nvPr/>
+        </p:nvPicPr>
+        <p:blipFill>
+          <a:blip r:embed="rId4">
+            <a:extLst>
+              <a:ext uri="{28A0092B-C50C-407E-A947-70E740481C1C}">
+                <a14:useLocalDpi xmlns:a14="http://schemas.microsoft.com/office/drawing/2010/main" val="0"/>
+              </a:ext>
+            </a:extLst>
+          </a:blip>
+          <a:srcRect/>
+          <a:stretch>
+            <a:fillRect/>
+          </a:stretch>
+        </p:blipFill>
+        <p:spPr bwMode="auto">
+          <a:xfrm>
+            <a:off x="1076158" y="1582982"/>
+            <a:ext cx="5211023" cy="3882212"/>
+          </a:xfrm>
+          <a:prstGeom prst="rect">
+            <a:avLst/>
+          </a:prstGeom>
+          <a:noFill/>
+          <a:extLst>
+            <a:ext uri="{909E8E84-426E-40DD-AFC4-6F175D3DCCD1}">
+              <a14:hiddenFill xmlns:a14="http://schemas.microsoft.com/office/drawing/2010/main">
+                <a:solidFill>
+                  <a:srgbClr val="FFFFFF"/>
+                </a:solidFill>
+              </a14:hiddenFill>
+            </a:ext>
+          </a:extLst>
+        </p:spPr>
+      </p:pic>
+      <p:pic>
+        <p:nvPicPr>
+          <p:cNvPr id="2" name="Picture 2" descr="Guide to Gradient Descent in 3 Steps and 12 Drawings - Charles Bordet">
+            <a:extLst>
+              <a:ext uri="{FF2B5EF4-FFF2-40B4-BE49-F238E27FC236}">
+                <a16:creationId xmlns:a16="http://schemas.microsoft.com/office/drawing/2014/main" id="{DF220A63-0DB5-B9A6-FD9E-7ADCB57A599A}"/>
+              </a:ext>
+            </a:extLst>
+          </p:cNvPr>
+          <p:cNvPicPr>
+            <a:picLocks noChangeAspect="1" noChangeArrowheads="1"/>
+          </p:cNvPicPr>
+          <p:nvPr/>
+        </p:nvPicPr>
+        <p:blipFill>
+          <a:blip r:embed="rId5">
+            <a:extLst>
+              <a:ext uri="{28A0092B-C50C-407E-A947-70E740481C1C}">
+                <a14:useLocalDpi xmlns:a14="http://schemas.microsoft.com/office/drawing/2010/main" val="0"/>
+              </a:ext>
+            </a:extLst>
+          </a:blip>
+          <a:srcRect/>
+          <a:stretch>
+            <a:fillRect/>
+          </a:stretch>
+        </p:blipFill>
+        <p:spPr bwMode="auto">
+          <a:xfrm>
+            <a:off x="7113122" y="1641471"/>
+            <a:ext cx="3765234" cy="3765234"/>
+          </a:xfrm>
+          <a:prstGeom prst="rect">
+            <a:avLst/>
+          </a:prstGeom>
+          <a:noFill/>
+          <a:extLst>
+            <a:ext uri="{909E8E84-426E-40DD-AFC4-6F175D3DCCD1}">
+              <a14:hiddenFill xmlns:a14="http://schemas.microsoft.com/office/drawing/2010/main">
+                <a:solidFill>
+                  <a:srgbClr val="FFFFFF"/>
+                </a:solidFill>
+              </a14:hiddenFill>
+            </a:ext>
+          </a:extLst>
+        </p:spPr>
+      </p:pic>
+    </p:spTree>
+    <p:extLst>
+      <p:ext uri="{BB962C8B-B14F-4D97-AF65-F5344CB8AC3E}">
+        <p14:creationId xmlns:p14="http://schemas.microsoft.com/office/powerpoint/2010/main" val="3814475668"/>
       </p:ext>
     </p:extLst>
   </p:cSld>
@@ -21521,7 +21861,7 @@
             </a:pPr>
             <a:r>
               <a:rPr lang="ru-RU" dirty="0"/>
-              <a:t>Различают этап обучения модели (изучение данных, поиски закономерностей, определение правила работы «черного ящика») и этап логического вывода (применение накопленных знаний).</a:t>
+              <a:t>Данные, признаки</a:t>
             </a:r>
           </a:p>
           <a:p>
@@ -21533,15 +21873,7 @@
             </a:pPr>
             <a:r>
               <a:rPr lang="ru-RU" dirty="0"/>
-              <a:t>Вектор признаков объекта (числа). Параметры и </a:t>
-            </a:r>
-            <a:r>
-              <a:rPr lang="ru-RU" dirty="0" err="1"/>
-              <a:t>гиперпараметры</a:t>
-            </a:r>
-            <a:r>
-              <a:rPr lang="ru-RU" dirty="0"/>
-              <a:t>. Алгоритм обучения. Модель.</a:t>
+              <a:t>Модель</a:t>
             </a:r>
           </a:p>
           <a:p>
@@ -21553,7 +21885,36 @@
             </a:pPr>
             <a:r>
               <a:rPr lang="ru-RU" dirty="0"/>
-              <a:t>Отбор признаков, пример характеристик автомобиля.</a:t>
+              <a:t>Обучение</a:t>
+            </a:r>
+          </a:p>
+          <a:p>
+            <a:pPr eaLnBrk="1" fontAlgn="auto" hangingPunct="1">
+              <a:spcAft>
+                <a:spcPts val="0"/>
+              </a:spcAft>
+              <a:defRPr/>
+            </a:pPr>
+            <a:r>
+              <a:rPr lang="ru-RU" dirty="0"/>
+              <a:t>Параметры, </a:t>
+            </a:r>
+            <a:r>
+              <a:rPr lang="ru-RU" dirty="0" err="1"/>
+              <a:t>гиперпараметры</a:t>
+            </a:r>
+            <a:endParaRPr lang="ru-RU" dirty="0"/>
+          </a:p>
+          <a:p>
+            <a:pPr eaLnBrk="1" fontAlgn="auto" hangingPunct="1">
+              <a:spcAft>
+                <a:spcPts val="0"/>
+              </a:spcAft>
+              <a:defRPr/>
+            </a:pPr>
+            <a:r>
+              <a:rPr lang="ru-RU" dirty="0"/>
+              <a:t>Метрики</a:t>
             </a:r>
           </a:p>
           <a:p>
@@ -21628,7 +21989,7 @@
     </p:spTree>
     <p:extLst>
       <p:ext uri="{BB962C8B-B14F-4D97-AF65-F5344CB8AC3E}">
-        <p14:creationId xmlns:p14="http://schemas.microsoft.com/office/powerpoint/2010/main" val="1790904083"/>
+        <p14:creationId xmlns:p14="http://schemas.microsoft.com/office/powerpoint/2010/main" val="2992400165"/>
       </p:ext>
     </p:extLst>
   </p:cSld>
@@ -21833,21 +22194,8 @@
                   <a:srgbClr val="FF0000"/>
                 </a:solidFill>
               </a:rPr>
-              <a:t>Модели </a:t>
+              <a:t>Конструирование признаков</a:t>
             </a:r>
-            <a:r>
-              <a:rPr lang="en-US" sz="2800" b="1" dirty="0">
-                <a:solidFill>
-                  <a:srgbClr val="FF0000"/>
-                </a:solidFill>
-              </a:rPr>
-              <a:t>ML</a:t>
-            </a:r>
-            <a:endParaRPr lang="ru-RU" sz="2800" b="1" dirty="0">
-              <a:solidFill>
-                <a:srgbClr val="FF0000"/>
-              </a:solidFill>
-            </a:endParaRPr>
           </a:p>
         </p:txBody>
       </p:sp>
@@ -21930,8 +22278,8 @@
         </p:nvSpPr>
         <p:spPr bwMode="auto">
           <a:xfrm>
-            <a:off x="815666" y="1207747"/>
-            <a:ext cx="5916527" cy="4351337"/>
+            <a:off x="815667" y="1207747"/>
+            <a:ext cx="6192688" cy="4351337"/>
           </a:xfrm>
           <a:prstGeom prst="rect">
             <a:avLst/>
@@ -22146,6 +22494,19 @@
             </a:lvl9pPr>
           </a:lstStyle>
           <a:p>
+            <a:pPr marL="0" indent="0" eaLnBrk="1" fontAlgn="auto" hangingPunct="1">
+              <a:spcAft>
+                <a:spcPts val="0"/>
+              </a:spcAft>
+              <a:buNone/>
+              <a:defRPr/>
+            </a:pPr>
+            <a:r>
+              <a:rPr lang="ru-RU" dirty="0"/>
+              <a:t>Признаки: </a:t>
+            </a:r>
+          </a:p>
+          <a:p>
             <a:pPr eaLnBrk="1" fontAlgn="auto" hangingPunct="1">
               <a:spcAft>
                 <a:spcPts val="0"/>
@@ -22154,7 +22515,7 @@
             </a:pPr>
             <a:r>
               <a:rPr lang="ru-RU" dirty="0"/>
-              <a:t>Данные, признаки</a:t>
+              <a:t>нужны для описания объектов</a:t>
             </a:r>
           </a:p>
           <a:p>
@@ -22166,7 +22527,7 @@
             </a:pPr>
             <a:r>
               <a:rPr lang="ru-RU" dirty="0"/>
-              <a:t>Модель</a:t>
+              <a:t>должны быть числовыми</a:t>
             </a:r>
           </a:p>
           <a:p>
@@ -22178,7 +22539,7 @@
             </a:pPr>
             <a:r>
               <a:rPr lang="ru-RU" dirty="0"/>
-              <a:t>Обучение</a:t>
+              <a:t>могут быть зависимыми друг от друга (рост и вес)</a:t>
             </a:r>
           </a:p>
           <a:p>
@@ -22190,13 +22551,8 @@
             </a:pPr>
             <a:r>
               <a:rPr lang="ru-RU" dirty="0"/>
-              <a:t>Параметры, </a:t>
+              <a:t>имеют разное влияние на процесс</a:t>
             </a:r>
-            <a:r>
-              <a:rPr lang="ru-RU" dirty="0" err="1"/>
-              <a:t>гиперпараметры</a:t>
-            </a:r>
-            <a:endParaRPr lang="ru-RU" dirty="0"/>
           </a:p>
           <a:p>
             <a:pPr eaLnBrk="1" fontAlgn="auto" hangingPunct="1">
@@ -22207,7 +22563,7 @@
             </a:pPr>
             <a:r>
               <a:rPr lang="ru-RU" dirty="0"/>
-              <a:t>Метрики</a:t>
+              <a:t>имеют непрерывную или дискретную природу</a:t>
             </a:r>
           </a:p>
           <a:p>
@@ -22223,10 +22579,10 @@
       </p:sp>
       <p:pic>
         <p:nvPicPr>
-          <p:cNvPr id="16" name="Picture 3">
+          <p:cNvPr id="1026" name="Picture 2">
             <a:extLst>
               <a:ext uri="{FF2B5EF4-FFF2-40B4-BE49-F238E27FC236}">
-                <a16:creationId xmlns:a16="http://schemas.microsoft.com/office/drawing/2014/main" id="{6DCC5FE5-498B-05AB-BCE6-7453B327A134}"/>
+                <a16:creationId xmlns:a16="http://schemas.microsoft.com/office/drawing/2014/main" id="{87D7DF24-1C66-AF20-3712-95B78E98DBBA}"/>
               </a:ext>
             </a:extLst>
           </p:cNvPr>
@@ -22235,7 +22591,7 @@
           </p:cNvPicPr>
           <p:nvPr/>
         </p:nvPicPr>
-        <p:blipFill rotWithShape="1">
+        <p:blipFill>
           <a:blip r:embed="rId4">
             <a:extLst>
               <a:ext uri="{28A0092B-C50C-407E-A947-70E740481C1C}">
@@ -22243,21 +22599,20 @@
               </a:ext>
             </a:extLst>
           </a:blip>
-          <a:srcRect l="2962" t="2837" r="1289" b="1517"/>
-          <a:stretch/>
+          <a:srcRect/>
+          <a:stretch>
+            <a:fillRect/>
+          </a:stretch>
         </p:blipFill>
         <p:spPr bwMode="auto">
           <a:xfrm>
-            <a:off x="7381495" y="1207747"/>
-            <a:ext cx="4409452" cy="4875910"/>
+            <a:off x="7500147" y="1842105"/>
+            <a:ext cx="3876186" cy="3173789"/>
           </a:xfrm>
           <a:prstGeom prst="rect">
             <a:avLst/>
           </a:prstGeom>
           <a:noFill/>
-          <a:ln>
-            <a:noFill/>
-          </a:ln>
           <a:extLst>
             <a:ext uri="{909E8E84-426E-40DD-AFC4-6F175D3DCCD1}">
               <a14:hiddenFill xmlns:a14="http://schemas.microsoft.com/office/drawing/2010/main">
@@ -22265,16 +22620,6 @@
                   <a:srgbClr val="FFFFFF"/>
                 </a:solidFill>
               </a14:hiddenFill>
-            </a:ext>
-            <a:ext uri="{91240B29-F687-4F45-9708-019B960494DF}">
-              <a14:hiddenLine xmlns:a14="http://schemas.microsoft.com/office/drawing/2010/main" w="9525">
-                <a:solidFill>
-                  <a:srgbClr val="000000"/>
-                </a:solidFill>
-                <a:miter lim="800000"/>
-                <a:headEnd/>
-                <a:tailEnd/>
-              </a14:hiddenLine>
             </a:ext>
           </a:extLst>
         </p:spPr>
@@ -22282,7 +22627,7 @@
     </p:spTree>
     <p:extLst>
       <p:ext uri="{BB962C8B-B14F-4D97-AF65-F5344CB8AC3E}">
-        <p14:creationId xmlns:p14="http://schemas.microsoft.com/office/powerpoint/2010/main" val="2992400165"/>
+        <p14:creationId xmlns:p14="http://schemas.microsoft.com/office/powerpoint/2010/main" val="3449156623"/>
       </p:ext>
     </p:extLst>
   </p:cSld>
@@ -22487,7 +22832,7 @@
                   <a:srgbClr val="FF0000"/>
                 </a:solidFill>
               </a:rPr>
-              <a:t>Задачи машинного обучения</a:t>
+              <a:t>Обучение модели</a:t>
             </a:r>
           </a:p>
         </p:txBody>
@@ -22555,336 +22900,54 @@
           </a:xfrm>
         </p:spPr>
       </p:pic>
-      <p:sp>
-        <p:nvSpPr>
-          <p:cNvPr id="5" name="Содержимое 2">
+      <p:pic>
+        <p:nvPicPr>
+          <p:cNvPr id="2" name="Picture 2">
             <a:extLst>
               <a:ext uri="{FF2B5EF4-FFF2-40B4-BE49-F238E27FC236}">
-                <a16:creationId xmlns:a16="http://schemas.microsoft.com/office/drawing/2014/main" id="{87B27992-992A-EC3A-7C41-3CE812E130CB}"/>
+                <a16:creationId xmlns:a16="http://schemas.microsoft.com/office/drawing/2014/main" id="{38829634-D290-CD12-ED44-F3A362A4C4B0}"/>
               </a:ext>
             </a:extLst>
           </p:cNvPr>
-          <p:cNvSpPr txBox="1">
-            <a:spLocks/>
-          </p:cNvSpPr>
+          <p:cNvPicPr>
+            <a:picLocks noChangeAspect="1" noChangeArrowheads="1"/>
+          </p:cNvPicPr>
           <p:nvPr/>
-        </p:nvSpPr>
+        </p:nvPicPr>
+        <p:blipFill>
+          <a:blip r:embed="rId4">
+            <a:extLst>
+              <a:ext uri="{28A0092B-C50C-407E-A947-70E740481C1C}">
+                <a14:useLocalDpi xmlns:a14="http://schemas.microsoft.com/office/drawing/2010/main" val="0"/>
+              </a:ext>
+            </a:extLst>
+          </a:blip>
+          <a:srcRect/>
+          <a:stretch>
+            <a:fillRect/>
+          </a:stretch>
+        </p:blipFill>
         <p:spPr bwMode="auto">
           <a:xfrm>
-            <a:off x="815666" y="1207747"/>
-            <a:ext cx="10975281" cy="4351337"/>
+            <a:off x="2530331" y="1816022"/>
+            <a:ext cx="7655904" cy="3666071"/>
           </a:xfrm>
           <a:prstGeom prst="rect">
             <a:avLst/>
           </a:prstGeom>
           <a:noFill/>
-          <a:ln>
+          <a:ln w="9525">
             <a:noFill/>
+            <a:miter lim="800000"/>
+            <a:headEnd/>
+            <a:tailEnd/>
           </a:ln>
-          <a:extLst>
-            <a:ext uri="{909E8E84-426E-40DD-AFC4-6F175D3DCCD1}">
-              <a14:hiddenFill xmlns:a14="http://schemas.microsoft.com/office/drawing/2010/main">
-                <a:solidFill>
-                  <a:srgbClr val="FFFFFF"/>
-                </a:solidFill>
-              </a14:hiddenFill>
-            </a:ext>
-            <a:ext uri="{91240B29-F687-4F45-9708-019B960494DF}">
-              <a14:hiddenLine xmlns:a14="http://schemas.microsoft.com/office/drawing/2010/main" w="9525">
-                <a:solidFill>
-                  <a:srgbClr val="000000"/>
-                </a:solidFill>
-                <a:miter lim="800000"/>
-                <a:headEnd/>
-                <a:tailEnd/>
-              </a14:hiddenLine>
-            </a:ext>
-          </a:extLst>
         </p:spPr>
-        <p:txBody>
-          <a:bodyPr vert="horz" wrap="square" lIns="91440" tIns="45720" rIns="91440" bIns="45720" numCol="1" anchor="t" anchorCtr="0" compatLnSpc="1">
-            <a:prstTxWarp prst="textNoShape">
-              <a:avLst/>
-            </a:prstTxWarp>
-          </a:bodyPr>
-          <a:lstStyle>
-            <a:lvl1pPr marL="228600" indent="-228600" algn="l" rtl="0" eaLnBrk="0" fontAlgn="base" hangingPunct="0">
-              <a:lnSpc>
-                <a:spcPct val="90000"/>
-              </a:lnSpc>
-              <a:spcBef>
-                <a:spcPts val="1000"/>
-              </a:spcBef>
-              <a:spcAft>
-                <a:spcPct val="0"/>
-              </a:spcAft>
-              <a:buFont typeface="Arial" panose="020B0604020202020204" pitchFamily="34" charset="0"/>
-              <a:buChar char="•"/>
-              <a:defRPr sz="2800" kern="1200">
-                <a:solidFill>
-                  <a:schemeClr val="tx1"/>
-                </a:solidFill>
-                <a:latin typeface="+mn-lt"/>
-                <a:ea typeface="+mn-ea"/>
-                <a:cs typeface="+mn-cs"/>
-              </a:defRPr>
-            </a:lvl1pPr>
-            <a:lvl2pPr marL="685800" indent="-228600" algn="l" rtl="0" eaLnBrk="0" fontAlgn="base" hangingPunct="0">
-              <a:lnSpc>
-                <a:spcPct val="90000"/>
-              </a:lnSpc>
-              <a:spcBef>
-                <a:spcPts val="500"/>
-              </a:spcBef>
-              <a:spcAft>
-                <a:spcPct val="0"/>
-              </a:spcAft>
-              <a:buFont typeface="Arial" panose="020B0604020202020204" pitchFamily="34" charset="0"/>
-              <a:buChar char="•"/>
-              <a:defRPr sz="2400" kern="1200">
-                <a:solidFill>
-                  <a:schemeClr val="tx1"/>
-                </a:solidFill>
-                <a:latin typeface="+mn-lt"/>
-                <a:ea typeface="+mn-ea"/>
-                <a:cs typeface="+mn-cs"/>
-              </a:defRPr>
-            </a:lvl2pPr>
-            <a:lvl3pPr marL="1143000" indent="-228600" algn="l" rtl="0" eaLnBrk="0" fontAlgn="base" hangingPunct="0">
-              <a:lnSpc>
-                <a:spcPct val="90000"/>
-              </a:lnSpc>
-              <a:spcBef>
-                <a:spcPts val="500"/>
-              </a:spcBef>
-              <a:spcAft>
-                <a:spcPct val="0"/>
-              </a:spcAft>
-              <a:buFont typeface="Arial" panose="020B0604020202020204" pitchFamily="34" charset="0"/>
-              <a:buChar char="•"/>
-              <a:defRPr sz="2000" kern="1200">
-                <a:solidFill>
-                  <a:schemeClr val="tx1"/>
-                </a:solidFill>
-                <a:latin typeface="+mn-lt"/>
-                <a:ea typeface="+mn-ea"/>
-                <a:cs typeface="+mn-cs"/>
-              </a:defRPr>
-            </a:lvl3pPr>
-            <a:lvl4pPr marL="1600200" indent="-228600" algn="l" rtl="0" eaLnBrk="0" fontAlgn="base" hangingPunct="0">
-              <a:lnSpc>
-                <a:spcPct val="90000"/>
-              </a:lnSpc>
-              <a:spcBef>
-                <a:spcPts val="500"/>
-              </a:spcBef>
-              <a:spcAft>
-                <a:spcPct val="0"/>
-              </a:spcAft>
-              <a:buFont typeface="Arial" panose="020B0604020202020204" pitchFamily="34" charset="0"/>
-              <a:buChar char="•"/>
-              <a:defRPr kern="1200">
-                <a:solidFill>
-                  <a:schemeClr val="tx1"/>
-                </a:solidFill>
-                <a:latin typeface="+mn-lt"/>
-                <a:ea typeface="+mn-ea"/>
-                <a:cs typeface="+mn-cs"/>
-              </a:defRPr>
-            </a:lvl4pPr>
-            <a:lvl5pPr marL="2057400" indent="-228600" algn="l" rtl="0" eaLnBrk="0" fontAlgn="base" hangingPunct="0">
-              <a:lnSpc>
-                <a:spcPct val="90000"/>
-              </a:lnSpc>
-              <a:spcBef>
-                <a:spcPts val="500"/>
-              </a:spcBef>
-              <a:spcAft>
-                <a:spcPct val="0"/>
-              </a:spcAft>
-              <a:buFont typeface="Arial" panose="020B0604020202020204" pitchFamily="34" charset="0"/>
-              <a:buChar char="•"/>
-              <a:defRPr kern="1200">
-                <a:solidFill>
-                  <a:schemeClr val="tx1"/>
-                </a:solidFill>
-                <a:latin typeface="+mn-lt"/>
-                <a:ea typeface="+mn-ea"/>
-                <a:cs typeface="+mn-cs"/>
-              </a:defRPr>
-            </a:lvl5pPr>
-            <a:lvl6pPr marL="2514600" indent="-228600" algn="l" defTabSz="914400" rtl="0" eaLnBrk="1" latinLnBrk="0" hangingPunct="1">
-              <a:lnSpc>
-                <a:spcPct val="90000"/>
-              </a:lnSpc>
-              <a:spcBef>
-                <a:spcPts val="500"/>
-              </a:spcBef>
-              <a:buFont typeface="Arial" panose="020B0604020202020204" pitchFamily="34" charset="0"/>
-              <a:buChar char="•"/>
-              <a:defRPr sz="1800" kern="1200">
-                <a:solidFill>
-                  <a:schemeClr val="tx1"/>
-                </a:solidFill>
-                <a:latin typeface="+mn-lt"/>
-                <a:ea typeface="+mn-ea"/>
-                <a:cs typeface="+mn-cs"/>
-              </a:defRPr>
-            </a:lvl6pPr>
-            <a:lvl7pPr marL="2971800" indent="-228600" algn="l" defTabSz="914400" rtl="0" eaLnBrk="1" latinLnBrk="0" hangingPunct="1">
-              <a:lnSpc>
-                <a:spcPct val="90000"/>
-              </a:lnSpc>
-              <a:spcBef>
-                <a:spcPts val="500"/>
-              </a:spcBef>
-              <a:buFont typeface="Arial" panose="020B0604020202020204" pitchFamily="34" charset="0"/>
-              <a:buChar char="•"/>
-              <a:defRPr sz="1800" kern="1200">
-                <a:solidFill>
-                  <a:schemeClr val="tx1"/>
-                </a:solidFill>
-                <a:latin typeface="+mn-lt"/>
-                <a:ea typeface="+mn-ea"/>
-                <a:cs typeface="+mn-cs"/>
-              </a:defRPr>
-            </a:lvl7pPr>
-            <a:lvl8pPr marL="3429000" indent="-228600" algn="l" defTabSz="914400" rtl="0" eaLnBrk="1" latinLnBrk="0" hangingPunct="1">
-              <a:lnSpc>
-                <a:spcPct val="90000"/>
-              </a:lnSpc>
-              <a:spcBef>
-                <a:spcPts val="500"/>
-              </a:spcBef>
-              <a:buFont typeface="Arial" panose="020B0604020202020204" pitchFamily="34" charset="0"/>
-              <a:buChar char="•"/>
-              <a:defRPr sz="1800" kern="1200">
-                <a:solidFill>
-                  <a:schemeClr val="tx1"/>
-                </a:solidFill>
-                <a:latin typeface="+mn-lt"/>
-                <a:ea typeface="+mn-ea"/>
-                <a:cs typeface="+mn-cs"/>
-              </a:defRPr>
-            </a:lvl8pPr>
-            <a:lvl9pPr marL="3886200" indent="-228600" algn="l" defTabSz="914400" rtl="0" eaLnBrk="1" latinLnBrk="0" hangingPunct="1">
-              <a:lnSpc>
-                <a:spcPct val="90000"/>
-              </a:lnSpc>
-              <a:spcBef>
-                <a:spcPts val="500"/>
-              </a:spcBef>
-              <a:buFont typeface="Arial" panose="020B0604020202020204" pitchFamily="34" charset="0"/>
-              <a:buChar char="•"/>
-              <a:defRPr sz="1800" kern="1200">
-                <a:solidFill>
-                  <a:schemeClr val="tx1"/>
-                </a:solidFill>
-                <a:latin typeface="+mn-lt"/>
-                <a:ea typeface="+mn-ea"/>
-                <a:cs typeface="+mn-cs"/>
-              </a:defRPr>
-            </a:lvl9pPr>
-          </a:lstStyle>
-          <a:p>
-            <a:pPr eaLnBrk="1" fontAlgn="auto" hangingPunct="1">
-              <a:spcAft>
-                <a:spcPts val="0"/>
-              </a:spcAft>
-              <a:defRPr/>
-            </a:pPr>
-            <a:r>
-              <a:rPr lang="ru-RU" dirty="0"/>
-              <a:t>Прогнозирование (погода, курс акций)</a:t>
-            </a:r>
-          </a:p>
-          <a:p>
-            <a:pPr eaLnBrk="1" fontAlgn="auto" hangingPunct="1">
-              <a:spcAft>
-                <a:spcPts val="0"/>
-              </a:spcAft>
-              <a:defRPr/>
-            </a:pPr>
-            <a:r>
-              <a:rPr lang="ru-RU" dirty="0"/>
-              <a:t>Классификация (клиенты, пациенты)</a:t>
-            </a:r>
-          </a:p>
-          <a:p>
-            <a:pPr eaLnBrk="1" fontAlgn="auto" hangingPunct="1">
-              <a:spcAft>
-                <a:spcPts val="0"/>
-              </a:spcAft>
-              <a:defRPr/>
-            </a:pPr>
-            <a:r>
-              <a:rPr lang="ru-RU" dirty="0"/>
-              <a:t>Кластеризация (покупатели, избиратели)</a:t>
-            </a:r>
-          </a:p>
-          <a:p>
-            <a:pPr eaLnBrk="1" fontAlgn="auto" hangingPunct="1">
-              <a:spcAft>
-                <a:spcPts val="0"/>
-              </a:spcAft>
-              <a:defRPr/>
-            </a:pPr>
-            <a:r>
-              <a:rPr lang="ru-RU" dirty="0"/>
-              <a:t>Моделирование, цифровые двойники (прогнозирование спроса)</a:t>
-            </a:r>
-          </a:p>
-          <a:p>
-            <a:pPr eaLnBrk="1" fontAlgn="auto" hangingPunct="1">
-              <a:spcAft>
-                <a:spcPts val="0"/>
-              </a:spcAft>
-              <a:defRPr/>
-            </a:pPr>
-            <a:r>
-              <a:rPr lang="ru-RU" dirty="0"/>
-              <a:t>Поиск и анализ паттернов (режимы работы оборудования)</a:t>
-            </a:r>
-          </a:p>
-          <a:p>
-            <a:pPr eaLnBrk="1" fontAlgn="auto" hangingPunct="1">
-              <a:spcAft>
-                <a:spcPts val="0"/>
-              </a:spcAft>
-              <a:defRPr/>
-            </a:pPr>
-            <a:r>
-              <a:rPr lang="ru-RU" dirty="0"/>
-              <a:t>Поиск аномалий (злонамеренная активность, отклонения в работе оборудования) </a:t>
-            </a:r>
-          </a:p>
-          <a:p>
-            <a:pPr eaLnBrk="1" fontAlgn="auto" hangingPunct="1">
-              <a:spcAft>
-                <a:spcPts val="0"/>
-              </a:spcAft>
-              <a:defRPr/>
-            </a:pPr>
-            <a:r>
-              <a:rPr lang="ru-RU" dirty="0"/>
-              <a:t>Оптимизация систем, алгоритмов, процессов</a:t>
-            </a:r>
-          </a:p>
-          <a:p>
-            <a:pPr eaLnBrk="1" fontAlgn="auto" hangingPunct="1">
-              <a:spcAft>
-                <a:spcPts val="0"/>
-              </a:spcAft>
-              <a:defRPr/>
-            </a:pPr>
-            <a:endParaRPr lang="ru-RU" dirty="0"/>
-          </a:p>
-        </p:txBody>
-      </p:sp>
+      </p:pic>
     </p:spTree>
     <p:extLst>
       <p:ext uri="{BB962C8B-B14F-4D97-AF65-F5344CB8AC3E}">
-        <p14:creationId xmlns:p14="http://schemas.microsoft.com/office/powerpoint/2010/main" val="1600909241"/>
+        <p14:creationId xmlns:p14="http://schemas.microsoft.com/office/powerpoint/2010/main" val="2221768307"/>
       </p:ext>
     </p:extLst>
   </p:cSld>
@@ -23089,7 +23152,7 @@
                   <a:srgbClr val="FF0000"/>
                 </a:solidFill>
               </a:rPr>
-              <a:t>Конструирование признаков</a:t>
+              <a:t>Обучение с учителем</a:t>
             </a:r>
           </a:p>
         </p:txBody>
@@ -23157,24 +23220,37 @@
           </a:xfrm>
         </p:spPr>
       </p:pic>
-      <p:sp>
-        <p:nvSpPr>
-          <p:cNvPr id="5" name="Содержимое 2">
+      <p:pic>
+        <p:nvPicPr>
+          <p:cNvPr id="3074" name="Picture 2">
             <a:extLst>
               <a:ext uri="{FF2B5EF4-FFF2-40B4-BE49-F238E27FC236}">
-                <a16:creationId xmlns:a16="http://schemas.microsoft.com/office/drawing/2014/main" id="{87B27992-992A-EC3A-7C41-3CE812E130CB}"/>
+                <a16:creationId xmlns:a16="http://schemas.microsoft.com/office/drawing/2014/main" id="{F41F882C-C482-A11A-B9AE-F5C04120F300}"/>
               </a:ext>
             </a:extLst>
           </p:cNvPr>
-          <p:cNvSpPr txBox="1">
-            <a:spLocks/>
-          </p:cNvSpPr>
+          <p:cNvPicPr>
+            <a:picLocks noChangeAspect="1" noChangeArrowheads="1"/>
+          </p:cNvPicPr>
           <p:nvPr/>
-        </p:nvSpPr>
+        </p:nvPicPr>
+        <p:blipFill>
+          <a:blip r:embed="rId4">
+            <a:extLst>
+              <a:ext uri="{28A0092B-C50C-407E-A947-70E740481C1C}">
+                <a14:useLocalDpi xmlns:a14="http://schemas.microsoft.com/office/drawing/2010/main" val="0"/>
+              </a:ext>
+            </a:extLst>
+          </a:blip>
+          <a:srcRect/>
+          <a:stretch>
+            <a:fillRect/>
+          </a:stretch>
+        </p:blipFill>
         <p:spPr bwMode="auto">
           <a:xfrm>
-            <a:off x="815667" y="1207747"/>
-            <a:ext cx="6192688" cy="4351337"/>
+            <a:off x="1636712" y="1291724"/>
+            <a:ext cx="8918576" cy="4714666"/>
           </a:xfrm>
           <a:prstGeom prst="rect">
             <a:avLst/>
@@ -23183,346 +23259,12 @@
           <a:ln>
             <a:noFill/>
           </a:ln>
-          <a:extLst>
-            <a:ext uri="{909E8E84-426E-40DD-AFC4-6F175D3DCCD1}">
-              <a14:hiddenFill xmlns:a14="http://schemas.microsoft.com/office/drawing/2010/main">
-                <a:solidFill>
-                  <a:srgbClr val="FFFFFF"/>
-                </a:solidFill>
-              </a14:hiddenFill>
-            </a:ext>
-            <a:ext uri="{91240B29-F687-4F45-9708-019B960494DF}">
-              <a14:hiddenLine xmlns:a14="http://schemas.microsoft.com/office/drawing/2010/main" w="9525">
-                <a:solidFill>
-                  <a:srgbClr val="000000"/>
-                </a:solidFill>
-                <a:miter lim="800000"/>
-                <a:headEnd/>
-                <a:tailEnd/>
-              </a14:hiddenLine>
-            </a:ext>
-          </a:extLst>
-        </p:spPr>
-        <p:txBody>
-          <a:bodyPr vert="horz" wrap="square" lIns="91440" tIns="45720" rIns="91440" bIns="45720" numCol="1" anchor="t" anchorCtr="0" compatLnSpc="1">
-            <a:prstTxWarp prst="textNoShape">
-              <a:avLst/>
-            </a:prstTxWarp>
-          </a:bodyPr>
-          <a:lstStyle>
-            <a:lvl1pPr marL="228600" indent="-228600" algn="l" rtl="0" eaLnBrk="0" fontAlgn="base" hangingPunct="0">
-              <a:lnSpc>
-                <a:spcPct val="90000"/>
-              </a:lnSpc>
-              <a:spcBef>
-                <a:spcPts val="1000"/>
-              </a:spcBef>
-              <a:spcAft>
-                <a:spcPct val="0"/>
-              </a:spcAft>
-              <a:buFont typeface="Arial" panose="020B0604020202020204" pitchFamily="34" charset="0"/>
-              <a:buChar char="•"/>
-              <a:defRPr sz="2800" kern="1200">
-                <a:solidFill>
-                  <a:schemeClr val="tx1"/>
-                </a:solidFill>
-                <a:latin typeface="+mn-lt"/>
-                <a:ea typeface="+mn-ea"/>
-                <a:cs typeface="+mn-cs"/>
-              </a:defRPr>
-            </a:lvl1pPr>
-            <a:lvl2pPr marL="685800" indent="-228600" algn="l" rtl="0" eaLnBrk="0" fontAlgn="base" hangingPunct="0">
-              <a:lnSpc>
-                <a:spcPct val="90000"/>
-              </a:lnSpc>
-              <a:spcBef>
-                <a:spcPts val="500"/>
-              </a:spcBef>
-              <a:spcAft>
-                <a:spcPct val="0"/>
-              </a:spcAft>
-              <a:buFont typeface="Arial" panose="020B0604020202020204" pitchFamily="34" charset="0"/>
-              <a:buChar char="•"/>
-              <a:defRPr sz="2400" kern="1200">
-                <a:solidFill>
-                  <a:schemeClr val="tx1"/>
-                </a:solidFill>
-                <a:latin typeface="+mn-lt"/>
-                <a:ea typeface="+mn-ea"/>
-                <a:cs typeface="+mn-cs"/>
-              </a:defRPr>
-            </a:lvl2pPr>
-            <a:lvl3pPr marL="1143000" indent="-228600" algn="l" rtl="0" eaLnBrk="0" fontAlgn="base" hangingPunct="0">
-              <a:lnSpc>
-                <a:spcPct val="90000"/>
-              </a:lnSpc>
-              <a:spcBef>
-                <a:spcPts val="500"/>
-              </a:spcBef>
-              <a:spcAft>
-                <a:spcPct val="0"/>
-              </a:spcAft>
-              <a:buFont typeface="Arial" panose="020B0604020202020204" pitchFamily="34" charset="0"/>
-              <a:buChar char="•"/>
-              <a:defRPr sz="2000" kern="1200">
-                <a:solidFill>
-                  <a:schemeClr val="tx1"/>
-                </a:solidFill>
-                <a:latin typeface="+mn-lt"/>
-                <a:ea typeface="+mn-ea"/>
-                <a:cs typeface="+mn-cs"/>
-              </a:defRPr>
-            </a:lvl3pPr>
-            <a:lvl4pPr marL="1600200" indent="-228600" algn="l" rtl="0" eaLnBrk="0" fontAlgn="base" hangingPunct="0">
-              <a:lnSpc>
-                <a:spcPct val="90000"/>
-              </a:lnSpc>
-              <a:spcBef>
-                <a:spcPts val="500"/>
-              </a:spcBef>
-              <a:spcAft>
-                <a:spcPct val="0"/>
-              </a:spcAft>
-              <a:buFont typeface="Arial" panose="020B0604020202020204" pitchFamily="34" charset="0"/>
-              <a:buChar char="•"/>
-              <a:defRPr kern="1200">
-                <a:solidFill>
-                  <a:schemeClr val="tx1"/>
-                </a:solidFill>
-                <a:latin typeface="+mn-lt"/>
-                <a:ea typeface="+mn-ea"/>
-                <a:cs typeface="+mn-cs"/>
-              </a:defRPr>
-            </a:lvl4pPr>
-            <a:lvl5pPr marL="2057400" indent="-228600" algn="l" rtl="0" eaLnBrk="0" fontAlgn="base" hangingPunct="0">
-              <a:lnSpc>
-                <a:spcPct val="90000"/>
-              </a:lnSpc>
-              <a:spcBef>
-                <a:spcPts val="500"/>
-              </a:spcBef>
-              <a:spcAft>
-                <a:spcPct val="0"/>
-              </a:spcAft>
-              <a:buFont typeface="Arial" panose="020B0604020202020204" pitchFamily="34" charset="0"/>
-              <a:buChar char="•"/>
-              <a:defRPr kern="1200">
-                <a:solidFill>
-                  <a:schemeClr val="tx1"/>
-                </a:solidFill>
-                <a:latin typeface="+mn-lt"/>
-                <a:ea typeface="+mn-ea"/>
-                <a:cs typeface="+mn-cs"/>
-              </a:defRPr>
-            </a:lvl5pPr>
-            <a:lvl6pPr marL="2514600" indent="-228600" algn="l" defTabSz="914400" rtl="0" eaLnBrk="1" latinLnBrk="0" hangingPunct="1">
-              <a:lnSpc>
-                <a:spcPct val="90000"/>
-              </a:lnSpc>
-              <a:spcBef>
-                <a:spcPts val="500"/>
-              </a:spcBef>
-              <a:buFont typeface="Arial" panose="020B0604020202020204" pitchFamily="34" charset="0"/>
-              <a:buChar char="•"/>
-              <a:defRPr sz="1800" kern="1200">
-                <a:solidFill>
-                  <a:schemeClr val="tx1"/>
-                </a:solidFill>
-                <a:latin typeface="+mn-lt"/>
-                <a:ea typeface="+mn-ea"/>
-                <a:cs typeface="+mn-cs"/>
-              </a:defRPr>
-            </a:lvl6pPr>
-            <a:lvl7pPr marL="2971800" indent="-228600" algn="l" defTabSz="914400" rtl="0" eaLnBrk="1" latinLnBrk="0" hangingPunct="1">
-              <a:lnSpc>
-                <a:spcPct val="90000"/>
-              </a:lnSpc>
-              <a:spcBef>
-                <a:spcPts val="500"/>
-              </a:spcBef>
-              <a:buFont typeface="Arial" panose="020B0604020202020204" pitchFamily="34" charset="0"/>
-              <a:buChar char="•"/>
-              <a:defRPr sz="1800" kern="1200">
-                <a:solidFill>
-                  <a:schemeClr val="tx1"/>
-                </a:solidFill>
-                <a:latin typeface="+mn-lt"/>
-                <a:ea typeface="+mn-ea"/>
-                <a:cs typeface="+mn-cs"/>
-              </a:defRPr>
-            </a:lvl7pPr>
-            <a:lvl8pPr marL="3429000" indent="-228600" algn="l" defTabSz="914400" rtl="0" eaLnBrk="1" latinLnBrk="0" hangingPunct="1">
-              <a:lnSpc>
-                <a:spcPct val="90000"/>
-              </a:lnSpc>
-              <a:spcBef>
-                <a:spcPts val="500"/>
-              </a:spcBef>
-              <a:buFont typeface="Arial" panose="020B0604020202020204" pitchFamily="34" charset="0"/>
-              <a:buChar char="•"/>
-              <a:defRPr sz="1800" kern="1200">
-                <a:solidFill>
-                  <a:schemeClr val="tx1"/>
-                </a:solidFill>
-                <a:latin typeface="+mn-lt"/>
-                <a:ea typeface="+mn-ea"/>
-                <a:cs typeface="+mn-cs"/>
-              </a:defRPr>
-            </a:lvl8pPr>
-            <a:lvl9pPr marL="3886200" indent="-228600" algn="l" defTabSz="914400" rtl="0" eaLnBrk="1" latinLnBrk="0" hangingPunct="1">
-              <a:lnSpc>
-                <a:spcPct val="90000"/>
-              </a:lnSpc>
-              <a:spcBef>
-                <a:spcPts val="500"/>
-              </a:spcBef>
-              <a:buFont typeface="Arial" panose="020B0604020202020204" pitchFamily="34" charset="0"/>
-              <a:buChar char="•"/>
-              <a:defRPr sz="1800" kern="1200">
-                <a:solidFill>
-                  <a:schemeClr val="tx1"/>
-                </a:solidFill>
-                <a:latin typeface="+mn-lt"/>
-                <a:ea typeface="+mn-ea"/>
-                <a:cs typeface="+mn-cs"/>
-              </a:defRPr>
-            </a:lvl9pPr>
-          </a:lstStyle>
-          <a:p>
-            <a:pPr marL="0" indent="0" eaLnBrk="1" fontAlgn="auto" hangingPunct="1">
-              <a:spcAft>
-                <a:spcPts val="0"/>
-              </a:spcAft>
-              <a:buNone/>
-              <a:defRPr/>
-            </a:pPr>
-            <a:r>
-              <a:rPr lang="ru-RU" dirty="0"/>
-              <a:t>Признаки: </a:t>
-            </a:r>
-          </a:p>
-          <a:p>
-            <a:pPr eaLnBrk="1" fontAlgn="auto" hangingPunct="1">
-              <a:spcAft>
-                <a:spcPts val="0"/>
-              </a:spcAft>
-              <a:defRPr/>
-            </a:pPr>
-            <a:r>
-              <a:rPr lang="ru-RU" dirty="0"/>
-              <a:t>нужны для описания объектов</a:t>
-            </a:r>
-          </a:p>
-          <a:p>
-            <a:pPr eaLnBrk="1" fontAlgn="auto" hangingPunct="1">
-              <a:spcAft>
-                <a:spcPts val="0"/>
-              </a:spcAft>
-              <a:defRPr/>
-            </a:pPr>
-            <a:r>
-              <a:rPr lang="ru-RU" dirty="0"/>
-              <a:t>должны быть числовыми</a:t>
-            </a:r>
-          </a:p>
-          <a:p>
-            <a:pPr eaLnBrk="1" fontAlgn="auto" hangingPunct="1">
-              <a:spcAft>
-                <a:spcPts val="0"/>
-              </a:spcAft>
-              <a:defRPr/>
-            </a:pPr>
-            <a:r>
-              <a:rPr lang="ru-RU" dirty="0"/>
-              <a:t>могут быть зависимыми друг от друга (рост и вес)</a:t>
-            </a:r>
-          </a:p>
-          <a:p>
-            <a:pPr eaLnBrk="1" fontAlgn="auto" hangingPunct="1">
-              <a:spcAft>
-                <a:spcPts val="0"/>
-              </a:spcAft>
-              <a:defRPr/>
-            </a:pPr>
-            <a:r>
-              <a:rPr lang="ru-RU" dirty="0"/>
-              <a:t>имеют разное влияние на процесс</a:t>
-            </a:r>
-          </a:p>
-          <a:p>
-            <a:pPr eaLnBrk="1" fontAlgn="auto" hangingPunct="1">
-              <a:spcAft>
-                <a:spcPts val="0"/>
-              </a:spcAft>
-              <a:defRPr/>
-            </a:pPr>
-            <a:r>
-              <a:rPr lang="ru-RU" dirty="0"/>
-              <a:t>имеют непрерывную или дискретную природу</a:t>
-            </a:r>
-          </a:p>
-          <a:p>
-            <a:pPr eaLnBrk="1" fontAlgn="auto" hangingPunct="1">
-              <a:spcAft>
-                <a:spcPts val="0"/>
-              </a:spcAft>
-              <a:defRPr/>
-            </a:pPr>
-            <a:endParaRPr lang="ru-RU" dirty="0"/>
-          </a:p>
-        </p:txBody>
-      </p:sp>
-      <p:pic>
-        <p:nvPicPr>
-          <p:cNvPr id="1026" name="Picture 2">
-            <a:extLst>
-              <a:ext uri="{FF2B5EF4-FFF2-40B4-BE49-F238E27FC236}">
-                <a16:creationId xmlns:a16="http://schemas.microsoft.com/office/drawing/2014/main" id="{87D7DF24-1C66-AF20-3712-95B78E98DBBA}"/>
-              </a:ext>
-            </a:extLst>
-          </p:cNvPr>
-          <p:cNvPicPr>
-            <a:picLocks noChangeAspect="1" noChangeArrowheads="1"/>
-          </p:cNvPicPr>
-          <p:nvPr/>
-        </p:nvPicPr>
-        <p:blipFill>
-          <a:blip r:embed="rId4">
-            <a:extLst>
-              <a:ext uri="{28A0092B-C50C-407E-A947-70E740481C1C}">
-                <a14:useLocalDpi xmlns:a14="http://schemas.microsoft.com/office/drawing/2010/main" val="0"/>
-              </a:ext>
-            </a:extLst>
-          </a:blip>
-          <a:srcRect/>
-          <a:stretch>
-            <a:fillRect/>
-          </a:stretch>
-        </p:blipFill>
-        <p:spPr bwMode="auto">
-          <a:xfrm>
-            <a:off x="7500147" y="1842105"/>
-            <a:ext cx="3876186" cy="3173789"/>
-          </a:xfrm>
-          <a:prstGeom prst="rect">
-            <a:avLst/>
-          </a:prstGeom>
-          <a:noFill/>
-          <a:extLst>
-            <a:ext uri="{909E8E84-426E-40DD-AFC4-6F175D3DCCD1}">
-              <a14:hiddenFill xmlns:a14="http://schemas.microsoft.com/office/drawing/2010/main">
-                <a:solidFill>
-                  <a:srgbClr val="FFFFFF"/>
-                </a:solidFill>
-              </a14:hiddenFill>
-            </a:ext>
-          </a:extLst>
         </p:spPr>
       </p:pic>
     </p:spTree>
     <p:extLst>
       <p:ext uri="{BB962C8B-B14F-4D97-AF65-F5344CB8AC3E}">
-        <p14:creationId xmlns:p14="http://schemas.microsoft.com/office/powerpoint/2010/main" val="3449156623"/>
+        <p14:creationId xmlns:p14="http://schemas.microsoft.com/office/powerpoint/2010/main" val="2025337357"/>
       </p:ext>
     </p:extLst>
   </p:cSld>
@@ -23727,7 +23469,7 @@
                   <a:srgbClr val="FF0000"/>
                 </a:solidFill>
               </a:rPr>
-              <a:t>Обучение модели</a:t>
+              <a:t>Обучение без учителя</a:t>
             </a:r>
           </a:p>
         </p:txBody>
@@ -23800,7 +23542,7 @@
           <p:cNvPr id="2" name="Picture 2">
             <a:extLst>
               <a:ext uri="{FF2B5EF4-FFF2-40B4-BE49-F238E27FC236}">
-                <a16:creationId xmlns:a16="http://schemas.microsoft.com/office/drawing/2014/main" id="{38829634-D290-CD12-ED44-F3A362A4C4B0}"/>
+                <a16:creationId xmlns:a16="http://schemas.microsoft.com/office/drawing/2014/main" id="{56CA119F-1449-D7F6-DAC9-0BA2DD8EC703}"/>
               </a:ext>
             </a:extLst>
           </p:cNvPr>
@@ -23824,8 +23566,8 @@
         </p:blipFill>
         <p:spPr bwMode="auto">
           <a:xfrm>
-            <a:off x="2530331" y="1816022"/>
-            <a:ext cx="7655904" cy="3666071"/>
+            <a:off x="1393031" y="1282095"/>
+            <a:ext cx="9405937" cy="4733925"/>
           </a:xfrm>
           <a:prstGeom prst="rect">
             <a:avLst/>
@@ -23842,7 +23584,7 @@
     </p:spTree>
     <p:extLst>
       <p:ext uri="{BB962C8B-B14F-4D97-AF65-F5344CB8AC3E}">
-        <p14:creationId xmlns:p14="http://schemas.microsoft.com/office/powerpoint/2010/main" val="2221768307"/>
+        <p14:creationId xmlns:p14="http://schemas.microsoft.com/office/powerpoint/2010/main" val="368099276"/>
       </p:ext>
     </p:extLst>
   </p:cSld>
